--- a/DS_project_presentation1.pptx
+++ b/DS_project_presentation1.pptx
@@ -4,10 +4,14 @@
   <p:sldMasterIdLst>
     <p:sldMasterId id="2147483801" r:id="rId1"/>
   </p:sldMasterIdLst>
+  <p:notesMasterIdLst>
+    <p:notesMasterId r:id="rId6"/>
+  </p:notesMasterIdLst>
   <p:sldIdLst>
     <p:sldId id="258" r:id="rId2"/>
     <p:sldId id="259" r:id="rId3"/>
-    <p:sldId id="260" r:id="rId4"/>
+    <p:sldId id="261" r:id="rId4"/>
+    <p:sldId id="260" r:id="rId5"/>
   </p:sldIdLst>
   <p:sldSz cx="12192000" cy="6858000"/>
   <p:notesSz cx="6858000" cy="9144000"/>
@@ -106,7 +110,362 @@
       </a:defRPr>
     </a:lvl9pPr>
   </p:defaultTextStyle>
+  <p:extLst>
+    <p:ext uri="{EFAFB233-063F-42B5-8137-9DF3F51BA10A}">
+      <p15:sldGuideLst xmlns:p15="http://schemas.microsoft.com/office/powerpoint/2012/main"/>
+    </p:ext>
+  </p:extLst>
 </p:presentation>
+</file>
+
+<file path=ppt/notesMasters/notesMaster1.xml><?xml version="1.0" encoding="utf-8"?>
+<p:notesMaster xmlns:a="http://schemas.openxmlformats.org/drawingml/2006/main" xmlns:r="http://schemas.openxmlformats.org/officeDocument/2006/relationships" xmlns:p="http://schemas.openxmlformats.org/presentationml/2006/main">
+  <p:cSld>
+    <p:bg>
+      <p:bgRef idx="1001">
+        <a:schemeClr val="bg1"/>
+      </p:bgRef>
+    </p:bg>
+    <p:spTree>
+      <p:nvGrpSpPr>
+        <p:cNvPr id="1" name=""/>
+        <p:cNvGrpSpPr/>
+        <p:nvPr/>
+      </p:nvGrpSpPr>
+      <p:grpSpPr>
+        <a:xfrm>
+          <a:off x="0" y="0"/>
+          <a:ext cx="0" cy="0"/>
+          <a:chOff x="0" y="0"/>
+          <a:chExt cx="0" cy="0"/>
+        </a:xfrm>
+      </p:grpSpPr>
+      <p:sp>
+        <p:nvSpPr>
+          <p:cNvPr id="2" name="Header Placeholder 1"/>
+          <p:cNvSpPr>
+            <a:spLocks noGrp="1"/>
+          </p:cNvSpPr>
+          <p:nvPr>
+            <p:ph type="hdr" sz="quarter"/>
+          </p:nvPr>
+        </p:nvSpPr>
+        <p:spPr>
+          <a:xfrm>
+            <a:off x="0" y="0"/>
+            <a:ext cx="2971800" cy="458788"/>
+          </a:xfrm>
+          <a:prstGeom prst="rect">
+            <a:avLst/>
+          </a:prstGeom>
+        </p:spPr>
+        <p:txBody>
+          <a:bodyPr vert="horz" lIns="91440" tIns="45720" rIns="91440" bIns="45720" rtlCol="0"/>
+          <a:lstStyle>
+            <a:lvl1pPr algn="l">
+              <a:defRPr sz="1200"/>
+            </a:lvl1pPr>
+          </a:lstStyle>
+          <a:p>
+            <a:endParaRPr lang="en-US"/>
+          </a:p>
+        </p:txBody>
+      </p:sp>
+      <p:sp>
+        <p:nvSpPr>
+          <p:cNvPr id="3" name="Date Placeholder 2"/>
+          <p:cNvSpPr>
+            <a:spLocks noGrp="1"/>
+          </p:cNvSpPr>
+          <p:nvPr>
+            <p:ph type="dt" idx="1"/>
+          </p:nvPr>
+        </p:nvSpPr>
+        <p:spPr>
+          <a:xfrm>
+            <a:off x="3884613" y="0"/>
+            <a:ext cx="2971800" cy="458788"/>
+          </a:xfrm>
+          <a:prstGeom prst="rect">
+            <a:avLst/>
+          </a:prstGeom>
+        </p:spPr>
+        <p:txBody>
+          <a:bodyPr vert="horz" lIns="91440" tIns="45720" rIns="91440" bIns="45720" rtlCol="0"/>
+          <a:lstStyle>
+            <a:lvl1pPr algn="r">
+              <a:defRPr sz="1200"/>
+            </a:lvl1pPr>
+          </a:lstStyle>
+          <a:p>
+            <a:fld id="{16269DFE-F0D8-E54B-8B7C-4A9FB6A93B52}" type="datetimeFigureOut">
+              <a:rPr lang="en-US" smtClean="0"/>
+              <a:t>11/1/18</a:t>
+            </a:fld>
+            <a:endParaRPr lang="en-US"/>
+          </a:p>
+        </p:txBody>
+      </p:sp>
+      <p:sp>
+        <p:nvSpPr>
+          <p:cNvPr id="4" name="Slide Image Placeholder 3"/>
+          <p:cNvSpPr>
+            <a:spLocks noGrp="1" noRot="1" noChangeAspect="1"/>
+          </p:cNvSpPr>
+          <p:nvPr>
+            <p:ph type="sldImg" idx="2"/>
+          </p:nvPr>
+        </p:nvSpPr>
+        <p:spPr>
+          <a:xfrm>
+            <a:off x="685800" y="1143000"/>
+            <a:ext cx="5486400" cy="3086100"/>
+          </a:xfrm>
+          <a:prstGeom prst="rect">
+            <a:avLst/>
+          </a:prstGeom>
+          <a:noFill/>
+          <a:ln w="12700">
+            <a:solidFill>
+              <a:prstClr val="black"/>
+            </a:solidFill>
+          </a:ln>
+        </p:spPr>
+        <p:txBody>
+          <a:bodyPr vert="horz" lIns="91440" tIns="45720" rIns="91440" bIns="45720" rtlCol="0" anchor="ctr"/>
+          <a:lstStyle/>
+          <a:p>
+            <a:endParaRPr lang="en-US"/>
+          </a:p>
+        </p:txBody>
+      </p:sp>
+      <p:sp>
+        <p:nvSpPr>
+          <p:cNvPr id="5" name="Notes Placeholder 4"/>
+          <p:cNvSpPr>
+            <a:spLocks noGrp="1"/>
+          </p:cNvSpPr>
+          <p:nvPr>
+            <p:ph type="body" sz="quarter" idx="3"/>
+          </p:nvPr>
+        </p:nvSpPr>
+        <p:spPr>
+          <a:xfrm>
+            <a:off x="685800" y="4400550"/>
+            <a:ext cx="5486400" cy="3600450"/>
+          </a:xfrm>
+          <a:prstGeom prst="rect">
+            <a:avLst/>
+          </a:prstGeom>
+        </p:spPr>
+        <p:txBody>
+          <a:bodyPr vert="horz" lIns="91440" tIns="45720" rIns="91440" bIns="45720" rtlCol="0"/>
+          <a:lstStyle/>
+          <a:p>
+            <a:pPr lvl="0"/>
+            <a:r>
+              <a:rPr lang="en-US" smtClean="0"/>
+              <a:t>Click to edit Master text styles</a:t>
+            </a:r>
+          </a:p>
+          <a:p>
+            <a:pPr lvl="1"/>
+            <a:r>
+              <a:rPr lang="en-US" smtClean="0"/>
+              <a:t>Second level</a:t>
+            </a:r>
+          </a:p>
+          <a:p>
+            <a:pPr lvl="2"/>
+            <a:r>
+              <a:rPr lang="en-US" smtClean="0"/>
+              <a:t>Third level</a:t>
+            </a:r>
+          </a:p>
+          <a:p>
+            <a:pPr lvl="3"/>
+            <a:r>
+              <a:rPr lang="en-US" smtClean="0"/>
+              <a:t>Fourth level</a:t>
+            </a:r>
+          </a:p>
+          <a:p>
+            <a:pPr lvl="4"/>
+            <a:r>
+              <a:rPr lang="en-US" smtClean="0"/>
+              <a:t>Fifth level</a:t>
+            </a:r>
+            <a:endParaRPr lang="en-US"/>
+          </a:p>
+        </p:txBody>
+      </p:sp>
+      <p:sp>
+        <p:nvSpPr>
+          <p:cNvPr id="6" name="Footer Placeholder 5"/>
+          <p:cNvSpPr>
+            <a:spLocks noGrp="1"/>
+          </p:cNvSpPr>
+          <p:nvPr>
+            <p:ph type="ftr" sz="quarter" idx="4"/>
+          </p:nvPr>
+        </p:nvSpPr>
+        <p:spPr>
+          <a:xfrm>
+            <a:off x="0" y="8685213"/>
+            <a:ext cx="2971800" cy="458787"/>
+          </a:xfrm>
+          <a:prstGeom prst="rect">
+            <a:avLst/>
+          </a:prstGeom>
+        </p:spPr>
+        <p:txBody>
+          <a:bodyPr vert="horz" lIns="91440" tIns="45720" rIns="91440" bIns="45720" rtlCol="0" anchor="b"/>
+          <a:lstStyle>
+            <a:lvl1pPr algn="l">
+              <a:defRPr sz="1200"/>
+            </a:lvl1pPr>
+          </a:lstStyle>
+          <a:p>
+            <a:endParaRPr lang="en-US"/>
+          </a:p>
+        </p:txBody>
+      </p:sp>
+      <p:sp>
+        <p:nvSpPr>
+          <p:cNvPr id="7" name="Slide Number Placeholder 6"/>
+          <p:cNvSpPr>
+            <a:spLocks noGrp="1"/>
+          </p:cNvSpPr>
+          <p:nvPr>
+            <p:ph type="sldNum" sz="quarter" idx="5"/>
+          </p:nvPr>
+        </p:nvSpPr>
+        <p:spPr>
+          <a:xfrm>
+            <a:off x="3884613" y="8685213"/>
+            <a:ext cx="2971800" cy="458787"/>
+          </a:xfrm>
+          <a:prstGeom prst="rect">
+            <a:avLst/>
+          </a:prstGeom>
+        </p:spPr>
+        <p:txBody>
+          <a:bodyPr vert="horz" lIns="91440" tIns="45720" rIns="91440" bIns="45720" rtlCol="0" anchor="b"/>
+          <a:lstStyle>
+            <a:lvl1pPr algn="r">
+              <a:defRPr sz="1200"/>
+            </a:lvl1pPr>
+          </a:lstStyle>
+          <a:p>
+            <a:fld id="{7C2E422A-951A-B64E-8AE3-F8EF7CE31042}" type="slidenum">
+              <a:rPr lang="en-US" smtClean="0"/>
+              <a:t>‹#›</a:t>
+            </a:fld>
+            <a:endParaRPr lang="en-US"/>
+          </a:p>
+        </p:txBody>
+      </p:sp>
+    </p:spTree>
+    <p:extLst>
+      <p:ext uri="{BB962C8B-B14F-4D97-AF65-F5344CB8AC3E}">
+        <p14:creationId xmlns:p14="http://schemas.microsoft.com/office/powerpoint/2010/main" val="377638107"/>
+      </p:ext>
+    </p:extLst>
+  </p:cSld>
+  <p:clrMap bg1="lt1" tx1="dk1" bg2="lt2" tx2="dk2" accent1="accent1" accent2="accent2" accent3="accent3" accent4="accent4" accent5="accent5" accent6="accent6" hlink="hlink" folHlink="folHlink"/>
+  <p:notesStyle>
+    <a:lvl1pPr marL="0" algn="l" defTabSz="914400" rtl="0" eaLnBrk="1" latinLnBrk="0" hangingPunct="1">
+      <a:defRPr sz="1200" kern="1200">
+        <a:solidFill>
+          <a:schemeClr val="tx1"/>
+        </a:solidFill>
+        <a:latin typeface="+mn-lt"/>
+        <a:ea typeface="+mn-ea"/>
+        <a:cs typeface="+mn-cs"/>
+      </a:defRPr>
+    </a:lvl1pPr>
+    <a:lvl2pPr marL="457200" algn="l" defTabSz="914400" rtl="0" eaLnBrk="1" latinLnBrk="0" hangingPunct="1">
+      <a:defRPr sz="1200" kern="1200">
+        <a:solidFill>
+          <a:schemeClr val="tx1"/>
+        </a:solidFill>
+        <a:latin typeface="+mn-lt"/>
+        <a:ea typeface="+mn-ea"/>
+        <a:cs typeface="+mn-cs"/>
+      </a:defRPr>
+    </a:lvl2pPr>
+    <a:lvl3pPr marL="914400" algn="l" defTabSz="914400" rtl="0" eaLnBrk="1" latinLnBrk="0" hangingPunct="1">
+      <a:defRPr sz="1200" kern="1200">
+        <a:solidFill>
+          <a:schemeClr val="tx1"/>
+        </a:solidFill>
+        <a:latin typeface="+mn-lt"/>
+        <a:ea typeface="+mn-ea"/>
+        <a:cs typeface="+mn-cs"/>
+      </a:defRPr>
+    </a:lvl3pPr>
+    <a:lvl4pPr marL="1371600" algn="l" defTabSz="914400" rtl="0" eaLnBrk="1" latinLnBrk="0" hangingPunct="1">
+      <a:defRPr sz="1200" kern="1200">
+        <a:solidFill>
+          <a:schemeClr val="tx1"/>
+        </a:solidFill>
+        <a:latin typeface="+mn-lt"/>
+        <a:ea typeface="+mn-ea"/>
+        <a:cs typeface="+mn-cs"/>
+      </a:defRPr>
+    </a:lvl4pPr>
+    <a:lvl5pPr marL="1828800" algn="l" defTabSz="914400" rtl="0" eaLnBrk="1" latinLnBrk="0" hangingPunct="1">
+      <a:defRPr sz="1200" kern="1200">
+        <a:solidFill>
+          <a:schemeClr val="tx1"/>
+        </a:solidFill>
+        <a:latin typeface="+mn-lt"/>
+        <a:ea typeface="+mn-ea"/>
+        <a:cs typeface="+mn-cs"/>
+      </a:defRPr>
+    </a:lvl5pPr>
+    <a:lvl6pPr marL="2286000" algn="l" defTabSz="914400" rtl="0" eaLnBrk="1" latinLnBrk="0" hangingPunct="1">
+      <a:defRPr sz="1200" kern="1200">
+        <a:solidFill>
+          <a:schemeClr val="tx1"/>
+        </a:solidFill>
+        <a:latin typeface="+mn-lt"/>
+        <a:ea typeface="+mn-ea"/>
+        <a:cs typeface="+mn-cs"/>
+      </a:defRPr>
+    </a:lvl6pPr>
+    <a:lvl7pPr marL="2743200" algn="l" defTabSz="914400" rtl="0" eaLnBrk="1" latinLnBrk="0" hangingPunct="1">
+      <a:defRPr sz="1200" kern="1200">
+        <a:solidFill>
+          <a:schemeClr val="tx1"/>
+        </a:solidFill>
+        <a:latin typeface="+mn-lt"/>
+        <a:ea typeface="+mn-ea"/>
+        <a:cs typeface="+mn-cs"/>
+      </a:defRPr>
+    </a:lvl7pPr>
+    <a:lvl8pPr marL="3200400" algn="l" defTabSz="914400" rtl="0" eaLnBrk="1" latinLnBrk="0" hangingPunct="1">
+      <a:defRPr sz="1200" kern="1200">
+        <a:solidFill>
+          <a:schemeClr val="tx1"/>
+        </a:solidFill>
+        <a:latin typeface="+mn-lt"/>
+        <a:ea typeface="+mn-ea"/>
+        <a:cs typeface="+mn-cs"/>
+      </a:defRPr>
+    </a:lvl8pPr>
+    <a:lvl9pPr marL="3657600" algn="l" defTabSz="914400" rtl="0" eaLnBrk="1" latinLnBrk="0" hangingPunct="1">
+      <a:defRPr sz="1200" kern="1200">
+        <a:solidFill>
+          <a:schemeClr val="tx1"/>
+        </a:solidFill>
+        <a:latin typeface="+mn-lt"/>
+        <a:ea typeface="+mn-ea"/>
+        <a:cs typeface="+mn-cs"/>
+      </a:defRPr>
+    </a:lvl9pPr>
+  </p:notesStyle>
+</p:notesMaster>
 </file>
 
 <file path=ppt/slideLayouts/slideLayout1.xml><?xml version="1.0" encoding="utf-8"?>
@@ -159,7 +518,7 @@
           <a:noFill/>
           <a:extLst>
             <a:ext uri="{909E8E84-426E-40dd-AFC4-6F175D3DCCD1}">
-              <a14:hiddenFill xmlns:a14="http://schemas.microsoft.com/office/drawing/2010/main" xmlns="">
+              <a14:hiddenFill xmlns="" xmlns:a14="http://schemas.microsoft.com/office/drawing/2010/main">
                 <a:solidFill>
                   <a:srgbClr val="FFFFFF"/>
                 </a:solidFill>
@@ -219,7 +578,7 @@
             </a:ln>
             <a:extLst>
               <a:ext uri="{91240B29-F687-4f45-9708-019B960494DF}">
-                <a14:hiddenLine xmlns:a14="http://schemas.microsoft.com/office/drawing/2010/main" xmlns="" w="9525">
+                <a14:hiddenLine xmlns="" xmlns:a14="http://schemas.microsoft.com/office/drawing/2010/main" w="9525">
                   <a:solidFill>
                     <a:srgbClr val="000000"/>
                   </a:solidFill>
@@ -309,7 +668,7 @@
             </a:ln>
             <a:extLst>
               <a:ext uri="{91240B29-F687-4f45-9708-019B960494DF}">
-                <a14:hiddenLine xmlns:a14="http://schemas.microsoft.com/office/drawing/2010/main" xmlns="" w="9525">
+                <a14:hiddenLine xmlns="" xmlns:a14="http://schemas.microsoft.com/office/drawing/2010/main" w="9525">
                   <a:solidFill>
                     <a:srgbClr val="000000"/>
                   </a:solidFill>
@@ -399,7 +758,7 @@
             </a:ln>
             <a:extLst>
               <a:ext uri="{91240B29-F687-4f45-9708-019B960494DF}">
-                <a14:hiddenLine xmlns:a14="http://schemas.microsoft.com/office/drawing/2010/main" xmlns="" w="9525">
+                <a14:hiddenLine xmlns="" xmlns:a14="http://schemas.microsoft.com/office/drawing/2010/main" w="9525">
                   <a:solidFill>
                     <a:srgbClr val="000000"/>
                   </a:solidFill>
@@ -433,7 +792,7 @@
             </a:ln>
             <a:extLst>
               <a:ext uri="{91240B29-F687-4f45-9708-019B960494DF}">
-                <a14:hiddenLine xmlns:a14="http://schemas.microsoft.com/office/drawing/2010/main" xmlns="" w="9525">
+                <a14:hiddenLine xmlns="" xmlns:a14="http://schemas.microsoft.com/office/drawing/2010/main" w="9525">
                   <a:solidFill>
                     <a:srgbClr val="000000"/>
                   </a:solidFill>
@@ -523,7 +882,7 @@
             </a:ln>
             <a:extLst>
               <a:ext uri="{91240B29-F687-4f45-9708-019B960494DF}">
-                <a14:hiddenLine xmlns:a14="http://schemas.microsoft.com/office/drawing/2010/main" xmlns="" w="9525">
+                <a14:hiddenLine xmlns="" xmlns:a14="http://schemas.microsoft.com/office/drawing/2010/main" w="9525">
                   <a:solidFill>
                     <a:srgbClr val="000000"/>
                   </a:solidFill>
@@ -585,7 +944,7 @@
             </a:ln>
             <a:extLst>
               <a:ext uri="{91240B29-F687-4f45-9708-019B960494DF}">
-                <a14:hiddenLine xmlns:a14="http://schemas.microsoft.com/office/drawing/2010/main" xmlns="" w="9525">
+                <a14:hiddenLine xmlns="" xmlns:a14="http://schemas.microsoft.com/office/drawing/2010/main" w="9525">
                   <a:solidFill>
                     <a:srgbClr val="000000"/>
                   </a:solidFill>
@@ -647,7 +1006,7 @@
             </a:ln>
             <a:extLst>
               <a:ext uri="{91240B29-F687-4f45-9708-019B960494DF}">
-                <a14:hiddenLine xmlns:a14="http://schemas.microsoft.com/office/drawing/2010/main" xmlns="" w="9525">
+                <a14:hiddenLine xmlns="" xmlns:a14="http://schemas.microsoft.com/office/drawing/2010/main" w="9525">
                   <a:solidFill>
                     <a:srgbClr val="000000"/>
                   </a:solidFill>
@@ -737,7 +1096,7 @@
             </a:ln>
             <a:extLst>
               <a:ext uri="{91240B29-F687-4f45-9708-019B960494DF}">
-                <a14:hiddenLine xmlns:a14="http://schemas.microsoft.com/office/drawing/2010/main" xmlns="" w="9525">
+                <a14:hiddenLine xmlns="" xmlns:a14="http://schemas.microsoft.com/office/drawing/2010/main" w="9525">
                   <a:solidFill>
                     <a:srgbClr val="000000"/>
                   </a:solidFill>
@@ -799,7 +1158,7 @@
             </a:ln>
             <a:extLst>
               <a:ext uri="{91240B29-F687-4f45-9708-019B960494DF}">
-                <a14:hiddenLine xmlns:a14="http://schemas.microsoft.com/office/drawing/2010/main" xmlns="" w="9525">
+                <a14:hiddenLine xmlns="" xmlns:a14="http://schemas.microsoft.com/office/drawing/2010/main" w="9525">
                   <a:solidFill>
                     <a:srgbClr val="000000"/>
                   </a:solidFill>
@@ -861,7 +1220,7 @@
             </a:ln>
             <a:extLst>
               <a:ext uri="{91240B29-F687-4f45-9708-019B960494DF}">
-                <a14:hiddenLine xmlns:a14="http://schemas.microsoft.com/office/drawing/2010/main" xmlns="" w="9525">
+                <a14:hiddenLine xmlns="" xmlns:a14="http://schemas.microsoft.com/office/drawing/2010/main" w="9525">
                   <a:solidFill>
                     <a:srgbClr val="000000"/>
                   </a:solidFill>
@@ -951,7 +1310,7 @@
             </a:ln>
             <a:extLst>
               <a:ext uri="{91240B29-F687-4f45-9708-019B960494DF}">
-                <a14:hiddenLine xmlns:a14="http://schemas.microsoft.com/office/drawing/2010/main" xmlns="" w="9525">
+                <a14:hiddenLine xmlns="" xmlns:a14="http://schemas.microsoft.com/office/drawing/2010/main" w="9525">
                   <a:solidFill>
                     <a:srgbClr val="000000"/>
                   </a:solidFill>
@@ -1041,7 +1400,7 @@
             </a:ln>
             <a:extLst>
               <a:ext uri="{91240B29-F687-4f45-9708-019B960494DF}">
-                <a14:hiddenLine xmlns:a14="http://schemas.microsoft.com/office/drawing/2010/main" xmlns="" w="9525">
+                <a14:hiddenLine xmlns="" xmlns:a14="http://schemas.microsoft.com/office/drawing/2010/main" w="9525">
                   <a:solidFill>
                     <a:srgbClr val="000000"/>
                   </a:solidFill>
@@ -1103,7 +1462,7 @@
             </a:ln>
             <a:extLst>
               <a:ext uri="{91240B29-F687-4f45-9708-019B960494DF}">
-                <a14:hiddenLine xmlns:a14="http://schemas.microsoft.com/office/drawing/2010/main" xmlns="" w="9525">
+                <a14:hiddenLine xmlns="" xmlns:a14="http://schemas.microsoft.com/office/drawing/2010/main" w="9525">
                   <a:solidFill>
                     <a:srgbClr val="000000"/>
                   </a:solidFill>
@@ -1213,7 +1572,7 @@
             </a:ln>
             <a:extLst>
               <a:ext uri="{91240B29-F687-4f45-9708-019B960494DF}">
-                <a14:hiddenLine xmlns:a14="http://schemas.microsoft.com/office/drawing/2010/main" xmlns="" w="9525">
+                <a14:hiddenLine xmlns="" xmlns:a14="http://schemas.microsoft.com/office/drawing/2010/main" w="9525">
                   <a:solidFill>
                     <a:srgbClr val="000000"/>
                   </a:solidFill>
@@ -1275,7 +1634,7 @@
             </a:ln>
             <a:extLst>
               <a:ext uri="{91240B29-F687-4f45-9708-019B960494DF}">
-                <a14:hiddenLine xmlns:a14="http://schemas.microsoft.com/office/drawing/2010/main" xmlns="" w="9525">
+                <a14:hiddenLine xmlns="" xmlns:a14="http://schemas.microsoft.com/office/drawing/2010/main" w="9525">
                   <a:solidFill>
                     <a:srgbClr val="000000"/>
                   </a:solidFill>
@@ -1365,7 +1724,7 @@
             </a:ln>
             <a:extLst>
               <a:ext uri="{91240B29-F687-4f45-9708-019B960494DF}">
-                <a14:hiddenLine xmlns:a14="http://schemas.microsoft.com/office/drawing/2010/main" xmlns="" w="9525">
+                <a14:hiddenLine xmlns="" xmlns:a14="http://schemas.microsoft.com/office/drawing/2010/main" w="9525">
                   <a:solidFill>
                     <a:srgbClr val="000000"/>
                   </a:solidFill>
@@ -1455,7 +1814,7 @@
             </a:ln>
             <a:extLst>
               <a:ext uri="{91240B29-F687-4f45-9708-019B960494DF}">
-                <a14:hiddenLine xmlns:a14="http://schemas.microsoft.com/office/drawing/2010/main" xmlns="" w="9525">
+                <a14:hiddenLine xmlns="" xmlns:a14="http://schemas.microsoft.com/office/drawing/2010/main" w="9525">
                   <a:solidFill>
                     <a:srgbClr val="000000"/>
                   </a:solidFill>
@@ -1517,7 +1876,7 @@
             </a:ln>
             <a:extLst>
               <a:ext uri="{91240B29-F687-4f45-9708-019B960494DF}">
-                <a14:hiddenLine xmlns:a14="http://schemas.microsoft.com/office/drawing/2010/main" xmlns="" w="9525">
+                <a14:hiddenLine xmlns="" xmlns:a14="http://schemas.microsoft.com/office/drawing/2010/main" w="9525">
                   <a:solidFill>
                     <a:srgbClr val="000000"/>
                   </a:solidFill>
@@ -1607,7 +1966,7 @@
             </a:ln>
             <a:extLst>
               <a:ext uri="{91240B29-F687-4f45-9708-019B960494DF}">
-                <a14:hiddenLine xmlns:a14="http://schemas.microsoft.com/office/drawing/2010/main" xmlns="" w="9525">
+                <a14:hiddenLine xmlns="" xmlns:a14="http://schemas.microsoft.com/office/drawing/2010/main" w="9525">
                   <a:solidFill>
                     <a:srgbClr val="000000"/>
                   </a:solidFill>
@@ -1697,7 +2056,7 @@
             </a:ln>
             <a:extLst>
               <a:ext uri="{91240B29-F687-4f45-9708-019B960494DF}">
-                <a14:hiddenLine xmlns:a14="http://schemas.microsoft.com/office/drawing/2010/main" xmlns="" w="9525">
+                <a14:hiddenLine xmlns="" xmlns:a14="http://schemas.microsoft.com/office/drawing/2010/main" w="9525">
                   <a:solidFill>
                     <a:srgbClr val="000000"/>
                   </a:solidFill>
@@ -1753,7 +2112,7 @@
             </a:ln>
             <a:extLst>
               <a:ext uri="{91240B29-F687-4f45-9708-019B960494DF}">
-                <a14:hiddenLine xmlns:a14="http://schemas.microsoft.com/office/drawing/2010/main" xmlns="" w="9525">
+                <a14:hiddenLine xmlns="" xmlns:a14="http://schemas.microsoft.com/office/drawing/2010/main" w="9525">
                   <a:solidFill>
                     <a:srgbClr val="000000"/>
                   </a:solidFill>
@@ -1843,7 +2202,7 @@
             </a:ln>
             <a:extLst>
               <a:ext uri="{91240B29-F687-4f45-9708-019B960494DF}">
-                <a14:hiddenLine xmlns:a14="http://schemas.microsoft.com/office/drawing/2010/main" xmlns="" w="9525">
+                <a14:hiddenLine xmlns="" xmlns:a14="http://schemas.microsoft.com/office/drawing/2010/main" w="9525">
                   <a:solidFill>
                     <a:srgbClr val="000000"/>
                   </a:solidFill>
@@ -1899,7 +2258,7 @@
             </a:ln>
             <a:extLst>
               <a:ext uri="{91240B29-F687-4f45-9708-019B960494DF}">
-                <a14:hiddenLine xmlns:a14="http://schemas.microsoft.com/office/drawing/2010/main" xmlns="" w="9525">
+                <a14:hiddenLine xmlns="" xmlns:a14="http://schemas.microsoft.com/office/drawing/2010/main" w="9525">
                   <a:solidFill>
                     <a:srgbClr val="000000"/>
                   </a:solidFill>
@@ -1989,7 +2348,7 @@
             </a:ln>
             <a:extLst>
               <a:ext uri="{91240B29-F687-4f45-9708-019B960494DF}">
-                <a14:hiddenLine xmlns:a14="http://schemas.microsoft.com/office/drawing/2010/main" xmlns="" w="9525">
+                <a14:hiddenLine xmlns="" xmlns:a14="http://schemas.microsoft.com/office/drawing/2010/main" w="9525">
                   <a:solidFill>
                     <a:srgbClr val="000000"/>
                   </a:solidFill>
@@ -2057,7 +2416,7 @@
             </a:ln>
             <a:extLst>
               <a:ext uri="{91240B29-F687-4f45-9708-019B960494DF}">
-                <a14:hiddenLine xmlns:a14="http://schemas.microsoft.com/office/drawing/2010/main" xmlns="" w="9525">
+                <a14:hiddenLine xmlns="" xmlns:a14="http://schemas.microsoft.com/office/drawing/2010/main" w="9525">
                   <a:solidFill>
                     <a:srgbClr val="000000"/>
                   </a:solidFill>
@@ -2147,7 +2506,7 @@
             </a:ln>
             <a:extLst>
               <a:ext uri="{91240B29-F687-4f45-9708-019B960494DF}">
-                <a14:hiddenLine xmlns:a14="http://schemas.microsoft.com/office/drawing/2010/main" xmlns="" w="9525">
+                <a14:hiddenLine xmlns="" xmlns:a14="http://schemas.microsoft.com/office/drawing/2010/main" w="9525">
                   <a:solidFill>
                     <a:srgbClr val="000000"/>
                   </a:solidFill>
@@ -2215,7 +2574,7 @@
             </a:ln>
             <a:extLst>
               <a:ext uri="{91240B29-F687-4f45-9708-019B960494DF}">
-                <a14:hiddenLine xmlns:a14="http://schemas.microsoft.com/office/drawing/2010/main" xmlns="" w="9525">
+                <a14:hiddenLine xmlns="" xmlns:a14="http://schemas.microsoft.com/office/drawing/2010/main" w="9525">
                   <a:solidFill>
                     <a:srgbClr val="000000"/>
                   </a:solidFill>
@@ -2305,7 +2664,7 @@
             </a:ln>
             <a:extLst>
               <a:ext uri="{91240B29-F687-4f45-9708-019B960494DF}">
-                <a14:hiddenLine xmlns:a14="http://schemas.microsoft.com/office/drawing/2010/main" xmlns="" w="9525">
+                <a14:hiddenLine xmlns="" xmlns:a14="http://schemas.microsoft.com/office/drawing/2010/main" w="9525">
                   <a:solidFill>
                     <a:srgbClr val="000000"/>
                   </a:solidFill>
@@ -2339,7 +2698,7 @@
             </a:ln>
             <a:extLst>
               <a:ext uri="{91240B29-F687-4f45-9708-019B960494DF}">
-                <a14:hiddenLine xmlns:a14="http://schemas.microsoft.com/office/drawing/2010/main" xmlns="" w="9525">
+                <a14:hiddenLine xmlns="" xmlns:a14="http://schemas.microsoft.com/office/drawing/2010/main" w="9525">
                   <a:solidFill>
                     <a:srgbClr val="000000"/>
                   </a:solidFill>
@@ -2429,7 +2788,7 @@
             </a:ln>
             <a:extLst>
               <a:ext uri="{91240B29-F687-4f45-9708-019B960494DF}">
-                <a14:hiddenLine xmlns:a14="http://schemas.microsoft.com/office/drawing/2010/main" xmlns="" w="9525">
+                <a14:hiddenLine xmlns="" xmlns:a14="http://schemas.microsoft.com/office/drawing/2010/main" w="9525">
                   <a:solidFill>
                     <a:srgbClr val="000000"/>
                   </a:solidFill>
@@ -2491,7 +2850,7 @@
             </a:ln>
             <a:extLst>
               <a:ext uri="{91240B29-F687-4f45-9708-019B960494DF}">
-                <a14:hiddenLine xmlns:a14="http://schemas.microsoft.com/office/drawing/2010/main" xmlns="" w="9525">
+                <a14:hiddenLine xmlns="" xmlns:a14="http://schemas.microsoft.com/office/drawing/2010/main" w="9525">
                   <a:solidFill>
                     <a:srgbClr val="000000"/>
                   </a:solidFill>
@@ -2553,7 +2912,7 @@
             </a:ln>
             <a:extLst>
               <a:ext uri="{91240B29-F687-4f45-9708-019B960494DF}">
-                <a14:hiddenLine xmlns:a14="http://schemas.microsoft.com/office/drawing/2010/main" xmlns="" w="9525">
+                <a14:hiddenLine xmlns="" xmlns:a14="http://schemas.microsoft.com/office/drawing/2010/main" w="9525">
                   <a:solidFill>
                     <a:srgbClr val="000000"/>
                   </a:solidFill>
@@ -2643,7 +3002,7 @@
             </a:ln>
             <a:extLst>
               <a:ext uri="{91240B29-F687-4f45-9708-019B960494DF}">
-                <a14:hiddenLine xmlns:a14="http://schemas.microsoft.com/office/drawing/2010/main" xmlns="" w="9525">
+                <a14:hiddenLine xmlns="" xmlns:a14="http://schemas.microsoft.com/office/drawing/2010/main" w="9525">
                   <a:solidFill>
                     <a:srgbClr val="000000"/>
                   </a:solidFill>
@@ -2711,7 +3070,7 @@
             </a:ln>
             <a:extLst>
               <a:ext uri="{91240B29-F687-4f45-9708-019B960494DF}">
-                <a14:hiddenLine xmlns:a14="http://schemas.microsoft.com/office/drawing/2010/main" xmlns="" w="9525">
+                <a14:hiddenLine xmlns="" xmlns:a14="http://schemas.microsoft.com/office/drawing/2010/main" w="9525">
                   <a:solidFill>
                     <a:srgbClr val="000000"/>
                   </a:solidFill>
@@ -2773,7 +3132,7 @@
             </a:ln>
             <a:extLst>
               <a:ext uri="{91240B29-F687-4f45-9708-019B960494DF}">
-                <a14:hiddenLine xmlns:a14="http://schemas.microsoft.com/office/drawing/2010/main" xmlns="" w="9525">
+                <a14:hiddenLine xmlns="" xmlns:a14="http://schemas.microsoft.com/office/drawing/2010/main" w="9525">
                   <a:solidFill>
                     <a:srgbClr val="000000"/>
                   </a:solidFill>
@@ -2863,7 +3222,7 @@
             </a:ln>
             <a:extLst>
               <a:ext uri="{91240B29-F687-4f45-9708-019B960494DF}">
-                <a14:hiddenLine xmlns:a14="http://schemas.microsoft.com/office/drawing/2010/main" xmlns="" w="9525">
+                <a14:hiddenLine xmlns="" xmlns:a14="http://schemas.microsoft.com/office/drawing/2010/main" w="9525">
                   <a:solidFill>
                     <a:srgbClr val="000000"/>
                   </a:solidFill>
@@ -2925,7 +3284,7 @@
             </a:ln>
             <a:extLst>
               <a:ext uri="{91240B29-F687-4f45-9708-019B960494DF}">
-                <a14:hiddenLine xmlns:a14="http://schemas.microsoft.com/office/drawing/2010/main" xmlns="" w="9525">
+                <a14:hiddenLine xmlns="" xmlns:a14="http://schemas.microsoft.com/office/drawing/2010/main" w="9525">
                   <a:solidFill>
                     <a:srgbClr val="000000"/>
                   </a:solidFill>
@@ -3015,7 +3374,7 @@
             </a:ln>
             <a:extLst>
               <a:ext uri="{91240B29-F687-4f45-9708-019B960494DF}">
-                <a14:hiddenLine xmlns:a14="http://schemas.microsoft.com/office/drawing/2010/main" xmlns="" w="9525">
+                <a14:hiddenLine xmlns="" xmlns:a14="http://schemas.microsoft.com/office/drawing/2010/main" w="9525">
                   <a:solidFill>
                     <a:srgbClr val="000000"/>
                   </a:solidFill>
@@ -3077,7 +3436,7 @@
             </a:ln>
             <a:extLst>
               <a:ext uri="{91240B29-F687-4f45-9708-019B960494DF}">
-                <a14:hiddenLine xmlns:a14="http://schemas.microsoft.com/office/drawing/2010/main" xmlns="" w="9525">
+                <a14:hiddenLine xmlns="" xmlns:a14="http://schemas.microsoft.com/office/drawing/2010/main" w="9525">
                   <a:solidFill>
                     <a:srgbClr val="000000"/>
                   </a:solidFill>
@@ -3167,7 +3526,7 @@
             </a:ln>
             <a:extLst>
               <a:ext uri="{91240B29-F687-4f45-9708-019B960494DF}">
-                <a14:hiddenLine xmlns:a14="http://schemas.microsoft.com/office/drawing/2010/main" xmlns="" w="9525">
+                <a14:hiddenLine xmlns="" xmlns:a14="http://schemas.microsoft.com/office/drawing/2010/main" w="9525">
                   <a:solidFill>
                     <a:srgbClr val="000000"/>
                   </a:solidFill>
@@ -3201,7 +3560,7 @@
             </a:ln>
             <a:extLst>
               <a:ext uri="{91240B29-F687-4f45-9708-019B960494DF}">
-                <a14:hiddenLine xmlns:a14="http://schemas.microsoft.com/office/drawing/2010/main" xmlns="" w="9525">
+                <a14:hiddenLine xmlns="" xmlns:a14="http://schemas.microsoft.com/office/drawing/2010/main" w="9525">
                   <a:solidFill>
                     <a:srgbClr val="000000"/>
                   </a:solidFill>
@@ -3266,7 +3625,7 @@
             </a:ln>
             <a:extLst>
               <a:ext uri="{91240B29-F687-4f45-9708-019B960494DF}">
-                <a14:hiddenLine xmlns:a14="http://schemas.microsoft.com/office/drawing/2010/main" xmlns="" w="9525">
+                <a14:hiddenLine xmlns="" xmlns:a14="http://schemas.microsoft.com/office/drawing/2010/main" w="9525">
                   <a:solidFill>
                     <a:srgbClr val="000000"/>
                   </a:solidFill>
@@ -3356,7 +3715,7 @@
             </a:ln>
             <a:extLst>
               <a:ext uri="{91240B29-F687-4f45-9708-019B960494DF}">
-                <a14:hiddenLine xmlns:a14="http://schemas.microsoft.com/office/drawing/2010/main" xmlns="" w="9525">
+                <a14:hiddenLine xmlns="" xmlns:a14="http://schemas.microsoft.com/office/drawing/2010/main" w="9525">
                   <a:solidFill>
                     <a:srgbClr val="000000"/>
                   </a:solidFill>
@@ -3418,7 +3777,7 @@
             </a:ln>
             <a:extLst>
               <a:ext uri="{91240B29-F687-4f45-9708-019B960494DF}">
-                <a14:hiddenLine xmlns:a14="http://schemas.microsoft.com/office/drawing/2010/main" xmlns="" w="9525">
+                <a14:hiddenLine xmlns="" xmlns:a14="http://schemas.microsoft.com/office/drawing/2010/main" w="9525">
                   <a:solidFill>
                     <a:srgbClr val="000000"/>
                   </a:solidFill>
@@ -3508,7 +3867,7 @@
             </a:ln>
             <a:extLst>
               <a:ext uri="{91240B29-F687-4f45-9708-019B960494DF}">
-                <a14:hiddenLine xmlns:a14="http://schemas.microsoft.com/office/drawing/2010/main" xmlns="" w="9525">
+                <a14:hiddenLine xmlns="" xmlns:a14="http://schemas.microsoft.com/office/drawing/2010/main" w="9525">
                   <a:solidFill>
                     <a:srgbClr val="000000"/>
                   </a:solidFill>
@@ -3598,7 +3957,7 @@
             </a:ln>
             <a:extLst>
               <a:ext uri="{91240B29-F687-4f45-9708-019B960494DF}">
-                <a14:hiddenLine xmlns:a14="http://schemas.microsoft.com/office/drawing/2010/main" xmlns="" w="9525">
+                <a14:hiddenLine xmlns="" xmlns:a14="http://schemas.microsoft.com/office/drawing/2010/main" w="9525">
                   <a:solidFill>
                     <a:srgbClr val="000000"/>
                   </a:solidFill>
@@ -3663,7 +4022,7 @@
             </a:ln>
             <a:extLst>
               <a:ext uri="{91240B29-F687-4f45-9708-019B960494DF}">
-                <a14:hiddenLine xmlns:a14="http://schemas.microsoft.com/office/drawing/2010/main" xmlns="" w="9525">
+                <a14:hiddenLine xmlns="" xmlns:a14="http://schemas.microsoft.com/office/drawing/2010/main" w="9525">
                   <a:solidFill>
                     <a:srgbClr val="000000"/>
                   </a:solidFill>
@@ -3725,7 +4084,7 @@
             </a:ln>
             <a:extLst>
               <a:ext uri="{91240B29-F687-4f45-9708-019B960494DF}">
-                <a14:hiddenLine xmlns:a14="http://schemas.microsoft.com/office/drawing/2010/main" xmlns="" w="9525">
+                <a14:hiddenLine xmlns="" xmlns:a14="http://schemas.microsoft.com/office/drawing/2010/main" w="9525">
                   <a:solidFill>
                     <a:srgbClr val="000000"/>
                   </a:solidFill>
@@ -3815,7 +4174,7 @@
             </a:ln>
             <a:extLst>
               <a:ext uri="{91240B29-F687-4f45-9708-019B960494DF}">
-                <a14:hiddenLine xmlns:a14="http://schemas.microsoft.com/office/drawing/2010/main" xmlns="" w="9525">
+                <a14:hiddenLine xmlns="" xmlns:a14="http://schemas.microsoft.com/office/drawing/2010/main" w="9525">
                   <a:solidFill>
                     <a:srgbClr val="000000"/>
                   </a:solidFill>
@@ -3905,7 +4264,7 @@
             </a:ln>
             <a:extLst>
               <a:ext uri="{91240B29-F687-4f45-9708-019B960494DF}">
-                <a14:hiddenLine xmlns:a14="http://schemas.microsoft.com/office/drawing/2010/main" xmlns="" w="9525">
+                <a14:hiddenLine xmlns="" xmlns:a14="http://schemas.microsoft.com/office/drawing/2010/main" w="9525">
                   <a:solidFill>
                     <a:srgbClr val="000000"/>
                   </a:solidFill>
@@ -3967,7 +4326,7 @@
             </a:ln>
             <a:extLst>
               <a:ext uri="{91240B29-F687-4f45-9708-019B960494DF}">
-                <a14:hiddenLine xmlns:a14="http://schemas.microsoft.com/office/drawing/2010/main" xmlns="" w="9525">
+                <a14:hiddenLine xmlns="" xmlns:a14="http://schemas.microsoft.com/office/drawing/2010/main" w="9525">
                   <a:solidFill>
                     <a:srgbClr val="000000"/>
                   </a:solidFill>
@@ -4087,7 +4446,7 @@
             </a:ln>
             <a:extLst>
               <a:ext uri="{91240B29-F687-4f45-9708-019B960494DF}">
-                <a14:hiddenLine xmlns:a14="http://schemas.microsoft.com/office/drawing/2010/main" xmlns="" w="9525">
+                <a14:hiddenLine xmlns="" xmlns:a14="http://schemas.microsoft.com/office/drawing/2010/main" w="9525">
                   <a:solidFill>
                     <a:srgbClr val="000000"/>
                   </a:solidFill>
@@ -4155,7 +4514,7 @@
             </a:ln>
             <a:extLst>
               <a:ext uri="{91240B29-F687-4f45-9708-019B960494DF}">
-                <a14:hiddenLine xmlns:a14="http://schemas.microsoft.com/office/drawing/2010/main" xmlns="" w="9525">
+                <a14:hiddenLine xmlns="" xmlns:a14="http://schemas.microsoft.com/office/drawing/2010/main" w="9525">
                   <a:solidFill>
                     <a:srgbClr val="000000"/>
                   </a:solidFill>
@@ -4245,7 +4604,7 @@
             </a:ln>
             <a:extLst>
               <a:ext uri="{91240B29-F687-4f45-9708-019B960494DF}">
-                <a14:hiddenLine xmlns:a14="http://schemas.microsoft.com/office/drawing/2010/main" xmlns="" w="9525">
+                <a14:hiddenLine xmlns="" xmlns:a14="http://schemas.microsoft.com/office/drawing/2010/main" w="9525">
                   <a:solidFill>
                     <a:srgbClr val="000000"/>
                   </a:solidFill>
@@ -4385,7 +4744,7 @@
           <a:p>
             <a:fld id="{54DB1FAC-7B47-D24C-B809-F6759689CA1C}" type="datetimeFigureOut">
               <a:rPr lang="en-US" smtClean="0"/>
-              <a:t>10/28/18</a:t>
+              <a:t>11/1/18</a:t>
             </a:fld>
             <a:endParaRPr lang="en-US"/>
           </a:p>
@@ -4652,7 +5011,7 @@
           <a:p>
             <a:fld id="{54DB1FAC-7B47-D24C-B809-F6759689CA1C}" type="datetimeFigureOut">
               <a:rPr lang="en-US" smtClean="0"/>
-              <a:t>10/28/18</a:t>
+              <a:t>11/1/18</a:t>
             </a:fld>
             <a:endParaRPr lang="en-US"/>
           </a:p>
@@ -4848,7 +5207,7 @@
           <a:p>
             <a:fld id="{54DB1FAC-7B47-D24C-B809-F6759689CA1C}" type="datetimeFigureOut">
               <a:rPr lang="en-US" smtClean="0"/>
-              <a:t>10/28/18</a:t>
+              <a:t>11/1/18</a:t>
             </a:fld>
             <a:endParaRPr lang="en-US"/>
           </a:p>
@@ -5111,7 +5470,7 @@
           <a:p>
             <a:fld id="{54DB1FAC-7B47-D24C-B809-F6759689CA1C}" type="datetimeFigureOut">
               <a:rPr lang="en-US" smtClean="0"/>
-              <a:t>10/28/18</a:t>
+              <a:t>11/1/18</a:t>
             </a:fld>
             <a:endParaRPr lang="en-US"/>
           </a:p>
@@ -5545,7 +5904,7 @@
           <a:p>
             <a:fld id="{54DB1FAC-7B47-D24C-B809-F6759689CA1C}" type="datetimeFigureOut">
               <a:rPr lang="en-US" smtClean="0"/>
-              <a:t>10/28/18</a:t>
+              <a:t>11/1/18</a:t>
             </a:fld>
             <a:endParaRPr lang="en-US"/>
           </a:p>
@@ -6091,7 +6450,7 @@
           <a:p>
             <a:fld id="{54DB1FAC-7B47-D24C-B809-F6759689CA1C}" type="datetimeFigureOut">
               <a:rPr lang="en-US" smtClean="0"/>
-              <a:t>10/28/18</a:t>
+              <a:t>11/1/18</a:t>
             </a:fld>
             <a:endParaRPr lang="en-US"/>
           </a:p>
@@ -6811,7 +7170,7 @@
           <a:p>
             <a:fld id="{54DB1FAC-7B47-D24C-B809-F6759689CA1C}" type="datetimeFigureOut">
               <a:rPr lang="en-US" smtClean="0"/>
-              <a:t>10/28/18</a:t>
+              <a:t>11/1/18</a:t>
             </a:fld>
             <a:endParaRPr lang="en-US"/>
           </a:p>
@@ -6981,7 +7340,7 @@
           <a:p>
             <a:fld id="{54DB1FAC-7B47-D24C-B809-F6759689CA1C}" type="datetimeFigureOut">
               <a:rPr lang="en-US" smtClean="0"/>
-              <a:t>10/28/18</a:t>
+              <a:t>11/1/18</a:t>
             </a:fld>
             <a:endParaRPr lang="en-US"/>
           </a:p>
@@ -7161,7 +7520,7 @@
           <a:p>
             <a:fld id="{54DB1FAC-7B47-D24C-B809-F6759689CA1C}" type="datetimeFigureOut">
               <a:rPr lang="en-US" smtClean="0"/>
-              <a:t>10/28/18</a:t>
+              <a:t>11/1/18</a:t>
             </a:fld>
             <a:endParaRPr lang="en-US"/>
           </a:p>
@@ -7331,7 +7690,7 @@
           <a:p>
             <a:fld id="{54DB1FAC-7B47-D24C-B809-F6759689CA1C}" type="datetimeFigureOut">
               <a:rPr lang="en-US" smtClean="0"/>
-              <a:t>10/28/18</a:t>
+              <a:t>11/1/18</a:t>
             </a:fld>
             <a:endParaRPr lang="en-US"/>
           </a:p>
@@ -7581,7 +7940,7 @@
           <a:p>
             <a:fld id="{54DB1FAC-7B47-D24C-B809-F6759689CA1C}" type="datetimeFigureOut">
               <a:rPr lang="en-US" smtClean="0"/>
-              <a:t>10/28/18</a:t>
+              <a:t>11/1/18</a:t>
             </a:fld>
             <a:endParaRPr lang="en-US"/>
           </a:p>
@@ -7813,7 +8172,7 @@
           <a:p>
             <a:fld id="{54DB1FAC-7B47-D24C-B809-F6759689CA1C}" type="datetimeFigureOut">
               <a:rPr lang="en-US" smtClean="0"/>
-              <a:t>10/28/18</a:t>
+              <a:t>11/1/18</a:t>
             </a:fld>
             <a:endParaRPr lang="en-US"/>
           </a:p>
@@ -8194,7 +8553,7 @@
           <a:p>
             <a:fld id="{54DB1FAC-7B47-D24C-B809-F6759689CA1C}" type="datetimeFigureOut">
               <a:rPr lang="en-US" smtClean="0"/>
-              <a:t>10/28/18</a:t>
+              <a:t>11/1/18</a:t>
             </a:fld>
             <a:endParaRPr lang="en-US"/>
           </a:p>
@@ -8312,7 +8671,7 @@
           <a:p>
             <a:fld id="{54DB1FAC-7B47-D24C-B809-F6759689CA1C}" type="datetimeFigureOut">
               <a:rPr lang="en-US" smtClean="0"/>
-              <a:t>10/28/18</a:t>
+              <a:t>11/1/18</a:t>
             </a:fld>
             <a:endParaRPr lang="en-US"/>
           </a:p>
@@ -8407,7 +8766,7 @@
           <a:p>
             <a:fld id="{54DB1FAC-7B47-D24C-B809-F6759689CA1C}" type="datetimeFigureOut">
               <a:rPr lang="en-US" smtClean="0"/>
-              <a:t>10/28/18</a:t>
+              <a:t>11/1/18</a:t>
             </a:fld>
             <a:endParaRPr lang="en-US"/>
           </a:p>
@@ -8656,7 +9015,7 @@
           <a:p>
             <a:fld id="{54DB1FAC-7B47-D24C-B809-F6759689CA1C}" type="datetimeFigureOut">
               <a:rPr lang="en-US" smtClean="0"/>
-              <a:t>10/28/18</a:t>
+              <a:t>11/1/18</a:t>
             </a:fld>
             <a:endParaRPr lang="en-US"/>
           </a:p>
@@ -8936,7 +9295,7 @@
           <a:p>
             <a:fld id="{54DB1FAC-7B47-D24C-B809-F6759689CA1C}" type="datetimeFigureOut">
               <a:rPr lang="en-US" smtClean="0"/>
-              <a:t>10/28/18</a:t>
+              <a:t>11/1/18</a:t>
             </a:fld>
             <a:endParaRPr lang="en-US"/>
           </a:p>
@@ -9052,7 +9411,7 @@
           <a:noFill/>
           <a:extLst>
             <a:ext uri="{909E8E84-426E-40dd-AFC4-6F175D3DCCD1}">
-              <a14:hiddenFill xmlns:a14="http://schemas.microsoft.com/office/drawing/2010/main" xmlns="">
+              <a14:hiddenFill xmlns="" xmlns:a14="http://schemas.microsoft.com/office/drawing/2010/main">
                 <a:solidFill>
                   <a:srgbClr val="FFFFFF"/>
                 </a:solidFill>
@@ -9126,7 +9485,7 @@
               </a:ln>
               <a:extLst>
                 <a:ext uri="{91240B29-F687-4f45-9708-019B960494DF}">
-                  <a14:hiddenLine xmlns:a14="http://schemas.microsoft.com/office/drawing/2010/main" xmlns="" w="9525">
+                  <a14:hiddenLine xmlns="" xmlns:a14="http://schemas.microsoft.com/office/drawing/2010/main" w="9525">
                     <a:solidFill>
                       <a:srgbClr val="000000"/>
                     </a:solidFill>
@@ -9216,7 +9575,7 @@
               </a:ln>
               <a:extLst>
                 <a:ext uri="{91240B29-F687-4f45-9708-019B960494DF}">
-                  <a14:hiddenLine xmlns:a14="http://schemas.microsoft.com/office/drawing/2010/main" xmlns="" w="9525">
+                  <a14:hiddenLine xmlns="" xmlns:a14="http://schemas.microsoft.com/office/drawing/2010/main" w="9525">
                     <a:solidFill>
                       <a:srgbClr val="000000"/>
                     </a:solidFill>
@@ -9306,7 +9665,7 @@
               </a:ln>
               <a:extLst>
                 <a:ext uri="{91240B29-F687-4f45-9708-019B960494DF}">
-                  <a14:hiddenLine xmlns:a14="http://schemas.microsoft.com/office/drawing/2010/main" xmlns="" w="9525">
+                  <a14:hiddenLine xmlns="" xmlns:a14="http://schemas.microsoft.com/office/drawing/2010/main" w="9525">
                     <a:solidFill>
                       <a:srgbClr val="000000"/>
                     </a:solidFill>
@@ -9368,7 +9727,7 @@
               </a:ln>
               <a:extLst>
                 <a:ext uri="{91240B29-F687-4f45-9708-019B960494DF}">
-                  <a14:hiddenLine xmlns:a14="http://schemas.microsoft.com/office/drawing/2010/main" xmlns="" w="9525">
+                  <a14:hiddenLine xmlns="" xmlns:a14="http://schemas.microsoft.com/office/drawing/2010/main" w="9525">
                     <a:solidFill>
                       <a:srgbClr val="000000"/>
                     </a:solidFill>
@@ -9458,7 +9817,7 @@
               </a:ln>
               <a:extLst>
                 <a:ext uri="{91240B29-F687-4f45-9708-019B960494DF}">
-                  <a14:hiddenLine xmlns:a14="http://schemas.microsoft.com/office/drawing/2010/main" xmlns="" w="9525">
+                  <a14:hiddenLine xmlns="" xmlns:a14="http://schemas.microsoft.com/office/drawing/2010/main" w="9525">
                     <a:solidFill>
                       <a:srgbClr val="000000"/>
                     </a:solidFill>
@@ -9520,7 +9879,7 @@
               </a:ln>
               <a:extLst>
                 <a:ext uri="{91240B29-F687-4f45-9708-019B960494DF}">
-                  <a14:hiddenLine xmlns:a14="http://schemas.microsoft.com/office/drawing/2010/main" xmlns="" w="9525">
+                  <a14:hiddenLine xmlns="" xmlns:a14="http://schemas.microsoft.com/office/drawing/2010/main" w="9525">
                     <a:solidFill>
                       <a:srgbClr val="000000"/>
                     </a:solidFill>
@@ -9582,7 +9941,7 @@
               </a:ln>
               <a:extLst>
                 <a:ext uri="{91240B29-F687-4f45-9708-019B960494DF}">
-                  <a14:hiddenLine xmlns:a14="http://schemas.microsoft.com/office/drawing/2010/main" xmlns="" w="9525">
+                  <a14:hiddenLine xmlns="" xmlns:a14="http://schemas.microsoft.com/office/drawing/2010/main" w="9525">
                     <a:solidFill>
                       <a:srgbClr val="000000"/>
                     </a:solidFill>
@@ -9672,7 +10031,7 @@
               </a:ln>
               <a:extLst>
                 <a:ext uri="{91240B29-F687-4f45-9708-019B960494DF}">
-                  <a14:hiddenLine xmlns:a14="http://schemas.microsoft.com/office/drawing/2010/main" xmlns="" w="9525">
+                  <a14:hiddenLine xmlns="" xmlns:a14="http://schemas.microsoft.com/office/drawing/2010/main" w="9525">
                     <a:solidFill>
                       <a:srgbClr val="000000"/>
                     </a:solidFill>
@@ -9762,7 +10121,7 @@
               </a:ln>
               <a:extLst>
                 <a:ext uri="{91240B29-F687-4f45-9708-019B960494DF}">
-                  <a14:hiddenLine xmlns:a14="http://schemas.microsoft.com/office/drawing/2010/main" xmlns="" w="9525">
+                  <a14:hiddenLine xmlns="" xmlns:a14="http://schemas.microsoft.com/office/drawing/2010/main" w="9525">
                     <a:solidFill>
                       <a:srgbClr val="000000"/>
                     </a:solidFill>
@@ -9824,7 +10183,7 @@
               </a:ln>
               <a:extLst>
                 <a:ext uri="{91240B29-F687-4f45-9708-019B960494DF}">
-                  <a14:hiddenLine xmlns:a14="http://schemas.microsoft.com/office/drawing/2010/main" xmlns="" w="9525">
+                  <a14:hiddenLine xmlns="" xmlns:a14="http://schemas.microsoft.com/office/drawing/2010/main" w="9525">
                     <a:solidFill>
                       <a:srgbClr val="000000"/>
                     </a:solidFill>
@@ -9934,7 +10293,7 @@
               </a:ln>
               <a:extLst>
                 <a:ext uri="{91240B29-F687-4f45-9708-019B960494DF}">
-                  <a14:hiddenLine xmlns:a14="http://schemas.microsoft.com/office/drawing/2010/main" xmlns="" w="9525">
+                  <a14:hiddenLine xmlns="" xmlns:a14="http://schemas.microsoft.com/office/drawing/2010/main" w="9525">
                     <a:solidFill>
                       <a:srgbClr val="000000"/>
                     </a:solidFill>
@@ -10018,7 +10377,7 @@
               </a:ln>
               <a:extLst>
                 <a:ext uri="{91240B29-F687-4f45-9708-019B960494DF}">
-                  <a14:hiddenLine xmlns:a14="http://schemas.microsoft.com/office/drawing/2010/main" xmlns="" w="9525">
+                  <a14:hiddenLine xmlns="" xmlns:a14="http://schemas.microsoft.com/office/drawing/2010/main" w="9525">
                     <a:solidFill>
                       <a:srgbClr val="000000"/>
                     </a:solidFill>
@@ -10080,7 +10439,7 @@
               </a:ln>
               <a:extLst>
                 <a:ext uri="{91240B29-F687-4f45-9708-019B960494DF}">
-                  <a14:hiddenLine xmlns:a14="http://schemas.microsoft.com/office/drawing/2010/main" xmlns="" w="9525">
+                  <a14:hiddenLine xmlns="" xmlns:a14="http://schemas.microsoft.com/office/drawing/2010/main" w="9525">
                     <a:solidFill>
                       <a:srgbClr val="000000"/>
                     </a:solidFill>
@@ -10142,7 +10501,7 @@
               </a:ln>
               <a:extLst>
                 <a:ext uri="{91240B29-F687-4f45-9708-019B960494DF}">
-                  <a14:hiddenLine xmlns:a14="http://schemas.microsoft.com/office/drawing/2010/main" xmlns="" w="9525">
+                  <a14:hiddenLine xmlns="" xmlns:a14="http://schemas.microsoft.com/office/drawing/2010/main" w="9525">
                     <a:solidFill>
                       <a:srgbClr val="000000"/>
                     </a:solidFill>
@@ -10232,7 +10591,7 @@
               </a:ln>
               <a:extLst>
                 <a:ext uri="{91240B29-F687-4f45-9708-019B960494DF}">
-                  <a14:hiddenLine xmlns:a14="http://schemas.microsoft.com/office/drawing/2010/main" xmlns="" w="9525">
+                  <a14:hiddenLine xmlns="" xmlns:a14="http://schemas.microsoft.com/office/drawing/2010/main" w="9525">
                     <a:solidFill>
                       <a:srgbClr val="000000"/>
                     </a:solidFill>
@@ -10266,7 +10625,7 @@
               </a:ln>
               <a:extLst>
                 <a:ext uri="{91240B29-F687-4f45-9708-019B960494DF}">
-                  <a14:hiddenLine xmlns:a14="http://schemas.microsoft.com/office/drawing/2010/main" xmlns="" w="9525">
+                  <a14:hiddenLine xmlns="" xmlns:a14="http://schemas.microsoft.com/office/drawing/2010/main" w="9525">
                     <a:solidFill>
                       <a:srgbClr val="000000"/>
                     </a:solidFill>
@@ -10331,7 +10690,7 @@
               </a:ln>
               <a:extLst>
                 <a:ext uri="{91240B29-F687-4f45-9708-019B960494DF}">
-                  <a14:hiddenLine xmlns:a14="http://schemas.microsoft.com/office/drawing/2010/main" xmlns="" w="9525">
+                  <a14:hiddenLine xmlns="" xmlns:a14="http://schemas.microsoft.com/office/drawing/2010/main" w="9525">
                     <a:solidFill>
                       <a:srgbClr val="000000"/>
                     </a:solidFill>
@@ -10421,7 +10780,7 @@
               </a:ln>
               <a:extLst>
                 <a:ext uri="{91240B29-F687-4f45-9708-019B960494DF}">
-                  <a14:hiddenLine xmlns:a14="http://schemas.microsoft.com/office/drawing/2010/main" xmlns="" w="9525">
+                  <a14:hiddenLine xmlns="" xmlns:a14="http://schemas.microsoft.com/office/drawing/2010/main" w="9525">
                     <a:solidFill>
                       <a:srgbClr val="000000"/>
                     </a:solidFill>
@@ -10483,7 +10842,7 @@
               </a:ln>
               <a:extLst>
                 <a:ext uri="{91240B29-F687-4f45-9708-019B960494DF}">
-                  <a14:hiddenLine xmlns:a14="http://schemas.microsoft.com/office/drawing/2010/main" xmlns="" w="9525">
+                  <a14:hiddenLine xmlns="" xmlns:a14="http://schemas.microsoft.com/office/drawing/2010/main" w="9525">
                     <a:solidFill>
                       <a:srgbClr val="000000"/>
                     </a:solidFill>
@@ -10573,7 +10932,7 @@
               </a:ln>
               <a:extLst>
                 <a:ext uri="{91240B29-F687-4f45-9708-019B960494DF}">
-                  <a14:hiddenLine xmlns:a14="http://schemas.microsoft.com/office/drawing/2010/main" xmlns="" w="9525">
+                  <a14:hiddenLine xmlns="" xmlns:a14="http://schemas.microsoft.com/office/drawing/2010/main" w="9525">
                     <a:solidFill>
                       <a:srgbClr val="000000"/>
                     </a:solidFill>
@@ -10638,7 +10997,7 @@
               </a:ln>
               <a:extLst>
                 <a:ext uri="{91240B29-F687-4f45-9708-019B960494DF}">
-                  <a14:hiddenLine xmlns:a14="http://schemas.microsoft.com/office/drawing/2010/main" xmlns="" w="9525">
+                  <a14:hiddenLine xmlns="" xmlns:a14="http://schemas.microsoft.com/office/drawing/2010/main" w="9525">
                     <a:solidFill>
                       <a:srgbClr val="000000"/>
                     </a:solidFill>
@@ -10700,7 +11059,7 @@
               </a:ln>
               <a:extLst>
                 <a:ext uri="{91240B29-F687-4f45-9708-019B960494DF}">
-                  <a14:hiddenLine xmlns:a14="http://schemas.microsoft.com/office/drawing/2010/main" xmlns="" w="9525">
+                  <a14:hiddenLine xmlns="" xmlns:a14="http://schemas.microsoft.com/office/drawing/2010/main" w="9525">
                     <a:solidFill>
                       <a:srgbClr val="000000"/>
                     </a:solidFill>
@@ -10790,7 +11149,7 @@
               </a:ln>
               <a:extLst>
                 <a:ext uri="{91240B29-F687-4f45-9708-019B960494DF}">
-                  <a14:hiddenLine xmlns:a14="http://schemas.microsoft.com/office/drawing/2010/main" xmlns="" w="9525">
+                  <a14:hiddenLine xmlns="" xmlns:a14="http://schemas.microsoft.com/office/drawing/2010/main" w="9525">
                     <a:solidFill>
                       <a:srgbClr val="000000"/>
                     </a:solidFill>
@@ -10880,7 +11239,7 @@
               </a:ln>
               <a:extLst>
                 <a:ext uri="{91240B29-F687-4f45-9708-019B960494DF}">
-                  <a14:hiddenLine xmlns:a14="http://schemas.microsoft.com/office/drawing/2010/main" xmlns="" w="9525">
+                  <a14:hiddenLine xmlns="" xmlns:a14="http://schemas.microsoft.com/office/drawing/2010/main" w="9525">
                     <a:solidFill>
                       <a:srgbClr val="000000"/>
                     </a:solidFill>
@@ -10945,7 +11304,7 @@
               </a:ln>
               <a:extLst>
                 <a:ext uri="{91240B29-F687-4f45-9708-019B960494DF}">
-                  <a14:hiddenLine xmlns:a14="http://schemas.microsoft.com/office/drawing/2010/main" xmlns="" w="9525">
+                  <a14:hiddenLine xmlns="" xmlns:a14="http://schemas.microsoft.com/office/drawing/2010/main" w="9525">
                     <a:solidFill>
                       <a:srgbClr val="000000"/>
                     </a:solidFill>
@@ -11065,7 +11424,7 @@
               </a:ln>
               <a:extLst>
                 <a:ext uri="{91240B29-F687-4f45-9708-019B960494DF}">
-                  <a14:hiddenLine xmlns:a14="http://schemas.microsoft.com/office/drawing/2010/main" xmlns="" w="9525">
+                  <a14:hiddenLine xmlns="" xmlns:a14="http://schemas.microsoft.com/office/drawing/2010/main" w="9525">
                     <a:solidFill>
                       <a:srgbClr val="000000"/>
                     </a:solidFill>
@@ -11163,7 +11522,7 @@
               </a:ln>
               <a:extLst>
                 <a:ext uri="{91240B29-F687-4f45-9708-019B960494DF}">
-                  <a14:hiddenLine xmlns:a14="http://schemas.microsoft.com/office/drawing/2010/main" xmlns="" w="9525">
+                  <a14:hiddenLine xmlns="" xmlns:a14="http://schemas.microsoft.com/office/drawing/2010/main" w="9525">
                     <a:solidFill>
                       <a:srgbClr val="000000"/>
                     </a:solidFill>
@@ -11278,7 +11637,7 @@
               </a:ln>
               <a:extLst>
                 <a:ext uri="{91240B29-F687-4f45-9708-019B960494DF}">
-                  <a14:hiddenLine xmlns:a14="http://schemas.microsoft.com/office/drawing/2010/main" xmlns="" w="9525">
+                  <a14:hiddenLine xmlns="" xmlns:a14="http://schemas.microsoft.com/office/drawing/2010/main" w="9525">
                     <a:solidFill>
                       <a:srgbClr val="000000"/>
                     </a:solidFill>
@@ -11368,7 +11727,7 @@
               </a:ln>
               <a:extLst>
                 <a:ext uri="{91240B29-F687-4f45-9708-019B960494DF}">
-                  <a14:hiddenLine xmlns:a14="http://schemas.microsoft.com/office/drawing/2010/main" xmlns="" w="9525">
+                  <a14:hiddenLine xmlns="" xmlns:a14="http://schemas.microsoft.com/office/drawing/2010/main" w="9525">
                     <a:solidFill>
                       <a:srgbClr val="000000"/>
                     </a:solidFill>
@@ -11433,7 +11792,7 @@
               </a:ln>
               <a:extLst>
                 <a:ext uri="{91240B29-F687-4f45-9708-019B960494DF}">
-                  <a14:hiddenLine xmlns:a14="http://schemas.microsoft.com/office/drawing/2010/main" xmlns="" w="9525">
+                  <a14:hiddenLine xmlns="" xmlns:a14="http://schemas.microsoft.com/office/drawing/2010/main" w="9525">
                     <a:solidFill>
                       <a:srgbClr val="000000"/>
                     </a:solidFill>
@@ -11523,7 +11882,7 @@
               </a:ln>
               <a:extLst>
                 <a:ext uri="{91240B29-F687-4f45-9708-019B960494DF}">
-                  <a14:hiddenLine xmlns:a14="http://schemas.microsoft.com/office/drawing/2010/main" xmlns="" w="9525">
+                  <a14:hiddenLine xmlns="" xmlns:a14="http://schemas.microsoft.com/office/drawing/2010/main" w="9525">
                     <a:solidFill>
                       <a:srgbClr val="000000"/>
                     </a:solidFill>
@@ -11591,7 +11950,7 @@
               </a:ln>
               <a:extLst>
                 <a:ext uri="{91240B29-F687-4f45-9708-019B960494DF}">
-                  <a14:hiddenLine xmlns:a14="http://schemas.microsoft.com/office/drawing/2010/main" xmlns="" w="9525">
+                  <a14:hiddenLine xmlns="" xmlns:a14="http://schemas.microsoft.com/office/drawing/2010/main" w="9525">
                     <a:solidFill>
                       <a:srgbClr val="000000"/>
                     </a:solidFill>
@@ -11681,7 +12040,7 @@
               </a:ln>
               <a:extLst>
                 <a:ext uri="{91240B29-F687-4f45-9708-019B960494DF}">
-                  <a14:hiddenLine xmlns:a14="http://schemas.microsoft.com/office/drawing/2010/main" xmlns="" w="9525">
+                  <a14:hiddenLine xmlns="" xmlns:a14="http://schemas.microsoft.com/office/drawing/2010/main" w="9525">
                     <a:solidFill>
                       <a:srgbClr val="000000"/>
                     </a:solidFill>
@@ -11749,7 +12108,7 @@
               </a:ln>
               <a:extLst>
                 <a:ext uri="{91240B29-F687-4f45-9708-019B960494DF}">
-                  <a14:hiddenLine xmlns:a14="http://schemas.microsoft.com/office/drawing/2010/main" xmlns="" w="9525">
+                  <a14:hiddenLine xmlns="" xmlns:a14="http://schemas.microsoft.com/office/drawing/2010/main" w="9525">
                     <a:solidFill>
                       <a:srgbClr val="000000"/>
                     </a:solidFill>
@@ -11839,7 +12198,7 @@
               </a:ln>
               <a:extLst>
                 <a:ext uri="{91240B29-F687-4f45-9708-019B960494DF}">
-                  <a14:hiddenLine xmlns:a14="http://schemas.microsoft.com/office/drawing/2010/main" xmlns="" w="9525">
+                  <a14:hiddenLine xmlns="" xmlns:a14="http://schemas.microsoft.com/office/drawing/2010/main" w="9525">
                     <a:solidFill>
                       <a:srgbClr val="000000"/>
                     </a:solidFill>
@@ -11873,7 +12232,7 @@
               </a:ln>
               <a:extLst>
                 <a:ext uri="{91240B29-F687-4f45-9708-019B960494DF}">
-                  <a14:hiddenLine xmlns:a14="http://schemas.microsoft.com/office/drawing/2010/main" xmlns="" w="9525">
+                  <a14:hiddenLine xmlns="" xmlns:a14="http://schemas.microsoft.com/office/drawing/2010/main" w="9525">
                     <a:solidFill>
                       <a:srgbClr val="000000"/>
                     </a:solidFill>
@@ -12013,7 +12372,7 @@
           <a:p>
             <a:fld id="{54DB1FAC-7B47-D24C-B809-F6759689CA1C}" type="datetimeFigureOut">
               <a:rPr lang="en-US" smtClean="0"/>
-              <a:t>10/28/18</a:t>
+              <a:t>11/1/18</a:t>
             </a:fld>
             <a:endParaRPr lang="en-US"/>
           </a:p>
@@ -12464,10 +12823,10 @@
           <p:cNvPr id="7" name="Picture 2">
             <a:extLst>
               <a:ext uri="{FF2B5EF4-FFF2-40B4-BE49-F238E27FC236}">
-                <a16:creationId xmlns:a16="http://schemas.microsoft.com/office/drawing/2014/main" id="{9ACD3AF8-B16E-4174-8C1A-41F683C4AF8A}"/>
+                <a16:creationId xmlns:a16="http://schemas.microsoft.com/office/drawing/2014/main" xmlns="" id="{9ACD3AF8-B16E-4174-8C1A-41F683C4AF8A}"/>
               </a:ext>
               <a:ext uri="{C183D7F6-B498-43B3-948B-1728B52AA6E4}">
-                <adec:decorative xmlns:adec="http://schemas.microsoft.com/office/drawing/2017/decorative" val="1"/>
+                <adec:decorative xmlns:adec="http://schemas.microsoft.com/office/drawing/2017/decorative" xmlns="" val="1"/>
               </a:ext>
             </a:extLst>
           </p:cNvPr>
@@ -12507,7 +12866,7 @@
           <a:noFill/>
           <a:extLst>
             <a:ext uri="{909E8E84-426E-40dd-AFC4-6F175D3DCCD1}">
-              <a14:hiddenFill xmlns="" xmlns:a16="http://schemas.microsoft.com/office/drawing/2014/main" xmlns:a14="http://schemas.microsoft.com/office/drawing/2010/main">
+              <a14:hiddenFill xmlns:a14="http://schemas.microsoft.com/office/drawing/2010/main" xmlns:a16="http://schemas.microsoft.com/office/drawing/2014/main" xmlns="">
                 <a:solidFill>
                   <a:srgbClr val="FFFFFF"/>
                 </a:solidFill>
@@ -12521,10 +12880,10 @@
           <p:cNvPr id="9" name="Group 8">
             <a:extLst>
               <a:ext uri="{FF2B5EF4-FFF2-40B4-BE49-F238E27FC236}">
-                <a16:creationId xmlns:a16="http://schemas.microsoft.com/office/drawing/2014/main" id="{FF5EAD09-B81D-415F-8BCF-73C81AE05F21}"/>
+                <a16:creationId xmlns:a16="http://schemas.microsoft.com/office/drawing/2014/main" xmlns="" id="{FF5EAD09-B81D-415F-8BCF-73C81AE05F21}"/>
               </a:ext>
               <a:ext uri="{C183D7F6-B498-43B3-948B-1728B52AA6E4}">
-                <adec:decorative xmlns:adec="http://schemas.microsoft.com/office/drawing/2017/decorative" val="1"/>
+                <adec:decorative xmlns:adec="http://schemas.microsoft.com/office/drawing/2017/decorative" xmlns="" val="1"/>
               </a:ext>
             </a:extLst>
           </p:cNvPr>
@@ -12567,10 +12926,10 @@
             <p:cNvPr id="4" name="Rectangle 5">
               <a:extLst>
                 <a:ext uri="{FF2B5EF4-FFF2-40B4-BE49-F238E27FC236}">
-                  <a16:creationId xmlns:a16="http://schemas.microsoft.com/office/drawing/2014/main" id="{CFB79010-8ED4-49EF-AFD2-F4D8C80B69B2}"/>
+                  <a16:creationId xmlns:a16="http://schemas.microsoft.com/office/drawing/2014/main" xmlns="" id="{CFB79010-8ED4-49EF-AFD2-F4D8C80B69B2}"/>
                 </a:ext>
                 <a:ext uri="{C183D7F6-B498-43B3-948B-1728B52AA6E4}">
-                  <adec:decorative xmlns:adec="http://schemas.microsoft.com/office/drawing/2017/decorative" val="1"/>
+                  <adec:decorative xmlns:adec="http://schemas.microsoft.com/office/drawing/2017/decorative" xmlns="" val="1"/>
                 </a:ext>
               </a:extLst>
             </p:cNvPr>
@@ -12599,7 +12958,7 @@
             </a:ln>
             <a:extLst>
               <a:ext uri="{91240B29-F687-4f45-9708-019B960494DF}">
-                <a14:hiddenLine xmlns="" xmlns:a16="http://schemas.microsoft.com/office/drawing/2014/main" xmlns:a14="http://schemas.microsoft.com/office/drawing/2010/main" w="9525">
+                <a14:hiddenLine xmlns:a14="http://schemas.microsoft.com/office/drawing/2010/main" xmlns:a16="http://schemas.microsoft.com/office/drawing/2014/main" xmlns="" w="9525">
                   <a:solidFill>
                     <a:srgbClr val="000000"/>
                   </a:solidFill>
@@ -12616,10 +12975,10 @@
             <p:cNvPr id="11" name="Freeform 6">
               <a:extLst>
                 <a:ext uri="{FF2B5EF4-FFF2-40B4-BE49-F238E27FC236}">
-                  <a16:creationId xmlns:a16="http://schemas.microsoft.com/office/drawing/2014/main" id="{4649B869-006E-42B5-9DDC-21049B130E04}"/>
+                  <a16:creationId xmlns:a16="http://schemas.microsoft.com/office/drawing/2014/main" xmlns="" id="{4649B869-006E-42B5-9DDC-21049B130E04}"/>
                 </a:ext>
                 <a:ext uri="{C183D7F6-B498-43B3-948B-1728B52AA6E4}">
-                  <adec:decorative xmlns:adec="http://schemas.microsoft.com/office/drawing/2017/decorative" val="1"/>
+                  <adec:decorative xmlns:adec="http://schemas.microsoft.com/office/drawing/2017/decorative" xmlns="" val="1"/>
                 </a:ext>
               </a:extLst>
             </p:cNvPr>
@@ -12704,7 +13063,7 @@
             </a:ln>
             <a:extLst>
               <a:ext uri="{91240B29-F687-4f45-9708-019B960494DF}">
-                <a14:hiddenLine xmlns="" xmlns:a16="http://schemas.microsoft.com/office/drawing/2014/main" xmlns:a14="http://schemas.microsoft.com/office/drawing/2010/main" w="9525">
+                <a14:hiddenLine xmlns:a14="http://schemas.microsoft.com/office/drawing/2010/main" xmlns:a16="http://schemas.microsoft.com/office/drawing/2014/main" xmlns="" w="9525">
                   <a:solidFill>
                     <a:srgbClr val="000000"/>
                   </a:solidFill>
@@ -12721,10 +13080,10 @@
             <p:cNvPr id="5" name="Freeform 7">
               <a:extLst>
                 <a:ext uri="{FF2B5EF4-FFF2-40B4-BE49-F238E27FC236}">
-                  <a16:creationId xmlns:a16="http://schemas.microsoft.com/office/drawing/2014/main" id="{443096BD-333F-48B6-8220-D1F9793E40A0}"/>
+                  <a16:creationId xmlns:a16="http://schemas.microsoft.com/office/drawing/2014/main" xmlns="" id="{443096BD-333F-48B6-8220-D1F9793E40A0}"/>
                 </a:ext>
                 <a:ext uri="{C183D7F6-B498-43B3-948B-1728B52AA6E4}">
-                  <adec:decorative xmlns:adec="http://schemas.microsoft.com/office/drawing/2017/decorative" val="1"/>
+                  <adec:decorative xmlns:adec="http://schemas.microsoft.com/office/drawing/2017/decorative" xmlns="" val="1"/>
                 </a:ext>
               </a:extLst>
             </p:cNvPr>
@@ -12809,7 +13168,7 @@
             </a:ln>
             <a:extLst>
               <a:ext uri="{91240B29-F687-4f45-9708-019B960494DF}">
-                <a14:hiddenLine xmlns="" xmlns:a16="http://schemas.microsoft.com/office/drawing/2014/main" xmlns:a14="http://schemas.microsoft.com/office/drawing/2010/main" w="9525">
+                <a14:hiddenLine xmlns:a14="http://schemas.microsoft.com/office/drawing/2010/main" xmlns:a16="http://schemas.microsoft.com/office/drawing/2014/main" xmlns="" w="9525">
                   <a:solidFill>
                     <a:srgbClr val="000000"/>
                   </a:solidFill>
@@ -12826,10 +13185,10 @@
             <p:cNvPr id="13" name="Rectangle 8">
               <a:extLst>
                 <a:ext uri="{FF2B5EF4-FFF2-40B4-BE49-F238E27FC236}">
-                  <a16:creationId xmlns:a16="http://schemas.microsoft.com/office/drawing/2014/main" id="{1A45BB9A-7E84-4B9B-923A-270A97F8524C}"/>
+                  <a16:creationId xmlns:a16="http://schemas.microsoft.com/office/drawing/2014/main" xmlns="" id="{1A45BB9A-7E84-4B9B-923A-270A97F8524C}"/>
                 </a:ext>
                 <a:ext uri="{C183D7F6-B498-43B3-948B-1728B52AA6E4}">
-                  <adec:decorative xmlns:adec="http://schemas.microsoft.com/office/drawing/2017/decorative" val="1"/>
+                  <adec:decorative xmlns:adec="http://schemas.microsoft.com/office/drawing/2017/decorative" xmlns="" val="1"/>
                 </a:ext>
               </a:extLst>
             </p:cNvPr>
@@ -12858,7 +13217,7 @@
             </a:ln>
             <a:extLst>
               <a:ext uri="{91240B29-F687-4f45-9708-019B960494DF}">
-                <a14:hiddenLine xmlns="" xmlns:a16="http://schemas.microsoft.com/office/drawing/2014/main" xmlns:a14="http://schemas.microsoft.com/office/drawing/2010/main" w="9525">
+                <a14:hiddenLine xmlns:a14="http://schemas.microsoft.com/office/drawing/2010/main" xmlns:a16="http://schemas.microsoft.com/office/drawing/2014/main" xmlns="" w="9525">
                   <a:solidFill>
                     <a:srgbClr val="000000"/>
                   </a:solidFill>
@@ -12875,10 +13234,10 @@
             <p:cNvPr id="6" name="Freeform 9">
               <a:extLst>
                 <a:ext uri="{FF2B5EF4-FFF2-40B4-BE49-F238E27FC236}">
-                  <a16:creationId xmlns:a16="http://schemas.microsoft.com/office/drawing/2014/main" id="{D7D7C768-2F76-4DE2-A807-1B9FFF816C2E}"/>
+                  <a16:creationId xmlns:a16="http://schemas.microsoft.com/office/drawing/2014/main" xmlns="" id="{D7D7C768-2F76-4DE2-A807-1B9FFF816C2E}"/>
                 </a:ext>
                 <a:ext uri="{C183D7F6-B498-43B3-948B-1728B52AA6E4}">
-                  <adec:decorative xmlns:adec="http://schemas.microsoft.com/office/drawing/2017/decorative" val="1"/>
+                  <adec:decorative xmlns:adec="http://schemas.microsoft.com/office/drawing/2017/decorative" xmlns="" val="1"/>
                 </a:ext>
               </a:extLst>
             </p:cNvPr>
@@ -12963,7 +13322,7 @@
             </a:ln>
             <a:extLst>
               <a:ext uri="{91240B29-F687-4f45-9708-019B960494DF}">
-                <a14:hiddenLine xmlns="" xmlns:a16="http://schemas.microsoft.com/office/drawing/2014/main" xmlns:a14="http://schemas.microsoft.com/office/drawing/2010/main" w="9525">
+                <a14:hiddenLine xmlns:a14="http://schemas.microsoft.com/office/drawing/2010/main" xmlns:a16="http://schemas.microsoft.com/office/drawing/2014/main" xmlns="" w="9525">
                   <a:solidFill>
                     <a:srgbClr val="000000"/>
                   </a:solidFill>
@@ -12980,10 +13339,10 @@
             <p:cNvPr id="15" name="Freeform 10">
               <a:extLst>
                 <a:ext uri="{FF2B5EF4-FFF2-40B4-BE49-F238E27FC236}">
-                  <a16:creationId xmlns:a16="http://schemas.microsoft.com/office/drawing/2014/main" id="{1870B32E-EE42-470E-B543-CA55AEC8CAB5}"/>
+                  <a16:creationId xmlns:a16="http://schemas.microsoft.com/office/drawing/2014/main" xmlns="" id="{1870B32E-EE42-470E-B543-CA55AEC8CAB5}"/>
                 </a:ext>
                 <a:ext uri="{C183D7F6-B498-43B3-948B-1728B52AA6E4}">
-                  <adec:decorative xmlns:adec="http://schemas.microsoft.com/office/drawing/2017/decorative" val="1"/>
+                  <adec:decorative xmlns:adec="http://schemas.microsoft.com/office/drawing/2017/decorative" xmlns="" val="1"/>
                 </a:ext>
               </a:extLst>
             </p:cNvPr>
@@ -13040,7 +13399,7 @@
             </a:ln>
             <a:extLst>
               <a:ext uri="{91240B29-F687-4f45-9708-019B960494DF}">
-                <a14:hiddenLine xmlns="" xmlns:a16="http://schemas.microsoft.com/office/drawing/2014/main" xmlns:a14="http://schemas.microsoft.com/office/drawing/2010/main" w="9525">
+                <a14:hiddenLine xmlns:a14="http://schemas.microsoft.com/office/drawing/2010/main" xmlns:a16="http://schemas.microsoft.com/office/drawing/2014/main" xmlns="" w="9525">
                   <a:solidFill>
                     <a:srgbClr val="000000"/>
                   </a:solidFill>
@@ -13057,10 +13416,10 @@
             <p:cNvPr id="8" name="Freeform 11">
               <a:extLst>
                 <a:ext uri="{FF2B5EF4-FFF2-40B4-BE49-F238E27FC236}">
-                  <a16:creationId xmlns:a16="http://schemas.microsoft.com/office/drawing/2014/main" id="{EEF09120-11AA-4DB5-98A8-EC4923002C6B}"/>
+                  <a16:creationId xmlns:a16="http://schemas.microsoft.com/office/drawing/2014/main" xmlns="" id="{EEF09120-11AA-4DB5-98A8-EC4923002C6B}"/>
                 </a:ext>
                 <a:ext uri="{C183D7F6-B498-43B3-948B-1728B52AA6E4}">
-                  <adec:decorative xmlns:adec="http://schemas.microsoft.com/office/drawing/2017/decorative" val="1"/>
+                  <adec:decorative xmlns:adec="http://schemas.microsoft.com/office/drawing/2017/decorative" xmlns="" val="1"/>
                 </a:ext>
               </a:extLst>
             </p:cNvPr>
@@ -13117,7 +13476,7 @@
             </a:ln>
             <a:extLst>
               <a:ext uri="{91240B29-F687-4f45-9708-019B960494DF}">
-                <a14:hiddenLine xmlns="" xmlns:a16="http://schemas.microsoft.com/office/drawing/2014/main" xmlns:a14="http://schemas.microsoft.com/office/drawing/2010/main" w="9525">
+                <a14:hiddenLine xmlns:a14="http://schemas.microsoft.com/office/drawing/2010/main" xmlns:a16="http://schemas.microsoft.com/office/drawing/2014/main" xmlns="" w="9525">
                   <a:solidFill>
                     <a:srgbClr val="000000"/>
                   </a:solidFill>
@@ -13134,10 +13493,10 @@
             <p:cNvPr id="17" name="Freeform 12">
               <a:extLst>
                 <a:ext uri="{FF2B5EF4-FFF2-40B4-BE49-F238E27FC236}">
-                  <a16:creationId xmlns:a16="http://schemas.microsoft.com/office/drawing/2014/main" id="{39CC463D-589C-461C-A234-0460EB06B881}"/>
+                  <a16:creationId xmlns:a16="http://schemas.microsoft.com/office/drawing/2014/main" xmlns="" id="{39CC463D-589C-461C-A234-0460EB06B881}"/>
                 </a:ext>
                 <a:ext uri="{C183D7F6-B498-43B3-948B-1728B52AA6E4}">
-                  <adec:decorative xmlns:adec="http://schemas.microsoft.com/office/drawing/2017/decorative" val="1"/>
+                  <adec:decorative xmlns:adec="http://schemas.microsoft.com/office/drawing/2017/decorative" xmlns="" val="1"/>
                 </a:ext>
               </a:extLst>
             </p:cNvPr>
@@ -13222,7 +13581,7 @@
             </a:ln>
             <a:extLst>
               <a:ext uri="{91240B29-F687-4f45-9708-019B960494DF}">
-                <a14:hiddenLine xmlns="" xmlns:a16="http://schemas.microsoft.com/office/drawing/2014/main" xmlns:a14="http://schemas.microsoft.com/office/drawing/2010/main" w="9525">
+                <a14:hiddenLine xmlns:a14="http://schemas.microsoft.com/office/drawing/2010/main" xmlns:a16="http://schemas.microsoft.com/office/drawing/2014/main" xmlns="" w="9525">
                   <a:solidFill>
                     <a:srgbClr val="000000"/>
                   </a:solidFill>
@@ -13239,10 +13598,10 @@
             <p:cNvPr id="64" name="Freeform 13">
               <a:extLst>
                 <a:ext uri="{FF2B5EF4-FFF2-40B4-BE49-F238E27FC236}">
-                  <a16:creationId xmlns:a16="http://schemas.microsoft.com/office/drawing/2014/main" id="{B6516153-269A-421E-A021-CB3F3C5E1DA4}"/>
+                  <a16:creationId xmlns:a16="http://schemas.microsoft.com/office/drawing/2014/main" xmlns="" id="{B6516153-269A-421E-A021-CB3F3C5E1DA4}"/>
                 </a:ext>
                 <a:ext uri="{C183D7F6-B498-43B3-948B-1728B52AA6E4}">
-                  <adec:decorative xmlns:adec="http://schemas.microsoft.com/office/drawing/2017/decorative" val="1"/>
+                  <adec:decorative xmlns:adec="http://schemas.microsoft.com/office/drawing/2017/decorative" xmlns="" val="1"/>
                 </a:ext>
               </a:extLst>
             </p:cNvPr>
@@ -13299,7 +13658,7 @@
             </a:ln>
             <a:extLst>
               <a:ext uri="{91240B29-F687-4f45-9708-019B960494DF}">
-                <a14:hiddenLine xmlns="" xmlns:a16="http://schemas.microsoft.com/office/drawing/2014/main" xmlns:a14="http://schemas.microsoft.com/office/drawing/2010/main" w="9525">
+                <a14:hiddenLine xmlns:a14="http://schemas.microsoft.com/office/drawing/2010/main" xmlns:a16="http://schemas.microsoft.com/office/drawing/2014/main" xmlns="" w="9525">
                   <a:solidFill>
                     <a:srgbClr val="000000"/>
                   </a:solidFill>
@@ -13316,10 +13675,10 @@
             <p:cNvPr id="19" name="Freeform 14">
               <a:extLst>
                 <a:ext uri="{FF2B5EF4-FFF2-40B4-BE49-F238E27FC236}">
-                  <a16:creationId xmlns:a16="http://schemas.microsoft.com/office/drawing/2014/main" id="{45E14300-6C4A-4F77-915F-F3B25B0237BB}"/>
+                  <a16:creationId xmlns:a16="http://schemas.microsoft.com/office/drawing/2014/main" xmlns="" id="{45E14300-6C4A-4F77-915F-F3B25B0237BB}"/>
                 </a:ext>
                 <a:ext uri="{C183D7F6-B498-43B3-948B-1728B52AA6E4}">
-                  <adec:decorative xmlns:adec="http://schemas.microsoft.com/office/drawing/2017/decorative" val="1"/>
+                  <adec:decorative xmlns:adec="http://schemas.microsoft.com/office/drawing/2017/decorative" xmlns="" val="1"/>
                 </a:ext>
               </a:extLst>
             </p:cNvPr>
@@ -13376,7 +13735,7 @@
             </a:ln>
             <a:extLst>
               <a:ext uri="{91240B29-F687-4f45-9708-019B960494DF}">
-                <a14:hiddenLine xmlns="" xmlns:a16="http://schemas.microsoft.com/office/drawing/2014/main" xmlns:a14="http://schemas.microsoft.com/office/drawing/2010/main" w="9525">
+                <a14:hiddenLine xmlns:a14="http://schemas.microsoft.com/office/drawing/2010/main" xmlns:a16="http://schemas.microsoft.com/office/drawing/2014/main" xmlns="" w="9525">
                   <a:solidFill>
                     <a:srgbClr val="000000"/>
                   </a:solidFill>
@@ -13393,10 +13752,10 @@
             <p:cNvPr id="68" name="Freeform 15">
               <a:extLst>
                 <a:ext uri="{FF2B5EF4-FFF2-40B4-BE49-F238E27FC236}">
-                  <a16:creationId xmlns:a16="http://schemas.microsoft.com/office/drawing/2014/main" id="{993E312A-E6A6-4B52-ADE6-618ADC89BA60}"/>
+                  <a16:creationId xmlns:a16="http://schemas.microsoft.com/office/drawing/2014/main" xmlns="" id="{993E312A-E6A6-4B52-ADE6-618ADC89BA60}"/>
                 </a:ext>
                 <a:ext uri="{C183D7F6-B498-43B3-948B-1728B52AA6E4}">
-                  <adec:decorative xmlns:adec="http://schemas.microsoft.com/office/drawing/2017/decorative" val="1"/>
+                  <adec:decorative xmlns:adec="http://schemas.microsoft.com/office/drawing/2017/decorative" xmlns="" val="1"/>
                 </a:ext>
               </a:extLst>
             </p:cNvPr>
@@ -13481,7 +13840,7 @@
             </a:ln>
             <a:extLst>
               <a:ext uri="{91240B29-F687-4f45-9708-019B960494DF}">
-                <a14:hiddenLine xmlns="" xmlns:a16="http://schemas.microsoft.com/office/drawing/2014/main" xmlns:a14="http://schemas.microsoft.com/office/drawing/2010/main" w="9525">
+                <a14:hiddenLine xmlns:a14="http://schemas.microsoft.com/office/drawing/2010/main" xmlns:a16="http://schemas.microsoft.com/office/drawing/2014/main" xmlns="" w="9525">
                   <a:solidFill>
                     <a:srgbClr val="000000"/>
                   </a:solidFill>
@@ -13498,10 +13857,10 @@
             <p:cNvPr id="21" name="Freeform 16">
               <a:extLst>
                 <a:ext uri="{FF2B5EF4-FFF2-40B4-BE49-F238E27FC236}">
-                  <a16:creationId xmlns:a16="http://schemas.microsoft.com/office/drawing/2014/main" id="{2F0F3026-2480-472B-8C52-36812C81EF38}"/>
+                  <a16:creationId xmlns:a16="http://schemas.microsoft.com/office/drawing/2014/main" xmlns="" id="{2F0F3026-2480-472B-8C52-36812C81EF38}"/>
                 </a:ext>
                 <a:ext uri="{C183D7F6-B498-43B3-948B-1728B52AA6E4}">
-                  <adec:decorative xmlns:adec="http://schemas.microsoft.com/office/drawing/2017/decorative" val="1"/>
+                  <adec:decorative xmlns:adec="http://schemas.microsoft.com/office/drawing/2017/decorative" xmlns="" val="1"/>
                 </a:ext>
               </a:extLst>
             </p:cNvPr>
@@ -13586,7 +13945,7 @@
             </a:ln>
             <a:extLst>
               <a:ext uri="{91240B29-F687-4f45-9708-019B960494DF}">
-                <a14:hiddenLine xmlns="" xmlns:a16="http://schemas.microsoft.com/office/drawing/2014/main" xmlns:a14="http://schemas.microsoft.com/office/drawing/2010/main" w="9525">
+                <a14:hiddenLine xmlns:a14="http://schemas.microsoft.com/office/drawing/2010/main" xmlns:a16="http://schemas.microsoft.com/office/drawing/2014/main" xmlns="" w="9525">
                   <a:solidFill>
                     <a:srgbClr val="000000"/>
                   </a:solidFill>
@@ -13603,10 +13962,10 @@
             <p:cNvPr id="70" name="Freeform 17">
               <a:extLst>
                 <a:ext uri="{FF2B5EF4-FFF2-40B4-BE49-F238E27FC236}">
-                  <a16:creationId xmlns:a16="http://schemas.microsoft.com/office/drawing/2014/main" id="{34E1C992-559D-4827-9F30-31A3CA7A2B14}"/>
+                  <a16:creationId xmlns:a16="http://schemas.microsoft.com/office/drawing/2014/main" xmlns="" id="{34E1C992-559D-4827-9F30-31A3CA7A2B14}"/>
                 </a:ext>
                 <a:ext uri="{C183D7F6-B498-43B3-948B-1728B52AA6E4}">
-                  <adec:decorative xmlns:adec="http://schemas.microsoft.com/office/drawing/2017/decorative" val="1"/>
+                  <adec:decorative xmlns:adec="http://schemas.microsoft.com/office/drawing/2017/decorative" xmlns="" val="1"/>
                 </a:ext>
               </a:extLst>
             </p:cNvPr>
@@ -13663,7 +14022,7 @@
             </a:ln>
             <a:extLst>
               <a:ext uri="{91240B29-F687-4f45-9708-019B960494DF}">
-                <a14:hiddenLine xmlns="" xmlns:a16="http://schemas.microsoft.com/office/drawing/2014/main" xmlns:a14="http://schemas.microsoft.com/office/drawing/2010/main" w="9525">
+                <a14:hiddenLine xmlns:a14="http://schemas.microsoft.com/office/drawing/2010/main" xmlns:a16="http://schemas.microsoft.com/office/drawing/2014/main" xmlns="" w="9525">
                   <a:solidFill>
                     <a:srgbClr val="000000"/>
                   </a:solidFill>
@@ -13680,10 +14039,10 @@
             <p:cNvPr id="23" name="Freeform 18">
               <a:extLst>
                 <a:ext uri="{FF2B5EF4-FFF2-40B4-BE49-F238E27FC236}">
-                  <a16:creationId xmlns:a16="http://schemas.microsoft.com/office/drawing/2014/main" id="{D9F2FB98-F443-498F-AAD9-694582568130}"/>
+                  <a16:creationId xmlns:a16="http://schemas.microsoft.com/office/drawing/2014/main" xmlns="" id="{D9F2FB98-F443-498F-AAD9-694582568130}"/>
                 </a:ext>
                 <a:ext uri="{C183D7F6-B498-43B3-948B-1728B52AA6E4}">
-                  <adec:decorative xmlns:adec="http://schemas.microsoft.com/office/drawing/2017/decorative" val="1"/>
+                  <adec:decorative xmlns:adec="http://schemas.microsoft.com/office/drawing/2017/decorative" xmlns="" val="1"/>
                 </a:ext>
               </a:extLst>
             </p:cNvPr>
@@ -13788,7 +14147,7 @@
             </a:ln>
             <a:extLst>
               <a:ext uri="{91240B29-F687-4f45-9708-019B960494DF}">
-                <a14:hiddenLine xmlns="" xmlns:a16="http://schemas.microsoft.com/office/drawing/2014/main" xmlns:a14="http://schemas.microsoft.com/office/drawing/2010/main" w="9525">
+                <a14:hiddenLine xmlns:a14="http://schemas.microsoft.com/office/drawing/2010/main" xmlns:a16="http://schemas.microsoft.com/office/drawing/2014/main" xmlns="" w="9525">
                   <a:solidFill>
                     <a:srgbClr val="000000"/>
                   </a:solidFill>
@@ -13805,10 +14164,10 @@
             <p:cNvPr id="92" name="Freeform 19">
               <a:extLst>
                 <a:ext uri="{FF2B5EF4-FFF2-40B4-BE49-F238E27FC236}">
-                  <a16:creationId xmlns:a16="http://schemas.microsoft.com/office/drawing/2014/main" id="{75DBF6EC-ED50-43E4-8A8B-64CE86A88043}"/>
+                  <a16:creationId xmlns:a16="http://schemas.microsoft.com/office/drawing/2014/main" xmlns="" id="{75DBF6EC-ED50-43E4-8A8B-64CE86A88043}"/>
                 </a:ext>
                 <a:ext uri="{C183D7F6-B498-43B3-948B-1728B52AA6E4}">
-                  <adec:decorative xmlns:adec="http://schemas.microsoft.com/office/drawing/2017/decorative" val="1"/>
+                  <adec:decorative xmlns:adec="http://schemas.microsoft.com/office/drawing/2017/decorative" xmlns="" val="1"/>
                 </a:ext>
               </a:extLst>
             </p:cNvPr>
@@ -13865,7 +14224,7 @@
             </a:ln>
             <a:extLst>
               <a:ext uri="{91240B29-F687-4f45-9708-019B960494DF}">
-                <a14:hiddenLine xmlns="" xmlns:a16="http://schemas.microsoft.com/office/drawing/2014/main" xmlns:a14="http://schemas.microsoft.com/office/drawing/2010/main" w="9525">
+                <a14:hiddenLine xmlns:a14="http://schemas.microsoft.com/office/drawing/2010/main" xmlns:a16="http://schemas.microsoft.com/office/drawing/2014/main" xmlns="" w="9525">
                   <a:solidFill>
                     <a:srgbClr val="000000"/>
                   </a:solidFill>
@@ -13882,10 +14241,10 @@
             <p:cNvPr id="93" name="Freeform 20">
               <a:extLst>
                 <a:ext uri="{FF2B5EF4-FFF2-40B4-BE49-F238E27FC236}">
-                  <a16:creationId xmlns:a16="http://schemas.microsoft.com/office/drawing/2014/main" id="{FD854F40-AC43-4F21-9C62-2CE35CFD2B1E}"/>
+                  <a16:creationId xmlns:a16="http://schemas.microsoft.com/office/drawing/2014/main" xmlns="" id="{FD854F40-AC43-4F21-9C62-2CE35CFD2B1E}"/>
                 </a:ext>
                 <a:ext uri="{C183D7F6-B498-43B3-948B-1728B52AA6E4}">
-                  <adec:decorative xmlns:adec="http://schemas.microsoft.com/office/drawing/2017/decorative" val="1"/>
+                  <adec:decorative xmlns:adec="http://schemas.microsoft.com/office/drawing/2017/decorative" xmlns="" val="1"/>
                 </a:ext>
               </a:extLst>
             </p:cNvPr>
@@ -13970,7 +14329,7 @@
             </a:ln>
             <a:extLst>
               <a:ext uri="{91240B29-F687-4f45-9708-019B960494DF}">
-                <a14:hiddenLine xmlns="" xmlns:a16="http://schemas.microsoft.com/office/drawing/2014/main" xmlns:a14="http://schemas.microsoft.com/office/drawing/2010/main" w="9525">
+                <a14:hiddenLine xmlns:a14="http://schemas.microsoft.com/office/drawing/2010/main" xmlns:a16="http://schemas.microsoft.com/office/drawing/2014/main" xmlns="" w="9525">
                   <a:solidFill>
                     <a:srgbClr val="000000"/>
                   </a:solidFill>
@@ -13987,10 +14346,10 @@
             <p:cNvPr id="94" name="Freeform 21">
               <a:extLst>
                 <a:ext uri="{FF2B5EF4-FFF2-40B4-BE49-F238E27FC236}">
-                  <a16:creationId xmlns:a16="http://schemas.microsoft.com/office/drawing/2014/main" id="{62CCB560-494A-4F74-9DE4-068806A8933D}"/>
+                  <a16:creationId xmlns:a16="http://schemas.microsoft.com/office/drawing/2014/main" xmlns="" id="{62CCB560-494A-4F74-9DE4-068806A8933D}"/>
                 </a:ext>
                 <a:ext uri="{C183D7F6-B498-43B3-948B-1728B52AA6E4}">
-                  <adec:decorative xmlns:adec="http://schemas.microsoft.com/office/drawing/2017/decorative" val="1"/>
+                  <adec:decorative xmlns:adec="http://schemas.microsoft.com/office/drawing/2017/decorative" xmlns="" val="1"/>
                 </a:ext>
               </a:extLst>
             </p:cNvPr>
@@ -14075,7 +14434,7 @@
             </a:ln>
             <a:extLst>
               <a:ext uri="{91240B29-F687-4f45-9708-019B960494DF}">
-                <a14:hiddenLine xmlns="" xmlns:a16="http://schemas.microsoft.com/office/drawing/2014/main" xmlns:a14="http://schemas.microsoft.com/office/drawing/2010/main" w="9525">
+                <a14:hiddenLine xmlns:a14="http://schemas.microsoft.com/office/drawing/2010/main" xmlns:a16="http://schemas.microsoft.com/office/drawing/2014/main" xmlns="" w="9525">
                   <a:solidFill>
                     <a:srgbClr val="000000"/>
                   </a:solidFill>
@@ -14092,10 +14451,10 @@
             <p:cNvPr id="95" name="Freeform 22">
               <a:extLst>
                 <a:ext uri="{FF2B5EF4-FFF2-40B4-BE49-F238E27FC236}">
-                  <a16:creationId xmlns:a16="http://schemas.microsoft.com/office/drawing/2014/main" id="{6F9A05F2-B5D2-4D8A-9A78-14E45C13FEC3}"/>
+                  <a16:creationId xmlns:a16="http://schemas.microsoft.com/office/drawing/2014/main" xmlns="" id="{6F9A05F2-B5D2-4D8A-9A78-14E45C13FEC3}"/>
                 </a:ext>
                 <a:ext uri="{C183D7F6-B498-43B3-948B-1728B52AA6E4}">
-                  <adec:decorative xmlns:adec="http://schemas.microsoft.com/office/drawing/2017/decorative" val="1"/>
+                  <adec:decorative xmlns:adec="http://schemas.microsoft.com/office/drawing/2017/decorative" xmlns="" val="1"/>
                 </a:ext>
               </a:extLst>
             </p:cNvPr>
@@ -14152,7 +14511,7 @@
             </a:ln>
             <a:extLst>
               <a:ext uri="{91240B29-F687-4f45-9708-019B960494DF}">
-                <a14:hiddenLine xmlns="" xmlns:a16="http://schemas.microsoft.com/office/drawing/2014/main" xmlns:a14="http://schemas.microsoft.com/office/drawing/2010/main" w="9525">
+                <a14:hiddenLine xmlns:a14="http://schemas.microsoft.com/office/drawing/2010/main" xmlns:a16="http://schemas.microsoft.com/office/drawing/2014/main" xmlns="" w="9525">
                   <a:solidFill>
                     <a:srgbClr val="000000"/>
                   </a:solidFill>
@@ -14169,10 +14528,10 @@
             <p:cNvPr id="96" name="Freeform 23">
               <a:extLst>
                 <a:ext uri="{FF2B5EF4-FFF2-40B4-BE49-F238E27FC236}">
-                  <a16:creationId xmlns:a16="http://schemas.microsoft.com/office/drawing/2014/main" id="{A6373189-19BB-4BEC-84A3-432253E0580A}"/>
+                  <a16:creationId xmlns:a16="http://schemas.microsoft.com/office/drawing/2014/main" xmlns="" id="{A6373189-19BB-4BEC-84A3-432253E0580A}"/>
                 </a:ext>
                 <a:ext uri="{C183D7F6-B498-43B3-948B-1728B52AA6E4}">
-                  <adec:decorative xmlns:adec="http://schemas.microsoft.com/office/drawing/2017/decorative" val="1"/>
+                  <adec:decorative xmlns:adec="http://schemas.microsoft.com/office/drawing/2017/decorative" xmlns="" val="1"/>
                 </a:ext>
               </a:extLst>
             </p:cNvPr>
@@ -14257,7 +14616,7 @@
             </a:ln>
             <a:extLst>
               <a:ext uri="{91240B29-F687-4f45-9708-019B960494DF}">
-                <a14:hiddenLine xmlns="" xmlns:a16="http://schemas.microsoft.com/office/drawing/2014/main" xmlns:a14="http://schemas.microsoft.com/office/drawing/2010/main" w="9525">
+                <a14:hiddenLine xmlns:a14="http://schemas.microsoft.com/office/drawing/2010/main" xmlns:a16="http://schemas.microsoft.com/office/drawing/2014/main" xmlns="" w="9525">
                   <a:solidFill>
                     <a:srgbClr val="000000"/>
                   </a:solidFill>
@@ -14274,10 +14633,10 @@
             <p:cNvPr id="97" name="Freeform 24">
               <a:extLst>
                 <a:ext uri="{FF2B5EF4-FFF2-40B4-BE49-F238E27FC236}">
-                  <a16:creationId xmlns:a16="http://schemas.microsoft.com/office/drawing/2014/main" id="{71AB3122-947A-44DB-B190-A2601C6C95C7}"/>
+                  <a16:creationId xmlns:a16="http://schemas.microsoft.com/office/drawing/2014/main" xmlns="" id="{71AB3122-947A-44DB-B190-A2601C6C95C7}"/>
                 </a:ext>
                 <a:ext uri="{C183D7F6-B498-43B3-948B-1728B52AA6E4}">
-                  <adec:decorative xmlns:adec="http://schemas.microsoft.com/office/drawing/2017/decorative" val="1"/>
+                  <adec:decorative xmlns:adec="http://schemas.microsoft.com/office/drawing/2017/decorative" xmlns="" val="1"/>
                 </a:ext>
               </a:extLst>
             </p:cNvPr>
@@ -14362,7 +14721,7 @@
             </a:ln>
             <a:extLst>
               <a:ext uri="{91240B29-F687-4f45-9708-019B960494DF}">
-                <a14:hiddenLine xmlns="" xmlns:a16="http://schemas.microsoft.com/office/drawing/2014/main" xmlns:a14="http://schemas.microsoft.com/office/drawing/2010/main" w="9525">
+                <a14:hiddenLine xmlns:a14="http://schemas.microsoft.com/office/drawing/2010/main" xmlns:a16="http://schemas.microsoft.com/office/drawing/2014/main" xmlns="" w="9525">
                   <a:solidFill>
                     <a:srgbClr val="000000"/>
                   </a:solidFill>
@@ -14379,10 +14738,10 @@
             <p:cNvPr id="98" name="Freeform 25">
               <a:extLst>
                 <a:ext uri="{FF2B5EF4-FFF2-40B4-BE49-F238E27FC236}">
-                  <a16:creationId xmlns:a16="http://schemas.microsoft.com/office/drawing/2014/main" id="{74B4109D-3AFC-4D44-87B1-0CDED3E63814}"/>
+                  <a16:creationId xmlns:a16="http://schemas.microsoft.com/office/drawing/2014/main" xmlns="" id="{74B4109D-3AFC-4D44-87B1-0CDED3E63814}"/>
                 </a:ext>
                 <a:ext uri="{C183D7F6-B498-43B3-948B-1728B52AA6E4}">
-                  <adec:decorative xmlns:adec="http://schemas.microsoft.com/office/drawing/2017/decorative" val="1"/>
+                  <adec:decorative xmlns:adec="http://schemas.microsoft.com/office/drawing/2017/decorative" xmlns="" val="1"/>
                 </a:ext>
               </a:extLst>
             </p:cNvPr>
@@ -14433,7 +14792,7 @@
             </a:ln>
             <a:extLst>
               <a:ext uri="{91240B29-F687-4f45-9708-019B960494DF}">
-                <a14:hiddenLine xmlns="" xmlns:a16="http://schemas.microsoft.com/office/drawing/2014/main" xmlns:a14="http://schemas.microsoft.com/office/drawing/2010/main" w="9525">
+                <a14:hiddenLine xmlns:a14="http://schemas.microsoft.com/office/drawing/2010/main" xmlns:a16="http://schemas.microsoft.com/office/drawing/2014/main" xmlns="" w="9525">
                   <a:solidFill>
                     <a:srgbClr val="000000"/>
                   </a:solidFill>
@@ -14450,10 +14809,10 @@
             <p:cNvPr id="99" name="Freeform 26">
               <a:extLst>
                 <a:ext uri="{FF2B5EF4-FFF2-40B4-BE49-F238E27FC236}">
-                  <a16:creationId xmlns:a16="http://schemas.microsoft.com/office/drawing/2014/main" id="{44AAD39F-F7C9-4D00-95E0-0465B4E85885}"/>
+                  <a16:creationId xmlns:a16="http://schemas.microsoft.com/office/drawing/2014/main" xmlns="" id="{44AAD39F-F7C9-4D00-95E0-0465B4E85885}"/>
                 </a:ext>
                 <a:ext uri="{C183D7F6-B498-43B3-948B-1728B52AA6E4}">
-                  <adec:decorative xmlns:adec="http://schemas.microsoft.com/office/drawing/2017/decorative" val="1"/>
+                  <adec:decorative xmlns:adec="http://schemas.microsoft.com/office/drawing/2017/decorative" xmlns="" val="1"/>
                 </a:ext>
               </a:extLst>
             </p:cNvPr>
@@ -14538,7 +14897,7 @@
             </a:ln>
             <a:extLst>
               <a:ext uri="{91240B29-F687-4f45-9708-019B960494DF}">
-                <a14:hiddenLine xmlns="" xmlns:a16="http://schemas.microsoft.com/office/drawing/2014/main" xmlns:a14="http://schemas.microsoft.com/office/drawing/2010/main" w="9525">
+                <a14:hiddenLine xmlns:a14="http://schemas.microsoft.com/office/drawing/2010/main" xmlns:a16="http://schemas.microsoft.com/office/drawing/2014/main" xmlns="" w="9525">
                   <a:solidFill>
                     <a:srgbClr val="000000"/>
                   </a:solidFill>
@@ -14555,10 +14914,10 @@
             <p:cNvPr id="100" name="Freeform 27">
               <a:extLst>
                 <a:ext uri="{FF2B5EF4-FFF2-40B4-BE49-F238E27FC236}">
-                  <a16:creationId xmlns:a16="http://schemas.microsoft.com/office/drawing/2014/main" id="{C1DCAB8D-6EF6-4A84-8D0C-AA9226DEC907}"/>
+                  <a16:creationId xmlns:a16="http://schemas.microsoft.com/office/drawing/2014/main" xmlns="" id="{C1DCAB8D-6EF6-4A84-8D0C-AA9226DEC907}"/>
                 </a:ext>
                 <a:ext uri="{C183D7F6-B498-43B3-948B-1728B52AA6E4}">
-                  <adec:decorative xmlns:adec="http://schemas.microsoft.com/office/drawing/2017/decorative" val="1"/>
+                  <adec:decorative xmlns:adec="http://schemas.microsoft.com/office/drawing/2017/decorative" xmlns="" val="1"/>
                 </a:ext>
               </a:extLst>
             </p:cNvPr>
@@ -14609,7 +14968,7 @@
             </a:ln>
             <a:extLst>
               <a:ext uri="{91240B29-F687-4f45-9708-019B960494DF}">
-                <a14:hiddenLine xmlns="" xmlns:a16="http://schemas.microsoft.com/office/drawing/2014/main" xmlns:a14="http://schemas.microsoft.com/office/drawing/2010/main" w="9525">
+                <a14:hiddenLine xmlns:a14="http://schemas.microsoft.com/office/drawing/2010/main" xmlns:a16="http://schemas.microsoft.com/office/drawing/2014/main" xmlns="" w="9525">
                   <a:solidFill>
                     <a:srgbClr val="000000"/>
                   </a:solidFill>
@@ -14626,10 +14985,10 @@
             <p:cNvPr id="101" name="Freeform 28">
               <a:extLst>
                 <a:ext uri="{FF2B5EF4-FFF2-40B4-BE49-F238E27FC236}">
-                  <a16:creationId xmlns:a16="http://schemas.microsoft.com/office/drawing/2014/main" id="{C407F97F-83CF-4703-B9E0-6335530E3293}"/>
+                  <a16:creationId xmlns:a16="http://schemas.microsoft.com/office/drawing/2014/main" xmlns="" id="{C407F97F-83CF-4703-B9E0-6335530E3293}"/>
                 </a:ext>
                 <a:ext uri="{C183D7F6-B498-43B3-948B-1728B52AA6E4}">
-                  <adec:decorative xmlns:adec="http://schemas.microsoft.com/office/drawing/2017/decorative" val="1"/>
+                  <adec:decorative xmlns:adec="http://schemas.microsoft.com/office/drawing/2017/decorative" xmlns="" val="1"/>
                 </a:ext>
               </a:extLst>
             </p:cNvPr>
@@ -14714,7 +15073,7 @@
             </a:ln>
             <a:extLst>
               <a:ext uri="{91240B29-F687-4f45-9708-019B960494DF}">
-                <a14:hiddenLine xmlns="" xmlns:a16="http://schemas.microsoft.com/office/drawing/2014/main" xmlns:a14="http://schemas.microsoft.com/office/drawing/2010/main" w="9525">
+                <a14:hiddenLine xmlns:a14="http://schemas.microsoft.com/office/drawing/2010/main" xmlns:a16="http://schemas.microsoft.com/office/drawing/2014/main" xmlns="" w="9525">
                   <a:solidFill>
                     <a:srgbClr val="000000"/>
                   </a:solidFill>
@@ -14731,10 +15090,10 @@
             <p:cNvPr id="102" name="Freeform 29">
               <a:extLst>
                 <a:ext uri="{FF2B5EF4-FFF2-40B4-BE49-F238E27FC236}">
-                  <a16:creationId xmlns:a16="http://schemas.microsoft.com/office/drawing/2014/main" id="{0D8D2363-5D84-4CFF-89AA-3C93C859DBB4}"/>
+                  <a16:creationId xmlns:a16="http://schemas.microsoft.com/office/drawing/2014/main" xmlns="" id="{0D8D2363-5D84-4CFF-89AA-3C93C859DBB4}"/>
                 </a:ext>
                 <a:ext uri="{C183D7F6-B498-43B3-948B-1728B52AA6E4}">
-                  <adec:decorative xmlns:adec="http://schemas.microsoft.com/office/drawing/2017/decorative" val="1"/>
+                  <adec:decorative xmlns:adec="http://schemas.microsoft.com/office/drawing/2017/decorative" xmlns="" val="1"/>
                 </a:ext>
               </a:extLst>
             </p:cNvPr>
@@ -14797,7 +15156,7 @@
             </a:ln>
             <a:extLst>
               <a:ext uri="{91240B29-F687-4f45-9708-019B960494DF}">
-                <a14:hiddenLine xmlns="" xmlns:a16="http://schemas.microsoft.com/office/drawing/2014/main" xmlns:a14="http://schemas.microsoft.com/office/drawing/2010/main" w="9525">
+                <a14:hiddenLine xmlns:a14="http://schemas.microsoft.com/office/drawing/2010/main" xmlns:a16="http://schemas.microsoft.com/office/drawing/2014/main" xmlns="" w="9525">
                   <a:solidFill>
                     <a:srgbClr val="000000"/>
                   </a:solidFill>
@@ -14814,10 +15173,10 @@
             <p:cNvPr id="103" name="Freeform 30">
               <a:extLst>
                 <a:ext uri="{FF2B5EF4-FFF2-40B4-BE49-F238E27FC236}">
-                  <a16:creationId xmlns:a16="http://schemas.microsoft.com/office/drawing/2014/main" id="{0435A35C-AC99-4E12-8CB0-9C640DAA945D}"/>
+                  <a16:creationId xmlns:a16="http://schemas.microsoft.com/office/drawing/2014/main" xmlns="" id="{0435A35C-AC99-4E12-8CB0-9C640DAA945D}"/>
                 </a:ext>
                 <a:ext uri="{C183D7F6-B498-43B3-948B-1728B52AA6E4}">
-                  <adec:decorative xmlns:adec="http://schemas.microsoft.com/office/drawing/2017/decorative" val="1"/>
+                  <adec:decorative xmlns:adec="http://schemas.microsoft.com/office/drawing/2017/decorative" xmlns="" val="1"/>
                 </a:ext>
               </a:extLst>
             </p:cNvPr>
@@ -14902,7 +15261,7 @@
             </a:ln>
             <a:extLst>
               <a:ext uri="{91240B29-F687-4f45-9708-019B960494DF}">
-                <a14:hiddenLine xmlns="" xmlns:a16="http://schemas.microsoft.com/office/drawing/2014/main" xmlns:a14="http://schemas.microsoft.com/office/drawing/2010/main" w="9525">
+                <a14:hiddenLine xmlns:a14="http://schemas.microsoft.com/office/drawing/2010/main" xmlns:a16="http://schemas.microsoft.com/office/drawing/2014/main" xmlns="" w="9525">
                   <a:solidFill>
                     <a:srgbClr val="000000"/>
                   </a:solidFill>
@@ -14919,10 +15278,10 @@
             <p:cNvPr id="104" name="Freeform 31">
               <a:extLst>
                 <a:ext uri="{FF2B5EF4-FFF2-40B4-BE49-F238E27FC236}">
-                  <a16:creationId xmlns:a16="http://schemas.microsoft.com/office/drawing/2014/main" id="{F20392CF-2256-4527-836B-2E6F88596EC8}"/>
+                  <a16:creationId xmlns:a16="http://schemas.microsoft.com/office/drawing/2014/main" xmlns="" id="{F20392CF-2256-4527-836B-2E6F88596EC8}"/>
                 </a:ext>
                 <a:ext uri="{C183D7F6-B498-43B3-948B-1728B52AA6E4}">
-                  <adec:decorative xmlns:adec="http://schemas.microsoft.com/office/drawing/2017/decorative" val="1"/>
+                  <adec:decorative xmlns:adec="http://schemas.microsoft.com/office/drawing/2017/decorative" xmlns="" val="1"/>
                 </a:ext>
               </a:extLst>
             </p:cNvPr>
@@ -14985,7 +15344,7 @@
             </a:ln>
             <a:extLst>
               <a:ext uri="{91240B29-F687-4f45-9708-019B960494DF}">
-                <a14:hiddenLine xmlns="" xmlns:a16="http://schemas.microsoft.com/office/drawing/2014/main" xmlns:a14="http://schemas.microsoft.com/office/drawing/2010/main" w="9525">
+                <a14:hiddenLine xmlns:a14="http://schemas.microsoft.com/office/drawing/2010/main" xmlns:a16="http://schemas.microsoft.com/office/drawing/2014/main" xmlns="" w="9525">
                   <a:solidFill>
                     <a:srgbClr val="000000"/>
                   </a:solidFill>
@@ -15002,10 +15361,10 @@
             <p:cNvPr id="105" name="Freeform 32">
               <a:extLst>
                 <a:ext uri="{FF2B5EF4-FFF2-40B4-BE49-F238E27FC236}">
-                  <a16:creationId xmlns:a16="http://schemas.microsoft.com/office/drawing/2014/main" id="{C52C3AD3-122C-4010-9C55-B0247F8CCAB3}"/>
+                  <a16:creationId xmlns:a16="http://schemas.microsoft.com/office/drawing/2014/main" xmlns="" id="{C52C3AD3-122C-4010-9C55-B0247F8CCAB3}"/>
                 </a:ext>
                 <a:ext uri="{C183D7F6-B498-43B3-948B-1728B52AA6E4}">
-                  <adec:decorative xmlns:adec="http://schemas.microsoft.com/office/drawing/2017/decorative" val="1"/>
+                  <adec:decorative xmlns:adec="http://schemas.microsoft.com/office/drawing/2017/decorative" xmlns="" val="1"/>
                 </a:ext>
               </a:extLst>
             </p:cNvPr>
@@ -15090,7 +15449,7 @@
             </a:ln>
             <a:extLst>
               <a:ext uri="{91240B29-F687-4f45-9708-019B960494DF}">
-                <a14:hiddenLine xmlns="" xmlns:a16="http://schemas.microsoft.com/office/drawing/2014/main" xmlns:a14="http://schemas.microsoft.com/office/drawing/2010/main" w="9525">
+                <a14:hiddenLine xmlns:a14="http://schemas.microsoft.com/office/drawing/2010/main" xmlns:a16="http://schemas.microsoft.com/office/drawing/2014/main" xmlns="" w="9525">
                   <a:solidFill>
                     <a:srgbClr val="000000"/>
                   </a:solidFill>
@@ -15107,10 +15466,10 @@
             <p:cNvPr id="106" name="Rectangle 33">
               <a:extLst>
                 <a:ext uri="{FF2B5EF4-FFF2-40B4-BE49-F238E27FC236}">
-                  <a16:creationId xmlns:a16="http://schemas.microsoft.com/office/drawing/2014/main" id="{EFCB53ED-09C0-4AD7-9BBC-366833D5FE03}"/>
+                  <a16:creationId xmlns:a16="http://schemas.microsoft.com/office/drawing/2014/main" xmlns="" id="{EFCB53ED-09C0-4AD7-9BBC-366833D5FE03}"/>
                 </a:ext>
                 <a:ext uri="{C183D7F6-B498-43B3-948B-1728B52AA6E4}">
-                  <adec:decorative xmlns:adec="http://schemas.microsoft.com/office/drawing/2017/decorative" val="1"/>
+                  <adec:decorative xmlns:adec="http://schemas.microsoft.com/office/drawing/2017/decorative" xmlns="" val="1"/>
                 </a:ext>
               </a:extLst>
             </p:cNvPr>
@@ -15139,7 +15498,7 @@
             </a:ln>
             <a:extLst>
               <a:ext uri="{91240B29-F687-4f45-9708-019B960494DF}">
-                <a14:hiddenLine xmlns="" xmlns:a16="http://schemas.microsoft.com/office/drawing/2014/main" xmlns:a14="http://schemas.microsoft.com/office/drawing/2010/main" w="9525">
+                <a14:hiddenLine xmlns:a14="http://schemas.microsoft.com/office/drawing/2010/main" xmlns:a16="http://schemas.microsoft.com/office/drawing/2014/main" xmlns="" w="9525">
                   <a:solidFill>
                     <a:srgbClr val="000000"/>
                   </a:solidFill>
@@ -15156,10 +15515,10 @@
             <p:cNvPr id="107" name="Freeform 34">
               <a:extLst>
                 <a:ext uri="{FF2B5EF4-FFF2-40B4-BE49-F238E27FC236}">
-                  <a16:creationId xmlns:a16="http://schemas.microsoft.com/office/drawing/2014/main" id="{6F309F52-BFCF-47D9-8089-BC049540DB43}"/>
+                  <a16:creationId xmlns:a16="http://schemas.microsoft.com/office/drawing/2014/main" xmlns="" id="{6F309F52-BFCF-47D9-8089-BC049540DB43}"/>
                 </a:ext>
                 <a:ext uri="{C183D7F6-B498-43B3-948B-1728B52AA6E4}">
-                  <adec:decorative xmlns:adec="http://schemas.microsoft.com/office/drawing/2017/decorative" val="1"/>
+                  <adec:decorative xmlns:adec="http://schemas.microsoft.com/office/drawing/2017/decorative" xmlns="" val="1"/>
                 </a:ext>
               </a:extLst>
             </p:cNvPr>
@@ -15244,7 +15603,7 @@
             </a:ln>
             <a:extLst>
               <a:ext uri="{91240B29-F687-4f45-9708-019B960494DF}">
-                <a14:hiddenLine xmlns="" xmlns:a16="http://schemas.microsoft.com/office/drawing/2014/main" xmlns:a14="http://schemas.microsoft.com/office/drawing/2010/main" w="9525">
+                <a14:hiddenLine xmlns:a14="http://schemas.microsoft.com/office/drawing/2010/main" xmlns:a16="http://schemas.microsoft.com/office/drawing/2014/main" xmlns="" w="9525">
                   <a:solidFill>
                     <a:srgbClr val="000000"/>
                   </a:solidFill>
@@ -15261,10 +15620,10 @@
             <p:cNvPr id="108" name="Freeform 35">
               <a:extLst>
                 <a:ext uri="{FF2B5EF4-FFF2-40B4-BE49-F238E27FC236}">
-                  <a16:creationId xmlns:a16="http://schemas.microsoft.com/office/drawing/2014/main" id="{5F9AE85F-C7AA-4761-B468-2E100829BC5B}"/>
+                  <a16:creationId xmlns:a16="http://schemas.microsoft.com/office/drawing/2014/main" xmlns="" id="{5F9AE85F-C7AA-4761-B468-2E100829BC5B}"/>
                 </a:ext>
                 <a:ext uri="{C183D7F6-B498-43B3-948B-1728B52AA6E4}">
-                  <adec:decorative xmlns:adec="http://schemas.microsoft.com/office/drawing/2017/decorative" val="1"/>
+                  <adec:decorative xmlns:adec="http://schemas.microsoft.com/office/drawing/2017/decorative" xmlns="" val="1"/>
                 </a:ext>
               </a:extLst>
             </p:cNvPr>
@@ -15321,7 +15680,7 @@
             </a:ln>
             <a:extLst>
               <a:ext uri="{91240B29-F687-4f45-9708-019B960494DF}">
-                <a14:hiddenLine xmlns="" xmlns:a16="http://schemas.microsoft.com/office/drawing/2014/main" xmlns:a14="http://schemas.microsoft.com/office/drawing/2010/main" w="9525">
+                <a14:hiddenLine xmlns:a14="http://schemas.microsoft.com/office/drawing/2010/main" xmlns:a16="http://schemas.microsoft.com/office/drawing/2014/main" xmlns="" w="9525">
                   <a:solidFill>
                     <a:srgbClr val="000000"/>
                   </a:solidFill>
@@ -15338,10 +15697,10 @@
             <p:cNvPr id="109" name="Freeform 36">
               <a:extLst>
                 <a:ext uri="{FF2B5EF4-FFF2-40B4-BE49-F238E27FC236}">
-                  <a16:creationId xmlns:a16="http://schemas.microsoft.com/office/drawing/2014/main" id="{2C81C778-91E5-4AE9-AACB-8566E7A28B44}"/>
+                  <a16:creationId xmlns:a16="http://schemas.microsoft.com/office/drawing/2014/main" xmlns="" id="{2C81C778-91E5-4AE9-AACB-8566E7A28B44}"/>
                 </a:ext>
                 <a:ext uri="{C183D7F6-B498-43B3-948B-1728B52AA6E4}">
-                  <adec:decorative xmlns:adec="http://schemas.microsoft.com/office/drawing/2017/decorative" val="1"/>
+                  <adec:decorative xmlns:adec="http://schemas.microsoft.com/office/drawing/2017/decorative" xmlns="" val="1"/>
                 </a:ext>
               </a:extLst>
             </p:cNvPr>
@@ -15398,7 +15757,7 @@
             </a:ln>
             <a:extLst>
               <a:ext uri="{91240B29-F687-4f45-9708-019B960494DF}">
-                <a14:hiddenLine xmlns="" xmlns:a16="http://schemas.microsoft.com/office/drawing/2014/main" xmlns:a14="http://schemas.microsoft.com/office/drawing/2010/main" w="9525">
+                <a14:hiddenLine xmlns:a14="http://schemas.microsoft.com/office/drawing/2010/main" xmlns:a16="http://schemas.microsoft.com/office/drawing/2014/main" xmlns="" w="9525">
                   <a:solidFill>
                     <a:srgbClr val="000000"/>
                   </a:solidFill>
@@ -15415,10 +15774,10 @@
             <p:cNvPr id="110" name="Freeform 37">
               <a:extLst>
                 <a:ext uri="{FF2B5EF4-FFF2-40B4-BE49-F238E27FC236}">
-                  <a16:creationId xmlns:a16="http://schemas.microsoft.com/office/drawing/2014/main" id="{6C56E0B4-58A0-4B2B-BD56-54121BB8DBBA}"/>
+                  <a16:creationId xmlns:a16="http://schemas.microsoft.com/office/drawing/2014/main" xmlns="" id="{6C56E0B4-58A0-4B2B-BD56-54121BB8DBBA}"/>
                 </a:ext>
                 <a:ext uri="{C183D7F6-B498-43B3-948B-1728B52AA6E4}">
-                  <adec:decorative xmlns:adec="http://schemas.microsoft.com/office/drawing/2017/decorative" val="1"/>
+                  <adec:decorative xmlns:adec="http://schemas.microsoft.com/office/drawing/2017/decorative" xmlns="" val="1"/>
                 </a:ext>
               </a:extLst>
             </p:cNvPr>
@@ -15503,7 +15862,7 @@
             </a:ln>
             <a:extLst>
               <a:ext uri="{91240B29-F687-4f45-9708-019B960494DF}">
-                <a14:hiddenLine xmlns="" xmlns:a16="http://schemas.microsoft.com/office/drawing/2014/main" xmlns:a14="http://schemas.microsoft.com/office/drawing/2010/main" w="9525">
+                <a14:hiddenLine xmlns:a14="http://schemas.microsoft.com/office/drawing/2010/main" xmlns:a16="http://schemas.microsoft.com/office/drawing/2014/main" xmlns="" w="9525">
                   <a:solidFill>
                     <a:srgbClr val="000000"/>
                   </a:solidFill>
@@ -15520,10 +15879,10 @@
             <p:cNvPr id="111" name="Freeform 38">
               <a:extLst>
                 <a:ext uri="{FF2B5EF4-FFF2-40B4-BE49-F238E27FC236}">
-                  <a16:creationId xmlns:a16="http://schemas.microsoft.com/office/drawing/2014/main" id="{88A29CFE-13A6-4509-946F-5C074F856EEA}"/>
+                  <a16:creationId xmlns:a16="http://schemas.microsoft.com/office/drawing/2014/main" xmlns="" id="{88A29CFE-13A6-4509-946F-5C074F856EEA}"/>
                 </a:ext>
                 <a:ext uri="{C183D7F6-B498-43B3-948B-1728B52AA6E4}">
-                  <adec:decorative xmlns:adec="http://schemas.microsoft.com/office/drawing/2017/decorative" val="1"/>
+                  <adec:decorative xmlns:adec="http://schemas.microsoft.com/office/drawing/2017/decorative" xmlns="" val="1"/>
                 </a:ext>
               </a:extLst>
             </p:cNvPr>
@@ -15586,7 +15945,7 @@
             </a:ln>
             <a:extLst>
               <a:ext uri="{91240B29-F687-4f45-9708-019B960494DF}">
-                <a14:hiddenLine xmlns="" xmlns:a16="http://schemas.microsoft.com/office/drawing/2014/main" xmlns:a14="http://schemas.microsoft.com/office/drawing/2010/main" w="9525">
+                <a14:hiddenLine xmlns:a14="http://schemas.microsoft.com/office/drawing/2010/main" xmlns:a16="http://schemas.microsoft.com/office/drawing/2014/main" xmlns="" w="9525">
                   <a:solidFill>
                     <a:srgbClr val="000000"/>
                   </a:solidFill>
@@ -15603,10 +15962,10 @@
             <p:cNvPr id="112" name="Freeform 39">
               <a:extLst>
                 <a:ext uri="{FF2B5EF4-FFF2-40B4-BE49-F238E27FC236}">
-                  <a16:creationId xmlns:a16="http://schemas.microsoft.com/office/drawing/2014/main" id="{00235A0A-018B-4499-AC16-AF83457BF43E}"/>
+                  <a16:creationId xmlns:a16="http://schemas.microsoft.com/office/drawing/2014/main" xmlns="" id="{00235A0A-018B-4499-AC16-AF83457BF43E}"/>
                 </a:ext>
                 <a:ext uri="{C183D7F6-B498-43B3-948B-1728B52AA6E4}">
-                  <adec:decorative xmlns:adec="http://schemas.microsoft.com/office/drawing/2017/decorative" val="1"/>
+                  <adec:decorative xmlns:adec="http://schemas.microsoft.com/office/drawing/2017/decorative" xmlns="" val="1"/>
                 </a:ext>
               </a:extLst>
             </p:cNvPr>
@@ -15663,7 +16022,7 @@
             </a:ln>
             <a:extLst>
               <a:ext uri="{91240B29-F687-4f45-9708-019B960494DF}">
-                <a14:hiddenLine xmlns="" xmlns:a16="http://schemas.microsoft.com/office/drawing/2014/main" xmlns:a14="http://schemas.microsoft.com/office/drawing/2010/main" w="9525">
+                <a14:hiddenLine xmlns:a14="http://schemas.microsoft.com/office/drawing/2010/main" xmlns:a16="http://schemas.microsoft.com/office/drawing/2014/main" xmlns="" w="9525">
                   <a:solidFill>
                     <a:srgbClr val="000000"/>
                   </a:solidFill>
@@ -15680,10 +16039,10 @@
             <p:cNvPr id="113" name="Freeform 40">
               <a:extLst>
                 <a:ext uri="{FF2B5EF4-FFF2-40B4-BE49-F238E27FC236}">
-                  <a16:creationId xmlns:a16="http://schemas.microsoft.com/office/drawing/2014/main" id="{861DF9B7-50DC-4EBE-8B23-97FE92DBBB93}"/>
+                  <a16:creationId xmlns:a16="http://schemas.microsoft.com/office/drawing/2014/main" xmlns="" id="{861DF9B7-50DC-4EBE-8B23-97FE92DBBB93}"/>
                 </a:ext>
                 <a:ext uri="{C183D7F6-B498-43B3-948B-1728B52AA6E4}">
-                  <adec:decorative xmlns:adec="http://schemas.microsoft.com/office/drawing/2017/decorative" val="1"/>
+                  <adec:decorative xmlns:adec="http://schemas.microsoft.com/office/drawing/2017/decorative" xmlns="" val="1"/>
                 </a:ext>
               </a:extLst>
             </p:cNvPr>
@@ -15768,7 +16127,7 @@
             </a:ln>
             <a:extLst>
               <a:ext uri="{91240B29-F687-4f45-9708-019B960494DF}">
-                <a14:hiddenLine xmlns="" xmlns:a16="http://schemas.microsoft.com/office/drawing/2014/main" xmlns:a14="http://schemas.microsoft.com/office/drawing/2010/main" w="9525">
+                <a14:hiddenLine xmlns:a14="http://schemas.microsoft.com/office/drawing/2010/main" xmlns:a16="http://schemas.microsoft.com/office/drawing/2014/main" xmlns="" w="9525">
                   <a:solidFill>
                     <a:srgbClr val="000000"/>
                   </a:solidFill>
@@ -15785,10 +16144,10 @@
             <p:cNvPr id="114" name="Freeform 41">
               <a:extLst>
                 <a:ext uri="{FF2B5EF4-FFF2-40B4-BE49-F238E27FC236}">
-                  <a16:creationId xmlns:a16="http://schemas.microsoft.com/office/drawing/2014/main" id="{69673907-73D7-4729-A911-9BD078EC2EE1}"/>
+                  <a16:creationId xmlns:a16="http://schemas.microsoft.com/office/drawing/2014/main" xmlns="" id="{69673907-73D7-4729-A911-9BD078EC2EE1}"/>
                 </a:ext>
                 <a:ext uri="{C183D7F6-B498-43B3-948B-1728B52AA6E4}">
-                  <adec:decorative xmlns:adec="http://schemas.microsoft.com/office/drawing/2017/decorative" val="1"/>
+                  <adec:decorative xmlns:adec="http://schemas.microsoft.com/office/drawing/2017/decorative" xmlns="" val="1"/>
                 </a:ext>
               </a:extLst>
             </p:cNvPr>
@@ -15845,7 +16204,7 @@
             </a:ln>
             <a:extLst>
               <a:ext uri="{91240B29-F687-4f45-9708-019B960494DF}">
-                <a14:hiddenLine xmlns="" xmlns:a16="http://schemas.microsoft.com/office/drawing/2014/main" xmlns:a14="http://schemas.microsoft.com/office/drawing/2010/main" w="9525">
+                <a14:hiddenLine xmlns:a14="http://schemas.microsoft.com/office/drawing/2010/main" xmlns:a16="http://schemas.microsoft.com/office/drawing/2014/main" xmlns="" w="9525">
                   <a:solidFill>
                     <a:srgbClr val="000000"/>
                   </a:solidFill>
@@ -15862,10 +16221,10 @@
             <p:cNvPr id="115" name="Freeform 42">
               <a:extLst>
                 <a:ext uri="{FF2B5EF4-FFF2-40B4-BE49-F238E27FC236}">
-                  <a16:creationId xmlns:a16="http://schemas.microsoft.com/office/drawing/2014/main" id="{4DC844D3-8053-4EE7-A286-50157B6FD869}"/>
+                  <a16:creationId xmlns:a16="http://schemas.microsoft.com/office/drawing/2014/main" xmlns="" id="{4DC844D3-8053-4EE7-A286-50157B6FD869}"/>
                 </a:ext>
                 <a:ext uri="{C183D7F6-B498-43B3-948B-1728B52AA6E4}">
-                  <adec:decorative xmlns:adec="http://schemas.microsoft.com/office/drawing/2017/decorative" val="1"/>
+                  <adec:decorative xmlns:adec="http://schemas.microsoft.com/office/drawing/2017/decorative" xmlns="" val="1"/>
                 </a:ext>
               </a:extLst>
             </p:cNvPr>
@@ -15950,7 +16309,7 @@
             </a:ln>
             <a:extLst>
               <a:ext uri="{91240B29-F687-4f45-9708-019B960494DF}">
-                <a14:hiddenLine xmlns="" xmlns:a16="http://schemas.microsoft.com/office/drawing/2014/main" xmlns:a14="http://schemas.microsoft.com/office/drawing/2010/main" w="9525">
+                <a14:hiddenLine xmlns:a14="http://schemas.microsoft.com/office/drawing/2010/main" xmlns:a16="http://schemas.microsoft.com/office/drawing/2014/main" xmlns="" w="9525">
                   <a:solidFill>
                     <a:srgbClr val="000000"/>
                   </a:solidFill>
@@ -15967,10 +16326,10 @@
             <p:cNvPr id="116" name="Freeform 43">
               <a:extLst>
                 <a:ext uri="{FF2B5EF4-FFF2-40B4-BE49-F238E27FC236}">
-                  <a16:creationId xmlns:a16="http://schemas.microsoft.com/office/drawing/2014/main" id="{D67575A0-A45A-4773-874C-16370E367095}"/>
+                  <a16:creationId xmlns:a16="http://schemas.microsoft.com/office/drawing/2014/main" xmlns="" id="{D67575A0-A45A-4773-874C-16370E367095}"/>
                 </a:ext>
                 <a:ext uri="{C183D7F6-B498-43B3-948B-1728B52AA6E4}">
-                  <adec:decorative xmlns:adec="http://schemas.microsoft.com/office/drawing/2017/decorative" val="1"/>
+                  <adec:decorative xmlns:adec="http://schemas.microsoft.com/office/drawing/2017/decorative" xmlns="" val="1"/>
                 </a:ext>
               </a:extLst>
             </p:cNvPr>
@@ -16027,7 +16386,7 @@
             </a:ln>
             <a:extLst>
               <a:ext uri="{91240B29-F687-4f45-9708-019B960494DF}">
-                <a14:hiddenLine xmlns="" xmlns:a16="http://schemas.microsoft.com/office/drawing/2014/main" xmlns:a14="http://schemas.microsoft.com/office/drawing/2010/main" w="9525">
+                <a14:hiddenLine xmlns:a14="http://schemas.microsoft.com/office/drawing/2010/main" xmlns:a16="http://schemas.microsoft.com/office/drawing/2014/main" xmlns="" w="9525">
                   <a:solidFill>
                     <a:srgbClr val="000000"/>
                   </a:solidFill>
@@ -16044,10 +16403,10 @@
             <p:cNvPr id="117" name="Freeform 44">
               <a:extLst>
                 <a:ext uri="{FF2B5EF4-FFF2-40B4-BE49-F238E27FC236}">
-                  <a16:creationId xmlns:a16="http://schemas.microsoft.com/office/drawing/2014/main" id="{4327252B-B62B-4DE0-A924-B7F6E40AD961}"/>
+                  <a16:creationId xmlns:a16="http://schemas.microsoft.com/office/drawing/2014/main" xmlns="" id="{4327252B-B62B-4DE0-A924-B7F6E40AD961}"/>
                 </a:ext>
                 <a:ext uri="{C183D7F6-B498-43B3-948B-1728B52AA6E4}">
-                  <adec:decorative xmlns:adec="http://schemas.microsoft.com/office/drawing/2017/decorative" val="1"/>
+                  <adec:decorative xmlns:adec="http://schemas.microsoft.com/office/drawing/2017/decorative" xmlns="" val="1"/>
                 </a:ext>
               </a:extLst>
             </p:cNvPr>
@@ -16132,7 +16491,7 @@
             </a:ln>
             <a:extLst>
               <a:ext uri="{91240B29-F687-4f45-9708-019B960494DF}">
-                <a14:hiddenLine xmlns="" xmlns:a16="http://schemas.microsoft.com/office/drawing/2014/main" xmlns:a14="http://schemas.microsoft.com/office/drawing/2010/main" w="9525">
+                <a14:hiddenLine xmlns:a14="http://schemas.microsoft.com/office/drawing/2010/main" xmlns:a16="http://schemas.microsoft.com/office/drawing/2014/main" xmlns="" w="9525">
                   <a:solidFill>
                     <a:srgbClr val="000000"/>
                   </a:solidFill>
@@ -16149,10 +16508,10 @@
             <p:cNvPr id="118" name="Rectangle 45">
               <a:extLst>
                 <a:ext uri="{FF2B5EF4-FFF2-40B4-BE49-F238E27FC236}">
-                  <a16:creationId xmlns:a16="http://schemas.microsoft.com/office/drawing/2014/main" id="{778BC6A7-AC19-497B-A7C6-E447B2EBDABD}"/>
+                  <a16:creationId xmlns:a16="http://schemas.microsoft.com/office/drawing/2014/main" xmlns="" id="{778BC6A7-AC19-497B-A7C6-E447B2EBDABD}"/>
                 </a:ext>
                 <a:ext uri="{C183D7F6-B498-43B3-948B-1728B52AA6E4}">
-                  <adec:decorative xmlns:adec="http://schemas.microsoft.com/office/drawing/2017/decorative" val="1"/>
+                  <adec:decorative xmlns:adec="http://schemas.microsoft.com/office/drawing/2017/decorative" xmlns="" val="1"/>
                 </a:ext>
               </a:extLst>
             </p:cNvPr>
@@ -16181,7 +16540,7 @@
             </a:ln>
             <a:extLst>
               <a:ext uri="{91240B29-F687-4f45-9708-019B960494DF}">
-                <a14:hiddenLine xmlns="" xmlns:a16="http://schemas.microsoft.com/office/drawing/2014/main" xmlns:a14="http://schemas.microsoft.com/office/drawing/2010/main" w="9525">
+                <a14:hiddenLine xmlns:a14="http://schemas.microsoft.com/office/drawing/2010/main" xmlns:a16="http://schemas.microsoft.com/office/drawing/2014/main" xmlns="" w="9525">
                   <a:solidFill>
                     <a:srgbClr val="000000"/>
                   </a:solidFill>
@@ -16198,10 +16557,10 @@
             <p:cNvPr id="119" name="Freeform 46">
               <a:extLst>
                 <a:ext uri="{FF2B5EF4-FFF2-40B4-BE49-F238E27FC236}">
-                  <a16:creationId xmlns:a16="http://schemas.microsoft.com/office/drawing/2014/main" id="{4E79A87B-BF1F-437A-9FED-BE93025E5021}"/>
+                  <a16:creationId xmlns:a16="http://schemas.microsoft.com/office/drawing/2014/main" xmlns="" id="{4E79A87B-BF1F-437A-9FED-BE93025E5021}"/>
                 </a:ext>
                 <a:ext uri="{C183D7F6-B498-43B3-948B-1728B52AA6E4}">
-                  <adec:decorative xmlns:adec="http://schemas.microsoft.com/office/drawing/2017/decorative" val="1"/>
+                  <adec:decorative xmlns:adec="http://schemas.microsoft.com/office/drawing/2017/decorative" xmlns="" val="1"/>
                 </a:ext>
               </a:extLst>
             </p:cNvPr>
@@ -16261,7 +16620,7 @@
             </a:ln>
             <a:extLst>
               <a:ext uri="{91240B29-F687-4f45-9708-019B960494DF}">
-                <a14:hiddenLine xmlns="" xmlns:a16="http://schemas.microsoft.com/office/drawing/2014/main" xmlns:a14="http://schemas.microsoft.com/office/drawing/2010/main" w="9525">
+                <a14:hiddenLine xmlns:a14="http://schemas.microsoft.com/office/drawing/2010/main" xmlns:a16="http://schemas.microsoft.com/office/drawing/2014/main" xmlns="" w="9525">
                   <a:solidFill>
                     <a:srgbClr val="000000"/>
                   </a:solidFill>
@@ -16278,10 +16637,10 @@
             <p:cNvPr id="120" name="Freeform 47">
               <a:extLst>
                 <a:ext uri="{FF2B5EF4-FFF2-40B4-BE49-F238E27FC236}">
-                  <a16:creationId xmlns:a16="http://schemas.microsoft.com/office/drawing/2014/main" id="{DFAAF3CC-B4E0-45C8-AC2D-EF0D6D823D1B}"/>
+                  <a16:creationId xmlns:a16="http://schemas.microsoft.com/office/drawing/2014/main" xmlns="" id="{DFAAF3CC-B4E0-45C8-AC2D-EF0D6D823D1B}"/>
                 </a:ext>
                 <a:ext uri="{C183D7F6-B498-43B3-948B-1728B52AA6E4}">
-                  <adec:decorative xmlns:adec="http://schemas.microsoft.com/office/drawing/2017/decorative" val="1"/>
+                  <adec:decorative xmlns:adec="http://schemas.microsoft.com/office/drawing/2017/decorative" xmlns="" val="1"/>
                 </a:ext>
               </a:extLst>
             </p:cNvPr>
@@ -16366,7 +16725,7 @@
             </a:ln>
             <a:extLst>
               <a:ext uri="{91240B29-F687-4f45-9708-019B960494DF}">
-                <a14:hiddenLine xmlns="" xmlns:a16="http://schemas.microsoft.com/office/drawing/2014/main" xmlns:a14="http://schemas.microsoft.com/office/drawing/2010/main" w="9525">
+                <a14:hiddenLine xmlns:a14="http://schemas.microsoft.com/office/drawing/2010/main" xmlns:a16="http://schemas.microsoft.com/office/drawing/2014/main" xmlns="" w="9525">
                   <a:solidFill>
                     <a:srgbClr val="000000"/>
                   </a:solidFill>
@@ -16383,10 +16742,10 @@
             <p:cNvPr id="121" name="Freeform 48">
               <a:extLst>
                 <a:ext uri="{FF2B5EF4-FFF2-40B4-BE49-F238E27FC236}">
-                  <a16:creationId xmlns:a16="http://schemas.microsoft.com/office/drawing/2014/main" id="{A5A12C87-1E4A-4664-B2F4-A1C8B656F995}"/>
+                  <a16:creationId xmlns:a16="http://schemas.microsoft.com/office/drawing/2014/main" xmlns="" id="{A5A12C87-1E4A-4664-B2F4-A1C8B656F995}"/>
                 </a:ext>
                 <a:ext uri="{C183D7F6-B498-43B3-948B-1728B52AA6E4}">
-                  <adec:decorative xmlns:adec="http://schemas.microsoft.com/office/drawing/2017/decorative" val="1"/>
+                  <adec:decorative xmlns:adec="http://schemas.microsoft.com/office/drawing/2017/decorative" xmlns="" val="1"/>
                 </a:ext>
               </a:extLst>
             </p:cNvPr>
@@ -16443,7 +16802,7 @@
             </a:ln>
             <a:extLst>
               <a:ext uri="{91240B29-F687-4f45-9708-019B960494DF}">
-                <a14:hiddenLine xmlns="" xmlns:a16="http://schemas.microsoft.com/office/drawing/2014/main" xmlns:a14="http://schemas.microsoft.com/office/drawing/2010/main" w="9525">
+                <a14:hiddenLine xmlns:a14="http://schemas.microsoft.com/office/drawing/2010/main" xmlns:a16="http://schemas.microsoft.com/office/drawing/2014/main" xmlns="" w="9525">
                   <a:solidFill>
                     <a:srgbClr val="000000"/>
                   </a:solidFill>
@@ -16460,10 +16819,10 @@
             <p:cNvPr id="122" name="Freeform 49">
               <a:extLst>
                 <a:ext uri="{FF2B5EF4-FFF2-40B4-BE49-F238E27FC236}">
-                  <a16:creationId xmlns:a16="http://schemas.microsoft.com/office/drawing/2014/main" id="{B3AF8230-4630-4505-ADDB-16A9B6B37723}"/>
+                  <a16:creationId xmlns:a16="http://schemas.microsoft.com/office/drawing/2014/main" xmlns="" id="{B3AF8230-4630-4505-ADDB-16A9B6B37723}"/>
                 </a:ext>
                 <a:ext uri="{C183D7F6-B498-43B3-948B-1728B52AA6E4}">
-                  <adec:decorative xmlns:adec="http://schemas.microsoft.com/office/drawing/2017/decorative" val="1"/>
+                  <adec:decorative xmlns:adec="http://schemas.microsoft.com/office/drawing/2017/decorative" xmlns="" val="1"/>
                 </a:ext>
               </a:extLst>
             </p:cNvPr>
@@ -16548,7 +16907,7 @@
             </a:ln>
             <a:extLst>
               <a:ext uri="{91240B29-F687-4f45-9708-019B960494DF}">
-                <a14:hiddenLine xmlns="" xmlns:a16="http://schemas.microsoft.com/office/drawing/2014/main" xmlns:a14="http://schemas.microsoft.com/office/drawing/2010/main" w="9525">
+                <a14:hiddenLine xmlns:a14="http://schemas.microsoft.com/office/drawing/2010/main" xmlns:a16="http://schemas.microsoft.com/office/drawing/2014/main" xmlns="" w="9525">
                   <a:solidFill>
                     <a:srgbClr val="000000"/>
                   </a:solidFill>
@@ -16565,10 +16924,10 @@
             <p:cNvPr id="123" name="Freeform 50">
               <a:extLst>
                 <a:ext uri="{FF2B5EF4-FFF2-40B4-BE49-F238E27FC236}">
-                  <a16:creationId xmlns:a16="http://schemas.microsoft.com/office/drawing/2014/main" id="{33F93F6D-724D-42F3-AF1D-3081EAB5D13D}"/>
+                  <a16:creationId xmlns:a16="http://schemas.microsoft.com/office/drawing/2014/main" xmlns="" id="{33F93F6D-724D-42F3-AF1D-3081EAB5D13D}"/>
                 </a:ext>
                 <a:ext uri="{C183D7F6-B498-43B3-948B-1728B52AA6E4}">
-                  <adec:decorative xmlns:adec="http://schemas.microsoft.com/office/drawing/2017/decorative" val="1"/>
+                  <adec:decorative xmlns:adec="http://schemas.microsoft.com/office/drawing/2017/decorative" xmlns="" val="1"/>
                 </a:ext>
               </a:extLst>
             </p:cNvPr>
@@ -16653,7 +17012,7 @@
             </a:ln>
             <a:extLst>
               <a:ext uri="{91240B29-F687-4f45-9708-019B960494DF}">
-                <a14:hiddenLine xmlns="" xmlns:a16="http://schemas.microsoft.com/office/drawing/2014/main" xmlns:a14="http://schemas.microsoft.com/office/drawing/2010/main" w="9525">
+                <a14:hiddenLine xmlns:a14="http://schemas.microsoft.com/office/drawing/2010/main" xmlns:a16="http://schemas.microsoft.com/office/drawing/2014/main" xmlns="" w="9525">
                   <a:solidFill>
                     <a:srgbClr val="000000"/>
                   </a:solidFill>
@@ -16670,10 +17029,10 @@
             <p:cNvPr id="124" name="Freeform 51">
               <a:extLst>
                 <a:ext uri="{FF2B5EF4-FFF2-40B4-BE49-F238E27FC236}">
-                  <a16:creationId xmlns:a16="http://schemas.microsoft.com/office/drawing/2014/main" id="{F5DD7A8F-FB67-4E79-80DB-0FAF3A09894E}"/>
+                  <a16:creationId xmlns:a16="http://schemas.microsoft.com/office/drawing/2014/main" xmlns="" id="{F5DD7A8F-FB67-4E79-80DB-0FAF3A09894E}"/>
                 </a:ext>
                 <a:ext uri="{C183D7F6-B498-43B3-948B-1728B52AA6E4}">
-                  <adec:decorative xmlns:adec="http://schemas.microsoft.com/office/drawing/2017/decorative" val="1"/>
+                  <adec:decorative xmlns:adec="http://schemas.microsoft.com/office/drawing/2017/decorative" xmlns="" val="1"/>
                 </a:ext>
               </a:extLst>
             </p:cNvPr>
@@ -16733,7 +17092,7 @@
             </a:ln>
             <a:extLst>
               <a:ext uri="{91240B29-F687-4f45-9708-019B960494DF}">
-                <a14:hiddenLine xmlns="" xmlns:a16="http://schemas.microsoft.com/office/drawing/2014/main" xmlns:a14="http://schemas.microsoft.com/office/drawing/2010/main" w="9525">
+                <a14:hiddenLine xmlns:a14="http://schemas.microsoft.com/office/drawing/2010/main" xmlns:a16="http://schemas.microsoft.com/office/drawing/2014/main" xmlns="" w="9525">
                   <a:solidFill>
                     <a:srgbClr val="000000"/>
                   </a:solidFill>
@@ -16750,10 +17109,10 @@
             <p:cNvPr id="125" name="Freeform 52">
               <a:extLst>
                 <a:ext uri="{FF2B5EF4-FFF2-40B4-BE49-F238E27FC236}">
-                  <a16:creationId xmlns:a16="http://schemas.microsoft.com/office/drawing/2014/main" id="{7B140A84-E89E-4A80-9DF8-7BCA45F908D4}"/>
+                  <a16:creationId xmlns:a16="http://schemas.microsoft.com/office/drawing/2014/main" xmlns="" id="{7B140A84-E89E-4A80-9DF8-7BCA45F908D4}"/>
                 </a:ext>
                 <a:ext uri="{C183D7F6-B498-43B3-948B-1728B52AA6E4}">
-                  <adec:decorative xmlns:adec="http://schemas.microsoft.com/office/drawing/2017/decorative" val="1"/>
+                  <adec:decorative xmlns:adec="http://schemas.microsoft.com/office/drawing/2017/decorative" xmlns="" val="1"/>
                 </a:ext>
               </a:extLst>
             </p:cNvPr>
@@ -16810,7 +17169,7 @@
             </a:ln>
             <a:extLst>
               <a:ext uri="{91240B29-F687-4f45-9708-019B960494DF}">
-                <a14:hiddenLine xmlns="" xmlns:a16="http://schemas.microsoft.com/office/drawing/2014/main" xmlns:a14="http://schemas.microsoft.com/office/drawing/2010/main" w="9525">
+                <a14:hiddenLine xmlns:a14="http://schemas.microsoft.com/office/drawing/2010/main" xmlns:a16="http://schemas.microsoft.com/office/drawing/2014/main" xmlns="" w="9525">
                   <a:solidFill>
                     <a:srgbClr val="000000"/>
                   </a:solidFill>
@@ -16827,10 +17186,10 @@
             <p:cNvPr id="126" name="Freeform 53">
               <a:extLst>
                 <a:ext uri="{FF2B5EF4-FFF2-40B4-BE49-F238E27FC236}">
-                  <a16:creationId xmlns:a16="http://schemas.microsoft.com/office/drawing/2014/main" id="{279E1D6A-EFE2-44C6-A5BF-DFADF0DC91DD}"/>
+                  <a16:creationId xmlns:a16="http://schemas.microsoft.com/office/drawing/2014/main" xmlns="" id="{279E1D6A-EFE2-44C6-A5BF-DFADF0DC91DD}"/>
                 </a:ext>
                 <a:ext uri="{C183D7F6-B498-43B3-948B-1728B52AA6E4}">
-                  <adec:decorative xmlns:adec="http://schemas.microsoft.com/office/drawing/2017/decorative" val="1"/>
+                  <adec:decorative xmlns:adec="http://schemas.microsoft.com/office/drawing/2017/decorative" xmlns="" val="1"/>
                 </a:ext>
               </a:extLst>
             </p:cNvPr>
@@ -16915,7 +17274,7 @@
             </a:ln>
             <a:extLst>
               <a:ext uri="{91240B29-F687-4f45-9708-019B960494DF}">
-                <a14:hiddenLine xmlns="" xmlns:a16="http://schemas.microsoft.com/office/drawing/2014/main" xmlns:a14="http://schemas.microsoft.com/office/drawing/2010/main" w="9525">
+                <a14:hiddenLine xmlns:a14="http://schemas.microsoft.com/office/drawing/2010/main" xmlns:a16="http://schemas.microsoft.com/office/drawing/2014/main" xmlns="" w="9525">
                   <a:solidFill>
                     <a:srgbClr val="000000"/>
                   </a:solidFill>
@@ -16932,10 +17291,10 @@
             <p:cNvPr id="127" name="Freeform 54">
               <a:extLst>
                 <a:ext uri="{FF2B5EF4-FFF2-40B4-BE49-F238E27FC236}">
-                  <a16:creationId xmlns:a16="http://schemas.microsoft.com/office/drawing/2014/main" id="{C9FA2204-561F-4ABB-988C-03053820F1D6}"/>
+                  <a16:creationId xmlns:a16="http://schemas.microsoft.com/office/drawing/2014/main" xmlns="" id="{C9FA2204-561F-4ABB-988C-03053820F1D6}"/>
                 </a:ext>
                 <a:ext uri="{C183D7F6-B498-43B3-948B-1728B52AA6E4}">
-                  <adec:decorative xmlns:adec="http://schemas.microsoft.com/office/drawing/2017/decorative" val="1"/>
+                  <adec:decorative xmlns:adec="http://schemas.microsoft.com/office/drawing/2017/decorative" xmlns="" val="1"/>
                 </a:ext>
               </a:extLst>
             </p:cNvPr>
@@ -17020,7 +17379,7 @@
             </a:ln>
             <a:extLst>
               <a:ext uri="{91240B29-F687-4f45-9708-019B960494DF}">
-                <a14:hiddenLine xmlns="" xmlns:a16="http://schemas.microsoft.com/office/drawing/2014/main" xmlns:a14="http://schemas.microsoft.com/office/drawing/2010/main" w="9525">
+                <a14:hiddenLine xmlns:a14="http://schemas.microsoft.com/office/drawing/2010/main" xmlns:a16="http://schemas.microsoft.com/office/drawing/2014/main" xmlns="" w="9525">
                   <a:solidFill>
                     <a:srgbClr val="000000"/>
                   </a:solidFill>
@@ -17037,10 +17396,10 @@
             <p:cNvPr id="128" name="Freeform 55">
               <a:extLst>
                 <a:ext uri="{FF2B5EF4-FFF2-40B4-BE49-F238E27FC236}">
-                  <a16:creationId xmlns:a16="http://schemas.microsoft.com/office/drawing/2014/main" id="{8BD7D04E-AC0A-424F-BC40-28842DAFFACF}"/>
+                  <a16:creationId xmlns:a16="http://schemas.microsoft.com/office/drawing/2014/main" xmlns="" id="{8BD7D04E-AC0A-424F-BC40-28842DAFFACF}"/>
                 </a:ext>
                 <a:ext uri="{C183D7F6-B498-43B3-948B-1728B52AA6E4}">
-                  <adec:decorative xmlns:adec="http://schemas.microsoft.com/office/drawing/2017/decorative" val="1"/>
+                  <adec:decorative xmlns:adec="http://schemas.microsoft.com/office/drawing/2017/decorative" xmlns="" val="1"/>
                 </a:ext>
               </a:extLst>
             </p:cNvPr>
@@ -17097,7 +17456,7 @@
             </a:ln>
             <a:extLst>
               <a:ext uri="{91240B29-F687-4f45-9708-019B960494DF}">
-                <a14:hiddenLine xmlns="" xmlns:a16="http://schemas.microsoft.com/office/drawing/2014/main" xmlns:a14="http://schemas.microsoft.com/office/drawing/2010/main" w="9525">
+                <a14:hiddenLine xmlns:a14="http://schemas.microsoft.com/office/drawing/2010/main" xmlns:a16="http://schemas.microsoft.com/office/drawing/2014/main" xmlns="" w="9525">
                   <a:solidFill>
                     <a:srgbClr val="000000"/>
                   </a:solidFill>
@@ -17114,10 +17473,10 @@
             <p:cNvPr id="129" name="Freeform 56">
               <a:extLst>
                 <a:ext uri="{FF2B5EF4-FFF2-40B4-BE49-F238E27FC236}">
-                  <a16:creationId xmlns:a16="http://schemas.microsoft.com/office/drawing/2014/main" id="{32B616A2-FE09-47DD-B58C-12EE58B7CA59}"/>
+                  <a16:creationId xmlns:a16="http://schemas.microsoft.com/office/drawing/2014/main" xmlns="" id="{32B616A2-FE09-47DD-B58C-12EE58B7CA59}"/>
                 </a:ext>
                 <a:ext uri="{C183D7F6-B498-43B3-948B-1728B52AA6E4}">
-                  <adec:decorative xmlns:adec="http://schemas.microsoft.com/office/drawing/2017/decorative" val="1"/>
+                  <adec:decorative xmlns:adec="http://schemas.microsoft.com/office/drawing/2017/decorative" xmlns="" val="1"/>
                 </a:ext>
               </a:extLst>
             </p:cNvPr>
@@ -17232,7 +17591,7 @@
             </a:ln>
             <a:extLst>
               <a:ext uri="{91240B29-F687-4f45-9708-019B960494DF}">
-                <a14:hiddenLine xmlns="" xmlns:a16="http://schemas.microsoft.com/office/drawing/2014/main" xmlns:a14="http://schemas.microsoft.com/office/drawing/2010/main" w="9525">
+                <a14:hiddenLine xmlns:a14="http://schemas.microsoft.com/office/drawing/2010/main" xmlns:a16="http://schemas.microsoft.com/office/drawing/2014/main" xmlns="" w="9525">
                   <a:solidFill>
                     <a:srgbClr val="000000"/>
                   </a:solidFill>
@@ -17249,10 +17608,10 @@
             <p:cNvPr id="130" name="Freeform 57">
               <a:extLst>
                 <a:ext uri="{FF2B5EF4-FFF2-40B4-BE49-F238E27FC236}">
-                  <a16:creationId xmlns:a16="http://schemas.microsoft.com/office/drawing/2014/main" id="{08C5EAF5-6064-484E-BA05-80D09D84EAB1}"/>
+                  <a16:creationId xmlns:a16="http://schemas.microsoft.com/office/drawing/2014/main" xmlns="" id="{08C5EAF5-6064-484E-BA05-80D09D84EAB1}"/>
                 </a:ext>
                 <a:ext uri="{C183D7F6-B498-43B3-948B-1728B52AA6E4}">
-                  <adec:decorative xmlns:adec="http://schemas.microsoft.com/office/drawing/2017/decorative" val="1"/>
+                  <adec:decorative xmlns:adec="http://schemas.microsoft.com/office/drawing/2017/decorative" xmlns="" val="1"/>
                 </a:ext>
               </a:extLst>
             </p:cNvPr>
@@ -17315,7 +17674,7 @@
             </a:ln>
             <a:extLst>
               <a:ext uri="{91240B29-F687-4f45-9708-019B960494DF}">
-                <a14:hiddenLine xmlns="" xmlns:a16="http://schemas.microsoft.com/office/drawing/2014/main" xmlns:a14="http://schemas.microsoft.com/office/drawing/2010/main" w="9525">
+                <a14:hiddenLine xmlns:a14="http://schemas.microsoft.com/office/drawing/2010/main" xmlns:a16="http://schemas.microsoft.com/office/drawing/2014/main" xmlns="" w="9525">
                   <a:solidFill>
                     <a:srgbClr val="000000"/>
                   </a:solidFill>
@@ -17332,10 +17691,10 @@
             <p:cNvPr id="131" name="Freeform 58">
               <a:extLst>
                 <a:ext uri="{FF2B5EF4-FFF2-40B4-BE49-F238E27FC236}">
-                  <a16:creationId xmlns:a16="http://schemas.microsoft.com/office/drawing/2014/main" id="{F11D90DF-D275-4725-884C-77E5E01D89B5}"/>
+                  <a16:creationId xmlns:a16="http://schemas.microsoft.com/office/drawing/2014/main" xmlns="" id="{F11D90DF-D275-4725-884C-77E5E01D89B5}"/>
                 </a:ext>
                 <a:ext uri="{C183D7F6-B498-43B3-948B-1728B52AA6E4}">
-                  <adec:decorative xmlns:adec="http://schemas.microsoft.com/office/drawing/2017/decorative" val="1"/>
+                  <adec:decorative xmlns:adec="http://schemas.microsoft.com/office/drawing/2017/decorative" xmlns="" val="1"/>
                 </a:ext>
               </a:extLst>
             </p:cNvPr>
@@ -17420,7 +17779,7 @@
             </a:ln>
             <a:extLst>
               <a:ext uri="{91240B29-F687-4f45-9708-019B960494DF}">
-                <a14:hiddenLine xmlns="" xmlns:a16="http://schemas.microsoft.com/office/drawing/2014/main" xmlns:a14="http://schemas.microsoft.com/office/drawing/2010/main" w="9525">
+                <a14:hiddenLine xmlns:a14="http://schemas.microsoft.com/office/drawing/2010/main" xmlns:a16="http://schemas.microsoft.com/office/drawing/2014/main" xmlns="" w="9525">
                   <a:solidFill>
                     <a:srgbClr val="000000"/>
                   </a:solidFill>
@@ -17438,10 +17797,10 @@
           <p:cNvPr id="65" name="Group 64">
             <a:extLst>
               <a:ext uri="{FF2B5EF4-FFF2-40B4-BE49-F238E27FC236}">
-                <a16:creationId xmlns:a16="http://schemas.microsoft.com/office/drawing/2014/main" id="{9BE10567-6165-46A7-867D-4690A16B46D6}"/>
+                <a16:creationId xmlns:a16="http://schemas.microsoft.com/office/drawing/2014/main" xmlns="" id="{9BE10567-6165-46A7-867D-4690A16B46D6}"/>
               </a:ext>
               <a:ext uri="{C183D7F6-B498-43B3-948B-1728B52AA6E4}">
-                <adec:decorative xmlns:adec="http://schemas.microsoft.com/office/drawing/2017/decorative" val="1"/>
+                <adec:decorative xmlns:adec="http://schemas.microsoft.com/office/drawing/2017/decorative" xmlns="" val="1"/>
               </a:ext>
             </a:extLst>
           </p:cNvPr>
@@ -17469,10 +17828,10 @@
             <p:cNvPr id="132" name="Rectangle 65">
               <a:extLst>
                 <a:ext uri="{FF2B5EF4-FFF2-40B4-BE49-F238E27FC236}">
-                  <a16:creationId xmlns:a16="http://schemas.microsoft.com/office/drawing/2014/main" id="{0F4DB1F4-429C-4C85-85D7-C4D81996D338}"/>
+                  <a16:creationId xmlns:a16="http://schemas.microsoft.com/office/drawing/2014/main" xmlns="" id="{0F4DB1F4-429C-4C85-85D7-C4D81996D338}"/>
                 </a:ext>
                 <a:ext uri="{C183D7F6-B498-43B3-948B-1728B52AA6E4}">
-                  <adec:decorative xmlns:adec="http://schemas.microsoft.com/office/drawing/2017/decorative" val="1"/>
+                  <adec:decorative xmlns:adec="http://schemas.microsoft.com/office/drawing/2017/decorative" xmlns="" val="1"/>
                 </a:ext>
               </a:extLst>
             </p:cNvPr>
@@ -17527,10 +17886,10 @@
             <p:cNvPr id="67" name="Picture 2">
               <a:extLst>
                 <a:ext uri="{FF2B5EF4-FFF2-40B4-BE49-F238E27FC236}">
-                  <a16:creationId xmlns:a16="http://schemas.microsoft.com/office/drawing/2014/main" id="{159C0DA6-71D9-4C96-A774-7FADF5E0A4C4}"/>
+                  <a16:creationId xmlns:a16="http://schemas.microsoft.com/office/drawing/2014/main" xmlns="" id="{159C0DA6-71D9-4C96-A774-7FADF5E0A4C4}"/>
                 </a:ext>
                 <a:ext uri="{C183D7F6-B498-43B3-948B-1728B52AA6E4}">
-                  <adec:decorative xmlns:adec="http://schemas.microsoft.com/office/drawing/2017/decorative" val="1"/>
+                  <adec:decorative xmlns:adec="http://schemas.microsoft.com/office/drawing/2017/decorative" xmlns="" val="1"/>
                 </a:ext>
               </a:extLst>
             </p:cNvPr>
@@ -17577,7 +17936,7 @@
             <a:noFill/>
             <a:extLst>
               <a:ext uri="{909E8E84-426E-40dd-AFC4-6F175D3DCCD1}">
-                <a14:hiddenFill xmlns="" xmlns:a16="http://schemas.microsoft.com/office/drawing/2014/main" xmlns:p14="http://schemas.microsoft.com/office/powerpoint/2010/main" xmlns:a14="http://schemas.microsoft.com/office/drawing/2010/main">
+                <a14:hiddenFill xmlns:a14="http://schemas.microsoft.com/office/drawing/2010/main" xmlns:p14="http://schemas.microsoft.com/office/powerpoint/2010/main" xmlns:a16="http://schemas.microsoft.com/office/drawing/2014/main" xmlns="">
                   <a:solidFill>
                     <a:srgbClr val="FFFFFF"/>
                   </a:solidFill>
@@ -17592,10 +17951,10 @@
           <p:cNvPr id="69" name="Round Diagonal Corner Rectangle 7">
             <a:extLst>
               <a:ext uri="{FF2B5EF4-FFF2-40B4-BE49-F238E27FC236}">
-                <a16:creationId xmlns:a16="http://schemas.microsoft.com/office/drawing/2014/main" id="{4B24F6DB-F114-44A7-BB56-D401884E4E7F}"/>
+                <a16:creationId xmlns:a16="http://schemas.microsoft.com/office/drawing/2014/main" xmlns="" id="{4B24F6DB-F114-44A7-BB56-D401884E4E7F}"/>
               </a:ext>
               <a:ext uri="{C183D7F6-B498-43B3-948B-1728B52AA6E4}">
-                <adec:decorative xmlns:adec="http://schemas.microsoft.com/office/drawing/2017/decorative" val="1"/>
+                <adec:decorative xmlns:adec="http://schemas.microsoft.com/office/drawing/2017/decorative" xmlns="" val="1"/>
               </a:ext>
             </a:extLst>
           </p:cNvPr>
@@ -17670,10 +18029,10 @@
           <p:cNvPr id="71" name="Group 70">
             <a:extLst>
               <a:ext uri="{FF2B5EF4-FFF2-40B4-BE49-F238E27FC236}">
-                <a16:creationId xmlns:a16="http://schemas.microsoft.com/office/drawing/2014/main" id="{4DB50ECD-225E-4F81-AF7B-706DD05F3BA8}"/>
+                <a16:creationId xmlns:a16="http://schemas.microsoft.com/office/drawing/2014/main" xmlns="" id="{4DB50ECD-225E-4F81-AF7B-706DD05F3BA8}"/>
               </a:ext>
               <a:ext uri="{C183D7F6-B498-43B3-948B-1728B52AA6E4}">
-                <adec:decorative xmlns:adec="http://schemas.microsoft.com/office/drawing/2017/decorative" val="1"/>
+                <adec:decorative xmlns:adec="http://schemas.microsoft.com/office/drawing/2017/decorative" xmlns="" val="1"/>
               </a:ext>
             </a:extLst>
           </p:cNvPr>
@@ -17702,10 +18061,10 @@
             <p:cNvPr id="133" name="Freeform 32">
               <a:extLst>
                 <a:ext uri="{FF2B5EF4-FFF2-40B4-BE49-F238E27FC236}">
-                  <a16:creationId xmlns:a16="http://schemas.microsoft.com/office/drawing/2014/main" id="{CBC3B006-1357-4969-BC3D-CDD91E492B4F}"/>
+                  <a16:creationId xmlns:a16="http://schemas.microsoft.com/office/drawing/2014/main" xmlns="" id="{CBC3B006-1357-4969-BC3D-CDD91E492B4F}"/>
                 </a:ext>
                 <a:ext uri="{C183D7F6-B498-43B3-948B-1728B52AA6E4}">
-                  <adec:decorative xmlns:adec="http://schemas.microsoft.com/office/drawing/2017/decorative" val="1"/>
+                  <adec:decorative xmlns:adec="http://schemas.microsoft.com/office/drawing/2017/decorative" xmlns="" val="1"/>
                 </a:ext>
               </a:extLst>
             </p:cNvPr>
@@ -17782,10 +18141,10 @@
             <p:cNvPr id="134" name="Freeform 33">
               <a:extLst>
                 <a:ext uri="{FF2B5EF4-FFF2-40B4-BE49-F238E27FC236}">
-                  <a16:creationId xmlns:a16="http://schemas.microsoft.com/office/drawing/2014/main" id="{0D6E4F1D-B331-41B5-90EF-2236C1EE155D}"/>
+                  <a16:creationId xmlns:a16="http://schemas.microsoft.com/office/drawing/2014/main" xmlns="" id="{0D6E4F1D-B331-41B5-90EF-2236C1EE155D}"/>
                 </a:ext>
                 <a:ext uri="{C183D7F6-B498-43B3-948B-1728B52AA6E4}">
-                  <adec:decorative xmlns:adec="http://schemas.microsoft.com/office/drawing/2017/decorative" val="1"/>
+                  <adec:decorative xmlns:adec="http://schemas.microsoft.com/office/drawing/2017/decorative" xmlns="" val="1"/>
                 </a:ext>
               </a:extLst>
             </p:cNvPr>
@@ -17912,10 +18271,10 @@
             <p:cNvPr id="135" name="Freeform 34">
               <a:extLst>
                 <a:ext uri="{FF2B5EF4-FFF2-40B4-BE49-F238E27FC236}">
-                  <a16:creationId xmlns:a16="http://schemas.microsoft.com/office/drawing/2014/main" id="{54A60014-21DF-44E5-9137-43357188501C}"/>
+                  <a16:creationId xmlns:a16="http://schemas.microsoft.com/office/drawing/2014/main" xmlns="" id="{54A60014-21DF-44E5-9137-43357188501C}"/>
                 </a:ext>
                 <a:ext uri="{C183D7F6-B498-43B3-948B-1728B52AA6E4}">
-                  <adec:decorative xmlns:adec="http://schemas.microsoft.com/office/drawing/2017/decorative" val="1"/>
+                  <adec:decorative xmlns:adec="http://schemas.microsoft.com/office/drawing/2017/decorative" xmlns="" val="1"/>
                 </a:ext>
               </a:extLst>
             </p:cNvPr>
@@ -18017,10 +18376,10 @@
             <p:cNvPr id="136" name="Freeform 37">
               <a:extLst>
                 <a:ext uri="{FF2B5EF4-FFF2-40B4-BE49-F238E27FC236}">
-                  <a16:creationId xmlns:a16="http://schemas.microsoft.com/office/drawing/2014/main" id="{40B768C0-B003-45F4-9A06-EA3509A90BD9}"/>
+                  <a16:creationId xmlns:a16="http://schemas.microsoft.com/office/drawing/2014/main" xmlns="" id="{40B768C0-B003-45F4-9A06-EA3509A90BD9}"/>
                 </a:ext>
                 <a:ext uri="{C183D7F6-B498-43B3-948B-1728B52AA6E4}">
-                  <adec:decorative xmlns:adec="http://schemas.microsoft.com/office/drawing/2017/decorative" val="1"/>
+                  <adec:decorative xmlns:adec="http://schemas.microsoft.com/office/drawing/2017/decorative" xmlns="" val="1"/>
                 </a:ext>
               </a:extLst>
             </p:cNvPr>
@@ -18100,10 +18459,10 @@
             <p:cNvPr id="137" name="Freeform 35">
               <a:extLst>
                 <a:ext uri="{FF2B5EF4-FFF2-40B4-BE49-F238E27FC236}">
-                  <a16:creationId xmlns:a16="http://schemas.microsoft.com/office/drawing/2014/main" id="{5E479182-2054-4AD9-823D-81CFAD7F2C78}"/>
+                  <a16:creationId xmlns:a16="http://schemas.microsoft.com/office/drawing/2014/main" xmlns="" id="{5E479182-2054-4AD9-823D-81CFAD7F2C78}"/>
                 </a:ext>
                 <a:ext uri="{C183D7F6-B498-43B3-948B-1728B52AA6E4}">
-                  <adec:decorative xmlns:adec="http://schemas.microsoft.com/office/drawing/2017/decorative" val="1"/>
+                  <adec:decorative xmlns:adec="http://schemas.microsoft.com/office/drawing/2017/decorative" xmlns="" val="1"/>
                 </a:ext>
               </a:extLst>
             </p:cNvPr>
@@ -18180,10 +18539,10 @@
             <p:cNvPr id="138" name="Freeform 36">
               <a:extLst>
                 <a:ext uri="{FF2B5EF4-FFF2-40B4-BE49-F238E27FC236}">
-                  <a16:creationId xmlns:a16="http://schemas.microsoft.com/office/drawing/2014/main" id="{A7D912CF-756A-41F1-8BF1-5BA7D1BD052D}"/>
+                  <a16:creationId xmlns:a16="http://schemas.microsoft.com/office/drawing/2014/main" xmlns="" id="{A7D912CF-756A-41F1-8BF1-5BA7D1BD052D}"/>
                 </a:ext>
                 <a:ext uri="{C183D7F6-B498-43B3-948B-1728B52AA6E4}">
-                  <adec:decorative xmlns:adec="http://schemas.microsoft.com/office/drawing/2017/decorative" val="1"/>
+                  <adec:decorative xmlns:adec="http://schemas.microsoft.com/office/drawing/2017/decorative" xmlns="" val="1"/>
                 </a:ext>
               </a:extLst>
             </p:cNvPr>
@@ -18285,10 +18644,10 @@
             <p:cNvPr id="139" name="Freeform 38">
               <a:extLst>
                 <a:ext uri="{FF2B5EF4-FFF2-40B4-BE49-F238E27FC236}">
-                  <a16:creationId xmlns:a16="http://schemas.microsoft.com/office/drawing/2014/main" id="{734B6F35-2160-44B1-AB00-F628C84B14F0}"/>
+                  <a16:creationId xmlns:a16="http://schemas.microsoft.com/office/drawing/2014/main" xmlns="" id="{734B6F35-2160-44B1-AB00-F628C84B14F0}"/>
                 </a:ext>
                 <a:ext uri="{C183D7F6-B498-43B3-948B-1728B52AA6E4}">
-                  <adec:decorative xmlns:adec="http://schemas.microsoft.com/office/drawing/2017/decorative" val="1"/>
+                  <adec:decorative xmlns:adec="http://schemas.microsoft.com/office/drawing/2017/decorative" xmlns="" val="1"/>
                 </a:ext>
               </a:extLst>
             </p:cNvPr>
@@ -18390,10 +18749,10 @@
             <p:cNvPr id="140" name="Freeform 39">
               <a:extLst>
                 <a:ext uri="{FF2B5EF4-FFF2-40B4-BE49-F238E27FC236}">
-                  <a16:creationId xmlns:a16="http://schemas.microsoft.com/office/drawing/2014/main" id="{D8657E76-4F63-44FE-86C5-54CA174FCB35}"/>
+                  <a16:creationId xmlns:a16="http://schemas.microsoft.com/office/drawing/2014/main" xmlns="" id="{D8657E76-4F63-44FE-86C5-54CA174FCB35}"/>
                 </a:ext>
                 <a:ext uri="{C183D7F6-B498-43B3-948B-1728B52AA6E4}">
-                  <adec:decorative xmlns:adec="http://schemas.microsoft.com/office/drawing/2017/decorative" val="1"/>
+                  <adec:decorative xmlns:adec="http://schemas.microsoft.com/office/drawing/2017/decorative" xmlns="" val="1"/>
                 </a:ext>
               </a:extLst>
             </p:cNvPr>
@@ -18473,10 +18832,10 @@
             <p:cNvPr id="141" name="Freeform 40">
               <a:extLst>
                 <a:ext uri="{FF2B5EF4-FFF2-40B4-BE49-F238E27FC236}">
-                  <a16:creationId xmlns:a16="http://schemas.microsoft.com/office/drawing/2014/main" id="{482CEB8C-90E5-4152-8B52-A2881B98A3BA}"/>
+                  <a16:creationId xmlns:a16="http://schemas.microsoft.com/office/drawing/2014/main" xmlns="" id="{482CEB8C-90E5-4152-8B52-A2881B98A3BA}"/>
                 </a:ext>
                 <a:ext uri="{C183D7F6-B498-43B3-948B-1728B52AA6E4}">
-                  <adec:decorative xmlns:adec="http://schemas.microsoft.com/office/drawing/2017/decorative" val="1"/>
+                  <adec:decorative xmlns:adec="http://schemas.microsoft.com/office/drawing/2017/decorative" xmlns="" val="1"/>
                 </a:ext>
               </a:extLst>
             </p:cNvPr>
@@ -18578,10 +18937,10 @@
             <p:cNvPr id="142" name="Rectangle 41">
               <a:extLst>
                 <a:ext uri="{FF2B5EF4-FFF2-40B4-BE49-F238E27FC236}">
-                  <a16:creationId xmlns:a16="http://schemas.microsoft.com/office/drawing/2014/main" id="{85010FC2-BC4C-4692-876D-7FE363BFC635}"/>
+                  <a16:creationId xmlns:a16="http://schemas.microsoft.com/office/drawing/2014/main" xmlns="" id="{85010FC2-BC4C-4692-876D-7FE363BFC635}"/>
                 </a:ext>
                 <a:ext uri="{C183D7F6-B498-43B3-948B-1728B52AA6E4}">
-                  <adec:decorative xmlns:adec="http://schemas.microsoft.com/office/drawing/2017/decorative" val="1"/>
+                  <adec:decorative xmlns:adec="http://schemas.microsoft.com/office/drawing/2017/decorative" xmlns="" val="1"/>
                 </a:ext>
               </a:extLst>
             </p:cNvPr>
@@ -18627,10 +18986,10 @@
             <p:cNvPr id="143" name="Freeform 32">
               <a:extLst>
                 <a:ext uri="{FF2B5EF4-FFF2-40B4-BE49-F238E27FC236}">
-                  <a16:creationId xmlns:a16="http://schemas.microsoft.com/office/drawing/2014/main" id="{714C1223-2B78-4715-9ACB-079A60D16D3F}"/>
+                  <a16:creationId xmlns:a16="http://schemas.microsoft.com/office/drawing/2014/main" xmlns="" id="{714C1223-2B78-4715-9ACB-079A60D16D3F}"/>
                 </a:ext>
                 <a:ext uri="{C183D7F6-B498-43B3-948B-1728B52AA6E4}">
-                  <adec:decorative xmlns:adec="http://schemas.microsoft.com/office/drawing/2017/decorative" val="1"/>
+                  <adec:decorative xmlns:adec="http://schemas.microsoft.com/office/drawing/2017/decorative" xmlns="" val="1"/>
                 </a:ext>
               </a:extLst>
             </p:cNvPr>
@@ -18707,10 +19066,10 @@
             <p:cNvPr id="144" name="Freeform 33">
               <a:extLst>
                 <a:ext uri="{FF2B5EF4-FFF2-40B4-BE49-F238E27FC236}">
-                  <a16:creationId xmlns:a16="http://schemas.microsoft.com/office/drawing/2014/main" id="{1D9109D3-C92A-410B-9B43-5F02B2D84EE3}"/>
+                  <a16:creationId xmlns:a16="http://schemas.microsoft.com/office/drawing/2014/main" xmlns="" id="{1D9109D3-C92A-410B-9B43-5F02B2D84EE3}"/>
                 </a:ext>
                 <a:ext uri="{C183D7F6-B498-43B3-948B-1728B52AA6E4}">
-                  <adec:decorative xmlns:adec="http://schemas.microsoft.com/office/drawing/2017/decorative" val="1"/>
+                  <adec:decorative xmlns:adec="http://schemas.microsoft.com/office/drawing/2017/decorative" xmlns="" val="1"/>
                 </a:ext>
               </a:extLst>
             </p:cNvPr>
@@ -18837,10 +19196,10 @@
             <p:cNvPr id="145" name="Freeform 34">
               <a:extLst>
                 <a:ext uri="{FF2B5EF4-FFF2-40B4-BE49-F238E27FC236}">
-                  <a16:creationId xmlns:a16="http://schemas.microsoft.com/office/drawing/2014/main" id="{EF5B327A-A1AE-42F3-815E-84F4AA2948C2}"/>
+                  <a16:creationId xmlns:a16="http://schemas.microsoft.com/office/drawing/2014/main" xmlns="" id="{EF5B327A-A1AE-42F3-815E-84F4AA2948C2}"/>
                 </a:ext>
                 <a:ext uri="{C183D7F6-B498-43B3-948B-1728B52AA6E4}">
-                  <adec:decorative xmlns:adec="http://schemas.microsoft.com/office/drawing/2017/decorative" val="1"/>
+                  <adec:decorative xmlns:adec="http://schemas.microsoft.com/office/drawing/2017/decorative" xmlns="" val="1"/>
                 </a:ext>
               </a:extLst>
             </p:cNvPr>
@@ -18942,10 +19301,10 @@
             <p:cNvPr id="146" name="Freeform 37">
               <a:extLst>
                 <a:ext uri="{FF2B5EF4-FFF2-40B4-BE49-F238E27FC236}">
-                  <a16:creationId xmlns:a16="http://schemas.microsoft.com/office/drawing/2014/main" id="{77738BDE-751F-4D4C-B4C4-C9DF3EA29193}"/>
+                  <a16:creationId xmlns:a16="http://schemas.microsoft.com/office/drawing/2014/main" xmlns="" id="{77738BDE-751F-4D4C-B4C4-C9DF3EA29193}"/>
                 </a:ext>
                 <a:ext uri="{C183D7F6-B498-43B3-948B-1728B52AA6E4}">
-                  <adec:decorative xmlns:adec="http://schemas.microsoft.com/office/drawing/2017/decorative" val="1"/>
+                  <adec:decorative xmlns:adec="http://schemas.microsoft.com/office/drawing/2017/decorative" xmlns="" val="1"/>
                 </a:ext>
               </a:extLst>
             </p:cNvPr>
@@ -19025,10 +19384,10 @@
             <p:cNvPr id="147" name="Freeform 35">
               <a:extLst>
                 <a:ext uri="{FF2B5EF4-FFF2-40B4-BE49-F238E27FC236}">
-                  <a16:creationId xmlns:a16="http://schemas.microsoft.com/office/drawing/2014/main" id="{9C8C4AD6-72BF-490C-963C-97C7FD7E7EAC}"/>
+                  <a16:creationId xmlns:a16="http://schemas.microsoft.com/office/drawing/2014/main" xmlns="" id="{9C8C4AD6-72BF-490C-963C-97C7FD7E7EAC}"/>
                 </a:ext>
                 <a:ext uri="{C183D7F6-B498-43B3-948B-1728B52AA6E4}">
-                  <adec:decorative xmlns:adec="http://schemas.microsoft.com/office/drawing/2017/decorative" val="1"/>
+                  <adec:decorative xmlns:adec="http://schemas.microsoft.com/office/drawing/2017/decorative" xmlns="" val="1"/>
                 </a:ext>
               </a:extLst>
             </p:cNvPr>
@@ -19105,10 +19464,10 @@
             <p:cNvPr id="148" name="Freeform 36">
               <a:extLst>
                 <a:ext uri="{FF2B5EF4-FFF2-40B4-BE49-F238E27FC236}">
-                  <a16:creationId xmlns:a16="http://schemas.microsoft.com/office/drawing/2014/main" id="{94990E31-5AA8-4502-A963-CE1B539DAC42}"/>
+                  <a16:creationId xmlns:a16="http://schemas.microsoft.com/office/drawing/2014/main" xmlns="" id="{94990E31-5AA8-4502-A963-CE1B539DAC42}"/>
                 </a:ext>
                 <a:ext uri="{C183D7F6-B498-43B3-948B-1728B52AA6E4}">
-                  <adec:decorative xmlns:adec="http://schemas.microsoft.com/office/drawing/2017/decorative" val="1"/>
+                  <adec:decorative xmlns:adec="http://schemas.microsoft.com/office/drawing/2017/decorative" xmlns="" val="1"/>
                 </a:ext>
               </a:extLst>
             </p:cNvPr>
@@ -19210,10 +19569,10 @@
             <p:cNvPr id="149" name="Freeform 38">
               <a:extLst>
                 <a:ext uri="{FF2B5EF4-FFF2-40B4-BE49-F238E27FC236}">
-                  <a16:creationId xmlns:a16="http://schemas.microsoft.com/office/drawing/2014/main" id="{9E703E9D-ED76-449C-A8C0-7A1E24B8B277}"/>
+                  <a16:creationId xmlns:a16="http://schemas.microsoft.com/office/drawing/2014/main" xmlns="" id="{9E703E9D-ED76-449C-A8C0-7A1E24B8B277}"/>
                 </a:ext>
                 <a:ext uri="{C183D7F6-B498-43B3-948B-1728B52AA6E4}">
-                  <adec:decorative xmlns:adec="http://schemas.microsoft.com/office/drawing/2017/decorative" val="1"/>
+                  <adec:decorative xmlns:adec="http://schemas.microsoft.com/office/drawing/2017/decorative" xmlns="" val="1"/>
                 </a:ext>
               </a:extLst>
             </p:cNvPr>
@@ -19315,10 +19674,10 @@
             <p:cNvPr id="150" name="Freeform 39">
               <a:extLst>
                 <a:ext uri="{FF2B5EF4-FFF2-40B4-BE49-F238E27FC236}">
-                  <a16:creationId xmlns:a16="http://schemas.microsoft.com/office/drawing/2014/main" id="{C70A75E8-C815-4CCF-ABEE-83F19BFE0511}"/>
+                  <a16:creationId xmlns:a16="http://schemas.microsoft.com/office/drawing/2014/main" xmlns="" id="{C70A75E8-C815-4CCF-ABEE-83F19BFE0511}"/>
                 </a:ext>
                 <a:ext uri="{C183D7F6-B498-43B3-948B-1728B52AA6E4}">
-                  <adec:decorative xmlns:adec="http://schemas.microsoft.com/office/drawing/2017/decorative" val="1"/>
+                  <adec:decorative xmlns:adec="http://schemas.microsoft.com/office/drawing/2017/decorative" xmlns="" val="1"/>
                 </a:ext>
               </a:extLst>
             </p:cNvPr>
@@ -19398,10 +19757,10 @@
             <p:cNvPr id="151" name="Freeform 40">
               <a:extLst>
                 <a:ext uri="{FF2B5EF4-FFF2-40B4-BE49-F238E27FC236}">
-                  <a16:creationId xmlns:a16="http://schemas.microsoft.com/office/drawing/2014/main" id="{E15638E1-6A92-4D31-A034-853A65A754E9}"/>
+                  <a16:creationId xmlns:a16="http://schemas.microsoft.com/office/drawing/2014/main" xmlns="" id="{E15638E1-6A92-4D31-A034-853A65A754E9}"/>
                 </a:ext>
                 <a:ext uri="{C183D7F6-B498-43B3-948B-1728B52AA6E4}">
-                  <adec:decorative xmlns:adec="http://schemas.microsoft.com/office/drawing/2017/decorative" val="1"/>
+                  <adec:decorative xmlns:adec="http://schemas.microsoft.com/office/drawing/2017/decorative" xmlns="" val="1"/>
                 </a:ext>
               </a:extLst>
             </p:cNvPr>
@@ -19503,10 +19862,10 @@
             <p:cNvPr id="152" name="Rectangle 41">
               <a:extLst>
                 <a:ext uri="{FF2B5EF4-FFF2-40B4-BE49-F238E27FC236}">
-                  <a16:creationId xmlns:a16="http://schemas.microsoft.com/office/drawing/2014/main" id="{EA3E8D58-D52B-4300-8A50-5696430D1A65}"/>
+                  <a16:creationId xmlns:a16="http://schemas.microsoft.com/office/drawing/2014/main" xmlns="" id="{EA3E8D58-D52B-4300-8A50-5696430D1A65}"/>
                 </a:ext>
                 <a:ext uri="{C183D7F6-B498-43B3-948B-1728B52AA6E4}">
-                  <adec:decorative xmlns:adec="http://schemas.microsoft.com/office/drawing/2017/decorative" val="1"/>
+                  <adec:decorative xmlns:adec="http://schemas.microsoft.com/office/drawing/2017/decorative" xmlns="" val="1"/>
                 </a:ext>
               </a:extLst>
             </p:cNvPr>
@@ -19553,7 +19912,7 @@
           <p:cNvPr id="2" name="Title 1">
             <a:extLst>
               <a:ext uri="{FF2B5EF4-FFF2-40B4-BE49-F238E27FC236}">
-                <a16:creationId xmlns:a16="http://schemas.microsoft.com/office/drawing/2014/main" id="{292586F5-D1B8-424B-871A-CF9CCCB2464B}"/>
+                <a16:creationId xmlns:a16="http://schemas.microsoft.com/office/drawing/2014/main" xmlns="" id="{292586F5-D1B8-424B-871A-CF9CCCB2464B}"/>
               </a:ext>
             </a:extLst>
           </p:cNvPr>
@@ -19585,6 +19944,14 @@
               </a:rPr>
               <a:t>Online Grading System</a:t>
             </a:r>
+            <a:r>
+              <a:rPr lang="en-US" sz="1900" spc="200" dirty="0">
+                <a:solidFill>
+                  <a:srgbClr val="FFFFFF"/>
+                </a:solidFill>
+              </a:rPr>
+              <a:t/>
+            </a:r>
             <a:br>
               <a:rPr lang="en-US" sz="1900" spc="200" dirty="0">
                 <a:solidFill>
@@ -19607,6 +19974,14 @@
                 </a:solidFill>
               </a:rPr>
             </a:br>
+            <a:r>
+              <a:rPr lang="en-US" sz="1900" spc="200" dirty="0">
+                <a:solidFill>
+                  <a:srgbClr val="FFFFFF"/>
+                </a:solidFill>
+              </a:rPr>
+              <a:t/>
+            </a:r>
             <a:br>
               <a:rPr lang="en-US" sz="1900" spc="200" dirty="0">
                 <a:solidFill>
@@ -19614,6 +19989,14 @@
                 </a:solidFill>
               </a:rPr>
             </a:br>
+            <a:r>
+              <a:rPr lang="en-US" sz="1900" spc="200" dirty="0">
+                <a:solidFill>
+                  <a:srgbClr val="FFFFFF"/>
+                </a:solidFill>
+              </a:rPr>
+              <a:t/>
+            </a:r>
             <a:br>
               <a:rPr lang="en-US" sz="1900" spc="200" dirty="0">
                 <a:solidFill>
@@ -19621,6 +20004,14 @@
                 </a:solidFill>
               </a:rPr>
             </a:br>
+            <a:r>
+              <a:rPr lang="en-US" sz="1900" spc="200" dirty="0">
+                <a:solidFill>
+                  <a:srgbClr val="FFFFFF"/>
+                </a:solidFill>
+              </a:rPr>
+              <a:t/>
+            </a:r>
             <a:br>
               <a:rPr lang="en-US" sz="1900" spc="200" dirty="0">
                 <a:solidFill>
@@ -19728,7 +20119,7 @@
           <p:cNvPr id="2" name="Title 1">
             <a:extLst>
               <a:ext uri="{FF2B5EF4-FFF2-40B4-BE49-F238E27FC236}">
-                <a16:creationId xmlns:a16="http://schemas.microsoft.com/office/drawing/2014/main" id="{0F42B2A9-1F58-D34D-BFF8-10F5627C516C}"/>
+                <a16:creationId xmlns:a16="http://schemas.microsoft.com/office/drawing/2014/main" xmlns="" id="{0F42B2A9-1F58-D34D-BFF8-10F5627C516C}"/>
               </a:ext>
             </a:extLst>
           </p:cNvPr>
@@ -19764,7 +20155,7 @@
           <p:cNvPr id="3" name="Content Placeholder 2">
             <a:extLst>
               <a:ext uri="{FF2B5EF4-FFF2-40B4-BE49-F238E27FC236}">
-                <a16:creationId xmlns:a16="http://schemas.microsoft.com/office/drawing/2014/main" id="{8BD641C8-EABC-5448-9E6A-9ED010D6F7EB}"/>
+                <a16:creationId xmlns:a16="http://schemas.microsoft.com/office/drawing/2014/main" xmlns="" id="{8BD641C8-EABC-5448-9E6A-9ED010D6F7EB}"/>
               </a:ext>
             </a:extLst>
           </p:cNvPr>
@@ -19807,7 +20198,15 @@
           <a:p>
             <a:r>
               <a:rPr lang="en-US" dirty="0"/>
-              <a:t>Individual grades are computed base on the average between professor’s feedback and group mates feedback.</a:t>
+              <a:t>Individual grades are computed base on the average between professor’s feedback and group </a:t>
+            </a:r>
+            <a:r>
+              <a:rPr lang="en-US" dirty="0" smtClean="0"/>
+              <a:t>member’s feedback</a:t>
+            </a:r>
+            <a:r>
+              <a:rPr lang="en-US" dirty="0"/>
+              <a:t>.</a:t>
             </a:r>
           </a:p>
         </p:txBody>
@@ -19872,7 +20271,7 @@
           <p:cNvPr id="2" name="Title 1">
             <a:extLst>
               <a:ext uri="{FF2B5EF4-FFF2-40B4-BE49-F238E27FC236}">
-                <a16:creationId xmlns:a16="http://schemas.microsoft.com/office/drawing/2014/main" id="{0F42B2A9-1F58-D34D-BFF8-10F5627C516C}"/>
+                <a16:creationId xmlns:a16="http://schemas.microsoft.com/office/drawing/2014/main" xmlns="" id="{0F42B2A9-1F58-D34D-BFF8-10F5627C516C}"/>
               </a:ext>
             </a:extLst>
           </p:cNvPr>
@@ -19885,7 +20284,7 @@
         </p:nvSpPr>
         <p:spPr>
           <a:xfrm>
-            <a:off x="1141411" y="748240"/>
+            <a:off x="1102771" y="436954"/>
             <a:ext cx="9906000" cy="1117073"/>
           </a:xfrm>
         </p:spPr>
@@ -19896,16 +20295,105 @@
           <a:lstStyle/>
           <a:p>
             <a:pPr algn="ctr"/>
-            <a:endParaRPr lang="en-US" sz="4000"/>
+            <a:r>
+              <a:rPr lang="en-US" sz="4000" dirty="0" smtClean="0"/>
+              <a:t>USE CASE</a:t>
+            </a:r>
+            <a:endParaRPr lang="en-US" sz="4000" dirty="0"/>
           </a:p>
         </p:txBody>
       </p:sp>
+      <p:pic>
+        <p:nvPicPr>
+          <p:cNvPr id="5" name="Picture 4"/>
+          <p:cNvPicPr>
+            <a:picLocks noChangeAspect="1"/>
+          </p:cNvPicPr>
+          <p:nvPr/>
+        </p:nvPicPr>
+        <p:blipFill>
+          <a:blip r:embed="rId3">
+            <a:extLst>
+              <a:ext uri="{28A0092B-C50C-407E-A947-70E740481C1C}">
+                <a14:useLocalDpi xmlns:a14="http://schemas.microsoft.com/office/drawing/2010/main" val="0"/>
+              </a:ext>
+            </a:extLst>
+          </a:blip>
+          <a:stretch>
+            <a:fillRect/>
+          </a:stretch>
+        </p:blipFill>
+        <p:spPr>
+          <a:xfrm>
+            <a:off x="1247302" y="1315124"/>
+            <a:ext cx="9550400" cy="4662273"/>
+          </a:xfrm>
+          <a:prstGeom prst="rect">
+            <a:avLst/>
+          </a:prstGeom>
+        </p:spPr>
+      </p:pic>
+    </p:spTree>
+    <p:extLst>
+      <p:ext uri="{BB962C8B-B14F-4D97-AF65-F5344CB8AC3E}">
+        <p14:creationId xmlns:p14="http://schemas.microsoft.com/office/powerpoint/2010/main" val="1824163078"/>
+      </p:ext>
+    </p:extLst>
+  </p:cSld>
+  <p:clrMapOvr>
+    <a:overrideClrMapping bg1="lt1" tx1="dk1" bg2="lt2" tx2="dk2" accent1="accent1" accent2="accent2" accent3="accent3" accent4="accent4" accent5="accent5" accent6="accent6" hlink="hlink" folHlink="folHlink"/>
+  </p:clrMapOvr>
+</p:sld>
+</file>
+
+<file path=ppt/slides/slide4.xml><?xml version="1.0" encoding="utf-8"?>
+<p:sld xmlns:a="http://schemas.openxmlformats.org/drawingml/2006/main" xmlns:r="http://schemas.openxmlformats.org/officeDocument/2006/relationships" xmlns:p="http://schemas.openxmlformats.org/presentationml/2006/main">
+  <p:cSld>
+    <p:bg>
+      <p:bgPr>
+        <a:blipFill>
+          <a:blip r:embed="rId2">
+            <a:duotone>
+              <a:schemeClr val="bg1">
+                <a:shade val="88000"/>
+                <a:hueMod val="106000"/>
+                <a:satMod val="140000"/>
+                <a:lumMod val="54000"/>
+              </a:schemeClr>
+              <a:schemeClr val="bg1">
+                <a:tint val="98000"/>
+                <a:hueMod val="90000"/>
+                <a:satMod val="150000"/>
+                <a:lumMod val="160000"/>
+              </a:schemeClr>
+            </a:duotone>
+            <a:extLst/>
+          </a:blip>
+          <a:stretch/>
+        </a:blipFill>
+        <a:effectLst/>
+      </p:bgPr>
+    </p:bg>
+    <p:spTree>
+      <p:nvGrpSpPr>
+        <p:cNvPr id="1" name=""/>
+        <p:cNvGrpSpPr/>
+        <p:nvPr/>
+      </p:nvGrpSpPr>
+      <p:grpSpPr>
+        <a:xfrm>
+          <a:off x="0" y="0"/>
+          <a:ext cx="0" cy="0"/>
+          <a:chOff x="0" y="0"/>
+          <a:chExt cx="0" cy="0"/>
+        </a:xfrm>
+      </p:grpSpPr>
       <p:sp>
         <p:nvSpPr>
-          <p:cNvPr id="3" name="Content Placeholder 2">
+          <p:cNvPr id="4" name="Title 1">
             <a:extLst>
               <a:ext uri="{FF2B5EF4-FFF2-40B4-BE49-F238E27FC236}">
-                <a16:creationId xmlns:a16="http://schemas.microsoft.com/office/drawing/2014/main" id="{8BD641C8-EABC-5448-9E6A-9ED010D6F7EB}"/>
+                <a16:creationId xmlns:a16="http://schemas.microsoft.com/office/drawing/2014/main" xmlns="" id="{0F42B2A9-1F58-D34D-BFF8-10F5627C516C}"/>
               </a:ext>
             </a:extLst>
           </p:cNvPr>
@@ -19913,25 +20401,60 @@
             <a:spLocks noGrp="1"/>
           </p:cNvSpPr>
           <p:nvPr>
-            <p:ph idx="1"/>
+            <p:ph type="title"/>
           </p:nvPr>
         </p:nvSpPr>
         <p:spPr>
           <a:xfrm>
-            <a:off x="1206500" y="2249487"/>
-            <a:ext cx="9840911" cy="3541714"/>
+            <a:off x="1141413" y="747713"/>
+            <a:ext cx="9906000" cy="1117600"/>
           </a:xfrm>
         </p:spPr>
         <p:txBody>
-          <a:bodyPr anchor="t">
+          <a:bodyPr>
             <a:normAutofit/>
           </a:bodyPr>
           <a:lstStyle/>
           <a:p>
-            <a:endParaRPr lang="en-US"/>
+            <a:pPr algn="ctr"/>
+            <a:r>
+              <a:rPr lang="en-US" sz="4000" dirty="0" smtClean="0"/>
+              <a:t>Proposed architecture</a:t>
+            </a:r>
+            <a:endParaRPr lang="en-US" sz="4000" dirty="0"/>
           </a:p>
         </p:txBody>
       </p:sp>
+      <p:pic>
+        <p:nvPicPr>
+          <p:cNvPr id="12" name="Picture 11"/>
+          <p:cNvPicPr>
+            <a:picLocks noChangeAspect="1"/>
+          </p:cNvPicPr>
+          <p:nvPr/>
+        </p:nvPicPr>
+        <p:blipFill>
+          <a:blip r:embed="rId3">
+            <a:extLst>
+              <a:ext uri="{28A0092B-C50C-407E-A947-70E740481C1C}">
+                <a14:useLocalDpi xmlns:a14="http://schemas.microsoft.com/office/drawing/2010/main" val="0"/>
+              </a:ext>
+            </a:extLst>
+          </a:blip>
+          <a:stretch>
+            <a:fillRect/>
+          </a:stretch>
+        </p:blipFill>
+        <p:spPr>
+          <a:xfrm>
+            <a:off x="1213332" y="1865313"/>
+            <a:ext cx="9762161" cy="3965878"/>
+          </a:xfrm>
+          <a:prstGeom prst="rect">
+            <a:avLst/>
+          </a:prstGeom>
+        </p:spPr>
+      </p:pic>
     </p:spTree>
     <p:extLst>
       <p:ext uri="{BB962C8B-B14F-4D97-AF65-F5344CB8AC3E}">
@@ -20194,4 +20717,265 @@
     </a:ext>
   </a:extLst>
 </a:theme>
+</file>
+
+<file path=ppt/theme/theme2.xml><?xml version="1.0" encoding="utf-8"?>
+<a:theme xmlns:a="http://schemas.openxmlformats.org/drawingml/2006/main" name="Office Theme">
+  <a:themeElements>
+    <a:clrScheme name="Office">
+      <a:dk1>
+        <a:sysClr val="windowText" lastClr="000000"/>
+      </a:dk1>
+      <a:lt1>
+        <a:sysClr val="window" lastClr="FFFFFF"/>
+      </a:lt1>
+      <a:dk2>
+        <a:srgbClr val="44546A"/>
+      </a:dk2>
+      <a:lt2>
+        <a:srgbClr val="E7E6E6"/>
+      </a:lt2>
+      <a:accent1>
+        <a:srgbClr val="4472C4"/>
+      </a:accent1>
+      <a:accent2>
+        <a:srgbClr val="ED7D31"/>
+      </a:accent2>
+      <a:accent3>
+        <a:srgbClr val="A5A5A5"/>
+      </a:accent3>
+      <a:accent4>
+        <a:srgbClr val="FFC000"/>
+      </a:accent4>
+      <a:accent5>
+        <a:srgbClr val="5B9BD5"/>
+      </a:accent5>
+      <a:accent6>
+        <a:srgbClr val="70AD47"/>
+      </a:accent6>
+      <a:hlink>
+        <a:srgbClr val="0563C1"/>
+      </a:hlink>
+      <a:folHlink>
+        <a:srgbClr val="954F72"/>
+      </a:folHlink>
+    </a:clrScheme>
+    <a:fontScheme name="Office">
+      <a:majorFont>
+        <a:latin typeface="Calibri Light" panose="020F0302020204030204"/>
+        <a:ea typeface=""/>
+        <a:cs typeface=""/>
+        <a:font script="Jpan" typeface="Yu Gothic Light"/>
+        <a:font script="Hang" typeface="맑은 고딕"/>
+        <a:font script="Hans" typeface="DengXian Light"/>
+        <a:font script="Hant" typeface="新細明體"/>
+        <a:font script="Arab" typeface="Times New Roman"/>
+        <a:font script="Hebr" typeface="Times New Roman"/>
+        <a:font script="Thai" typeface="Angsana New"/>
+        <a:font script="Ethi" typeface="Nyala"/>
+        <a:font script="Beng" typeface="Vrinda"/>
+        <a:font script="Gujr" typeface="Shruti"/>
+        <a:font script="Khmr" typeface="MoolBoran"/>
+        <a:font script="Knda" typeface="Tunga"/>
+        <a:font script="Guru" typeface="Raavi"/>
+        <a:font script="Cans" typeface="Euphemia"/>
+        <a:font script="Cher" typeface="Plantagenet Cherokee"/>
+        <a:font script="Yiii" typeface="Microsoft Yi Baiti"/>
+        <a:font script="Tibt" typeface="Microsoft Himalaya"/>
+        <a:font script="Thaa" typeface="MV Boli"/>
+        <a:font script="Deva" typeface="Mangal"/>
+        <a:font script="Telu" typeface="Gautami"/>
+        <a:font script="Taml" typeface="Latha"/>
+        <a:font script="Syrc" typeface="Estrangelo Edessa"/>
+        <a:font script="Orya" typeface="Kalinga"/>
+        <a:font script="Mlym" typeface="Kartika"/>
+        <a:font script="Laoo" typeface="DokChampa"/>
+        <a:font script="Sinh" typeface="Iskoola Pota"/>
+        <a:font script="Mong" typeface="Mongolian Baiti"/>
+        <a:font script="Viet" typeface="Times New Roman"/>
+        <a:font script="Uigh" typeface="Microsoft Uighur"/>
+        <a:font script="Geor" typeface="Sylfaen"/>
+      </a:majorFont>
+      <a:minorFont>
+        <a:latin typeface="Calibri" panose="020F0502020204030204"/>
+        <a:ea typeface=""/>
+        <a:cs typeface=""/>
+        <a:font script="Jpan" typeface="Yu Gothic"/>
+        <a:font script="Hang" typeface="맑은 고딕"/>
+        <a:font script="Hans" typeface="DengXian"/>
+        <a:font script="Hant" typeface="新細明體"/>
+        <a:font script="Arab" typeface="Arial"/>
+        <a:font script="Hebr" typeface="Arial"/>
+        <a:font script="Thai" typeface="Cordia New"/>
+        <a:font script="Ethi" typeface="Nyala"/>
+        <a:font script="Beng" typeface="Vrinda"/>
+        <a:font script="Gujr" typeface="Shruti"/>
+        <a:font script="Khmr" typeface="DaunPenh"/>
+        <a:font script="Knda" typeface="Tunga"/>
+        <a:font script="Guru" typeface="Raavi"/>
+        <a:font script="Cans" typeface="Euphemia"/>
+        <a:font script="Cher" typeface="Plantagenet Cherokee"/>
+        <a:font script="Yiii" typeface="Microsoft Yi Baiti"/>
+        <a:font script="Tibt" typeface="Microsoft Himalaya"/>
+        <a:font script="Thaa" typeface="MV Boli"/>
+        <a:font script="Deva" typeface="Mangal"/>
+        <a:font script="Telu" typeface="Gautami"/>
+        <a:font script="Taml" typeface="Latha"/>
+        <a:font script="Syrc" typeface="Estrangelo Edessa"/>
+        <a:font script="Orya" typeface="Kalinga"/>
+        <a:font script="Mlym" typeface="Kartika"/>
+        <a:font script="Laoo" typeface="DokChampa"/>
+        <a:font script="Sinh" typeface="Iskoola Pota"/>
+        <a:font script="Mong" typeface="Mongolian Baiti"/>
+        <a:font script="Viet" typeface="Arial"/>
+        <a:font script="Uigh" typeface="Microsoft Uighur"/>
+        <a:font script="Geor" typeface="Sylfaen"/>
+      </a:minorFont>
+    </a:fontScheme>
+    <a:fmtScheme name="Office">
+      <a:fillStyleLst>
+        <a:solidFill>
+          <a:schemeClr val="phClr"/>
+        </a:solidFill>
+        <a:gradFill rotWithShape="1">
+          <a:gsLst>
+            <a:gs pos="0">
+              <a:schemeClr val="phClr">
+                <a:lumMod val="110000"/>
+                <a:satMod val="105000"/>
+                <a:tint val="67000"/>
+              </a:schemeClr>
+            </a:gs>
+            <a:gs pos="50000">
+              <a:schemeClr val="phClr">
+                <a:lumMod val="105000"/>
+                <a:satMod val="103000"/>
+                <a:tint val="73000"/>
+              </a:schemeClr>
+            </a:gs>
+            <a:gs pos="100000">
+              <a:schemeClr val="phClr">
+                <a:lumMod val="105000"/>
+                <a:satMod val="109000"/>
+                <a:tint val="81000"/>
+              </a:schemeClr>
+            </a:gs>
+          </a:gsLst>
+          <a:lin ang="5400000" scaled="0"/>
+        </a:gradFill>
+        <a:gradFill rotWithShape="1">
+          <a:gsLst>
+            <a:gs pos="0">
+              <a:schemeClr val="phClr">
+                <a:satMod val="103000"/>
+                <a:lumMod val="102000"/>
+                <a:tint val="94000"/>
+              </a:schemeClr>
+            </a:gs>
+            <a:gs pos="50000">
+              <a:schemeClr val="phClr">
+                <a:satMod val="110000"/>
+                <a:lumMod val="100000"/>
+                <a:shade val="100000"/>
+              </a:schemeClr>
+            </a:gs>
+            <a:gs pos="100000">
+              <a:schemeClr val="phClr">
+                <a:lumMod val="99000"/>
+                <a:satMod val="120000"/>
+                <a:shade val="78000"/>
+              </a:schemeClr>
+            </a:gs>
+          </a:gsLst>
+          <a:lin ang="5400000" scaled="0"/>
+        </a:gradFill>
+      </a:fillStyleLst>
+      <a:lnStyleLst>
+        <a:ln w="6350" cap="flat" cmpd="sng" algn="ctr">
+          <a:solidFill>
+            <a:schemeClr val="phClr"/>
+          </a:solidFill>
+          <a:prstDash val="solid"/>
+          <a:miter lim="800000"/>
+        </a:ln>
+        <a:ln w="12700" cap="flat" cmpd="sng" algn="ctr">
+          <a:solidFill>
+            <a:schemeClr val="phClr"/>
+          </a:solidFill>
+          <a:prstDash val="solid"/>
+          <a:miter lim="800000"/>
+        </a:ln>
+        <a:ln w="19050" cap="flat" cmpd="sng" algn="ctr">
+          <a:solidFill>
+            <a:schemeClr val="phClr"/>
+          </a:solidFill>
+          <a:prstDash val="solid"/>
+          <a:miter lim="800000"/>
+        </a:ln>
+      </a:lnStyleLst>
+      <a:effectStyleLst>
+        <a:effectStyle>
+          <a:effectLst/>
+        </a:effectStyle>
+        <a:effectStyle>
+          <a:effectLst/>
+        </a:effectStyle>
+        <a:effectStyle>
+          <a:effectLst>
+            <a:outerShdw blurRad="57150" dist="19050" dir="5400000" algn="ctr" rotWithShape="0">
+              <a:srgbClr val="000000">
+                <a:alpha val="63000"/>
+              </a:srgbClr>
+            </a:outerShdw>
+          </a:effectLst>
+        </a:effectStyle>
+      </a:effectStyleLst>
+      <a:bgFillStyleLst>
+        <a:solidFill>
+          <a:schemeClr val="phClr"/>
+        </a:solidFill>
+        <a:solidFill>
+          <a:schemeClr val="phClr">
+            <a:tint val="95000"/>
+            <a:satMod val="170000"/>
+          </a:schemeClr>
+        </a:solidFill>
+        <a:gradFill rotWithShape="1">
+          <a:gsLst>
+            <a:gs pos="0">
+              <a:schemeClr val="phClr">
+                <a:tint val="93000"/>
+                <a:satMod val="150000"/>
+                <a:shade val="98000"/>
+                <a:lumMod val="102000"/>
+              </a:schemeClr>
+            </a:gs>
+            <a:gs pos="50000">
+              <a:schemeClr val="phClr">
+                <a:tint val="98000"/>
+                <a:satMod val="130000"/>
+                <a:shade val="90000"/>
+                <a:lumMod val="103000"/>
+              </a:schemeClr>
+            </a:gs>
+            <a:gs pos="100000">
+              <a:schemeClr val="phClr">
+                <a:shade val="63000"/>
+                <a:satMod val="120000"/>
+              </a:schemeClr>
+            </a:gs>
+          </a:gsLst>
+          <a:lin ang="5400000" scaled="0"/>
+        </a:gradFill>
+      </a:bgFillStyleLst>
+    </a:fmtScheme>
+  </a:themeElements>
+  <a:objectDefaults/>
+  <a:extraClrSchemeLst/>
+  <a:extLst>
+    <a:ext uri="{05A4C25C-085E-4340-85A3-A5531E510DB2}">
+      <thm15:themeFamily xmlns:thm15="http://schemas.microsoft.com/office/thememl/2012/main" name="Office Theme" id="{62F939B6-93AF-4DB8-9C6B-D6C7DFDC589F}" vid="{4A3C46E8-61CC-4603-A589-7422A47A8E4A}"/>
+    </a:ext>
+  </a:extLst>
+</a:theme>
 </file>